--- a/신준태_포트폴리오.pptx
+++ b/신준태_포트폴리오.pptx
@@ -2,16 +2,16 @@
 <file path=ppt/presentation.xml><?xml version="1.0" encoding="utf-8"?>
 <p:presentation xmlns:a="http://schemas.openxmlformats.org/drawingml/2006/main" xmlns:r="http://schemas.openxmlformats.org/officeDocument/2006/relationships" xmlns:p="http://schemas.openxmlformats.org/presentationml/2006/main" xmlns:p14="http://schemas.microsoft.com/office/powerpoint/2010/main" embedTrueTypeFonts="1" saveSubsetFonts="1">
   <p:sldMasterIdLst>
-    <p:sldMasterId id="2147484284" r:id="rId68"/>
-    <p:sldMasterId id="2147484285" r:id="rId70"/>
-    <p:sldMasterId id="2147484286" r:id="rId72"/>
-    <p:sldMasterId id="2147484287" r:id="rId74"/>
-    <p:sldMasterId id="2147484288" r:id="rId76"/>
-    <p:sldMasterId id="2147484289" r:id="rId78"/>
-    <p:sldMasterId id="2147484290" r:id="rId80"/>
-    <p:sldMasterId id="2147484291" r:id="rId82"/>
-    <p:sldMasterId id="2147484292" r:id="rId84"/>
-    <p:sldMasterId id="2147484293" r:id="rId86"/>
+    <p:sldMasterId id="2147484384" r:id="rId68"/>
+    <p:sldMasterId id="2147484385" r:id="rId70"/>
+    <p:sldMasterId id="2147484386" r:id="rId72"/>
+    <p:sldMasterId id="2147484387" r:id="rId74"/>
+    <p:sldMasterId id="2147484388" r:id="rId76"/>
+    <p:sldMasterId id="2147484389" r:id="rId78"/>
+    <p:sldMasterId id="2147484390" r:id="rId80"/>
+    <p:sldMasterId id="2147484391" r:id="rId82"/>
+    <p:sldMasterId id="2147484392" r:id="rId84"/>
+    <p:sldMasterId id="2147484393" r:id="rId86"/>
   </p:sldMasterIdLst>
   <p:notesMasterIdLst>
     <p:notesMasterId r:id="rId90"/>
@@ -34,12 +34,19 @@
     <p:sldId id="297" r:id="rId109"/>
     <p:sldId id="298" r:id="rId111"/>
     <p:sldId id="299" r:id="rId113"/>
-    <p:sldId id="300" r:id="rId114"/>
-    <p:sldId id="301" r:id="rId116"/>
-    <p:sldId id="302" r:id="rId118"/>
-    <p:sldId id="303" r:id="rId120"/>
-    <p:sldId id="304" r:id="rId122"/>
-    <p:sldId id="271" r:id="rId124"/>
+    <p:sldId id="300" r:id="rId115"/>
+    <p:sldId id="301" r:id="rId117"/>
+    <p:sldId id="302" r:id="rId119"/>
+    <p:sldId id="303" r:id="rId121"/>
+    <p:sldId id="304" r:id="rId123"/>
+    <p:sldId id="306" r:id="rId125"/>
+    <p:sldId id="305" r:id="rId126"/>
+    <p:sldId id="307" r:id="rId128"/>
+    <p:sldId id="308" r:id="rId130"/>
+    <p:sldId id="309" r:id="rId132"/>
+    <p:sldId id="310" r:id="rId134"/>
+    <p:sldId id="311" r:id="rId136"/>
+    <p:sldId id="271" r:id="rId138"/>
   </p:sldIdLst>
   <p:sldSz cx="9144000" cy="6858000"/>
   <p:notesSz cx="6797675" cy="9926955"/>
@@ -161,27 +168,22 @@
   <p:extLst>
     <p:ext uri="{EFAFB233-063F-42B5-8137-9DF3F51BA10A}">
       <p15:sldGuideLst xmlns:p15="http://schemas.microsoft.com/office/powerpoint/2012/main">
-        <p15:guide id="0" orient="horz" pos="205" userDrawn="1">
+        <p15:guide id="1" orient="horz" pos="4108" userDrawn="1">
           <p15:clr>
             <a:srgbClr val="A4A3A4"/>
           </p15:clr>
         </p15:guide>
-        <p15:guide id="1" orient="horz" pos="4111" userDrawn="1">
+        <p15:guide id="5" pos="267" userDrawn="1">
           <p15:clr>
             <a:srgbClr val="A4A3A4"/>
           </p15:clr>
         </p15:guide>
-        <p15:guide id="5" pos="270" userDrawn="1">
+        <p15:guide id="6" pos="5487" userDrawn="1">
           <p15:clr>
             <a:srgbClr val="A4A3A4"/>
           </p15:clr>
         </p15:guide>
-        <p15:guide id="6" pos="5490" userDrawn="1">
-          <p15:clr>
-            <a:srgbClr val="A4A3A4"/>
-          </p15:clr>
-        </p15:guide>
-        <p15:guide id="7" pos="1514" userDrawn="1">
+        <p15:guide id="7" pos="1511" userDrawn="1">
           <p15:clr>
             <a:srgbClr val="A4A3A4"/>
           </p15:clr>
@@ -2260,6 +2262,1020 @@
           <a:xfrm rot="0">
             <a:off x="3850640" y="9428480"/>
             <a:ext cx="2947035" cy="497840"/>
+          </a:xfrm>
+          <a:prstGeom prst="rect"/>
+        </p:spPr>
+        <p:txBody>
+          <a:bodyPr wrap="square" lIns="91440" tIns="45720" rIns="91440" bIns="45720" vert="horz" anchor="b">
+            <a:noAutofit/>
+          </a:bodyPr>
+          <a:lstStyle/>
+          <a:p>
+            <a:pPr marL="0" indent="0" algn="r" fontAlgn="auto" defTabSz="914400">
+              <a:lnSpc>
+                <a:spcPct val="100000"/>
+              </a:lnSpc>
+              <a:spcBef>
+                <a:spcPts val="0"/>
+              </a:spcBef>
+              <a:spcAft>
+                <a:spcPts val="0"/>
+              </a:spcAft>
+              <a:buFontTx/>
+              <a:buNone/>
+            </a:pPr>
+            <a:fld id="{B9320F77-B9A0-41C5-862A-B4B631284C64}" type="slidenum">
+              <a:rPr lang="en-US" altLang="ko-KR" sz="1200" cap="none" dirty="0" smtClean="0" b="0">
+                <a:solidFill>
+                  <a:srgbClr val="000000"/>
+                </a:solidFill>
+                <a:latin typeface="맑은 고딕" charset="0"/>
+                <a:ea typeface="맑은 고딕" charset="0"/>
+              </a:rPr>
+              <a:t>5</a:t>
+            </a:fld>
+          </a:p>
+        </p:txBody>
+      </p:sp>
+    </p:spTree>
+  </p:cSld>
+  <p:clrMapOvr>
+    <a:masterClrMapping/>
+  </p:clrMapOvr>
+  <mc:AlternateContent xmlns:mc="http://schemas.openxmlformats.org/markup-compatibility/2006">
+    <mc:Choice xmlns:p14="http://schemas.microsoft.com/office/powerpoint/2010/main" Requires="p14">
+      <p:transition spd="slow" p14:dur="0"/>
+    </mc:Choice>
+    <mc:Fallback>
+      <p:transition spd="slow"/>
+    </mc:Fallback>
+  </mc:AlternateContent>
+</p:notes>
+</file>
+
+<file path=ppt/notesSlides/notesSlide21.xml><?xml version="1.0" encoding="utf-8"?>
+<p:notes xmlns:a="http://schemas.openxmlformats.org/drawingml/2006/main" xmlns:r="http://schemas.openxmlformats.org/officeDocument/2006/relationships" xmlns:p="http://schemas.openxmlformats.org/presentationml/2006/main">
+  <p:cSld>
+    <p:spTree>
+      <p:nvGrpSpPr>
+        <p:cNvPr id="1" name=""/>
+        <p:cNvGrpSpPr/>
+        <p:nvPr/>
+      </p:nvGrpSpPr>
+      <p:grpSpPr>
+        <a:xfrm>
+          <a:off x="0" y="0"/>
+          <a:ext cx="0" cy="0"/>
+          <a:chOff x="0" y="0"/>
+          <a:chExt cx="0" cy="0"/>
+        </a:xfrm>
+      </p:grpSpPr>
+      <p:sp>
+        <p:nvSpPr>
+          <p:cNvPr id="2" name="온라인 이미지 개체 틀 1"/>
+          <p:cNvSpPr>
+            <a:spLocks noChangeAspect="1"/>
+          </p:cNvSpPr>
+          <p:nvPr>
+            <p:ph type="sldImg"/>
+          </p:nvPr>
+        </p:nvSpPr>
+        <p:spPr>
+          <a:xfrm rot="0">
+            <a:off x="806450" y="662305"/>
+            <a:ext cx="5185410" cy="3888105"/>
+          </a:xfrm>
+          <a:prstGeom prst="rect"/>
+          <a:noFill/>
+          <a:ln w="12700" cap="flat" cmpd="sng">
+            <a:solidFill>
+              <a:srgbClr val="000000">
+                <a:alpha val="100000"/>
+              </a:srgbClr>
+            </a:solidFill>
+            <a:prstDash val="solid"/>
+          </a:ln>
+        </p:spPr>
+        <p:txBody>
+          <a:bodyPr wrap="square" lIns="0" tIns="0" rIns="0" bIns="0" vert="horz" anchor="t">
+            <a:noAutofit/>
+          </a:bodyPr>
+          <a:lstStyle/>
+          <a:p>
+            <a:pPr marL="0" indent="0" algn="just" fontAlgn="auto" defTabSz="508000">
+              <a:lnSpc>
+                <a:spcPct val="100000"/>
+              </a:lnSpc>
+              <a:spcBef>
+                <a:spcPts val="0"/>
+              </a:spcBef>
+              <a:spcAft>
+                <a:spcPts val="0"/>
+              </a:spcAft>
+              <a:buFontTx/>
+              <a:buNone/>
+            </a:pPr>
+          </a:p>
+        </p:txBody>
+      </p:sp>
+      <p:sp>
+        <p:nvSpPr>
+          <p:cNvPr id="3" name="텍스트 개체 틀 2"/>
+          <p:cNvSpPr txBox="1">
+            <a:spLocks/>
+          </p:cNvSpPr>
+          <p:nvPr>
+            <p:ph type="body" idx="1"/>
+          </p:nvPr>
+        </p:nvSpPr>
+        <p:spPr>
+          <a:xfrm rot="0">
+            <a:off x="680085" y="4714875"/>
+            <a:ext cx="5438775" cy="4467860"/>
+          </a:xfrm>
+          <a:prstGeom prst="rect"/>
+        </p:spPr>
+        <p:txBody>
+          <a:bodyPr wrap="square" lIns="91440" tIns="45720" rIns="91440" bIns="45720" vert="horz" anchor="t">
+            <a:normAutofit fontScale="100000" lnSpcReduction="0"/>
+          </a:bodyPr>
+          <a:lstStyle/>
+          <a:p>
+            <a:pPr marL="0" indent="0" algn="l" fontAlgn="auto" defTabSz="914400">
+              <a:lnSpc>
+                <a:spcPct val="100000"/>
+              </a:lnSpc>
+              <a:spcBef>
+                <a:spcPts val="0"/>
+              </a:spcBef>
+              <a:spcAft>
+                <a:spcPts val="0"/>
+              </a:spcAft>
+              <a:buFontTx/>
+              <a:buNone/>
+            </a:pPr>
+          </a:p>
+        </p:txBody>
+      </p:sp>
+      <p:sp>
+        <p:nvSpPr>
+          <p:cNvPr id="4" name="슬라이드 번호 개체 틀 3"/>
+          <p:cNvSpPr txBox="1">
+            <a:spLocks/>
+          </p:cNvSpPr>
+          <p:nvPr>
+            <p:ph type="sldNum" idx="10"/>
+          </p:nvPr>
+        </p:nvSpPr>
+        <p:spPr>
+          <a:xfrm rot="0">
+            <a:off x="3850640" y="9428480"/>
+            <a:ext cx="2946400" cy="497205"/>
+          </a:xfrm>
+          <a:prstGeom prst="rect"/>
+        </p:spPr>
+        <p:txBody>
+          <a:bodyPr wrap="square" lIns="91440" tIns="45720" rIns="91440" bIns="45720" vert="horz" anchor="b">
+            <a:noAutofit/>
+          </a:bodyPr>
+          <a:lstStyle/>
+          <a:p>
+            <a:pPr marL="0" indent="0" algn="r" fontAlgn="auto" defTabSz="914400">
+              <a:lnSpc>
+                <a:spcPct val="100000"/>
+              </a:lnSpc>
+              <a:spcBef>
+                <a:spcPts val="0"/>
+              </a:spcBef>
+              <a:spcAft>
+                <a:spcPts val="0"/>
+              </a:spcAft>
+              <a:buFontTx/>
+              <a:buNone/>
+            </a:pPr>
+            <a:fld id="{B9320F77-B9A0-41C5-862A-B4B631284C64}" type="slidenum">
+              <a:rPr lang="en-US" altLang="ko-KR" sz="1200" cap="none" dirty="0" smtClean="0" b="0">
+                <a:solidFill>
+                  <a:srgbClr val="000000"/>
+                </a:solidFill>
+                <a:latin typeface="맑은 고딕" charset="0"/>
+                <a:ea typeface="맑은 고딕" charset="0"/>
+              </a:rPr>
+              <a:t>5</a:t>
+            </a:fld>
+          </a:p>
+        </p:txBody>
+      </p:sp>
+    </p:spTree>
+  </p:cSld>
+  <p:clrMapOvr>
+    <a:masterClrMapping/>
+  </p:clrMapOvr>
+  <mc:AlternateContent xmlns:mc="http://schemas.openxmlformats.org/markup-compatibility/2006">
+    <mc:Choice xmlns:p14="http://schemas.microsoft.com/office/powerpoint/2010/main" Requires="p14">
+      <p:transition spd="slow" p14:dur="0"/>
+    </mc:Choice>
+    <mc:Fallback>
+      <p:transition spd="slow"/>
+    </mc:Fallback>
+  </mc:AlternateContent>
+</p:notes>
+</file>
+
+<file path=ppt/notesSlides/notesSlide22.xml><?xml version="1.0" encoding="utf-8"?>
+<p:notes xmlns:a="http://schemas.openxmlformats.org/drawingml/2006/main" xmlns:r="http://schemas.openxmlformats.org/officeDocument/2006/relationships" xmlns:p="http://schemas.openxmlformats.org/presentationml/2006/main">
+  <p:cSld>
+    <p:spTree>
+      <p:nvGrpSpPr>
+        <p:cNvPr id="1" name=""/>
+        <p:cNvGrpSpPr/>
+        <p:nvPr/>
+      </p:nvGrpSpPr>
+      <p:grpSpPr>
+        <a:xfrm>
+          <a:off x="0" y="0"/>
+          <a:ext cx="0" cy="0"/>
+          <a:chOff x="0" y="0"/>
+          <a:chExt cx="0" cy="0"/>
+        </a:xfrm>
+      </p:grpSpPr>
+      <p:sp>
+        <p:nvSpPr>
+          <p:cNvPr id="2" name="온라인 이미지 개체 틀 1"/>
+          <p:cNvSpPr>
+            <a:spLocks noChangeAspect="1"/>
+          </p:cNvSpPr>
+          <p:nvPr>
+            <p:ph type="sldImg"/>
+          </p:nvPr>
+        </p:nvSpPr>
+        <p:spPr>
+          <a:xfrm rot="0">
+            <a:off x="806450" y="662305"/>
+            <a:ext cx="5185410" cy="3888105"/>
+          </a:xfrm>
+          <a:prstGeom prst="rect"/>
+          <a:noFill/>
+          <a:ln w="12700" cap="flat" cmpd="sng">
+            <a:solidFill>
+              <a:srgbClr val="000000">
+                <a:alpha val="100000"/>
+              </a:srgbClr>
+            </a:solidFill>
+            <a:prstDash val="solid"/>
+          </a:ln>
+        </p:spPr>
+        <p:txBody>
+          <a:bodyPr wrap="square" lIns="0" tIns="0" rIns="0" bIns="0" vert="horz" anchor="t">
+            <a:noAutofit/>
+          </a:bodyPr>
+          <a:lstStyle/>
+          <a:p>
+            <a:pPr marL="0" indent="0" algn="just" fontAlgn="auto" defTabSz="508000">
+              <a:lnSpc>
+                <a:spcPct val="100000"/>
+              </a:lnSpc>
+              <a:spcBef>
+                <a:spcPts val="0"/>
+              </a:spcBef>
+              <a:spcAft>
+                <a:spcPts val="0"/>
+              </a:spcAft>
+              <a:buFontTx/>
+              <a:buNone/>
+            </a:pPr>
+          </a:p>
+        </p:txBody>
+      </p:sp>
+      <p:sp>
+        <p:nvSpPr>
+          <p:cNvPr id="3" name="텍스트 개체 틀 2"/>
+          <p:cNvSpPr txBox="1">
+            <a:spLocks/>
+          </p:cNvSpPr>
+          <p:nvPr>
+            <p:ph type="body" idx="1"/>
+          </p:nvPr>
+        </p:nvSpPr>
+        <p:spPr>
+          <a:xfrm rot="0">
+            <a:off x="680085" y="4714875"/>
+            <a:ext cx="5438775" cy="4467860"/>
+          </a:xfrm>
+          <a:prstGeom prst="rect"/>
+        </p:spPr>
+        <p:txBody>
+          <a:bodyPr wrap="square" lIns="91440" tIns="45720" rIns="91440" bIns="45720" vert="horz" anchor="t">
+            <a:normAutofit fontScale="100000" lnSpcReduction="0"/>
+          </a:bodyPr>
+          <a:lstStyle/>
+          <a:p>
+            <a:pPr marL="0" indent="0" algn="l" fontAlgn="auto" defTabSz="914400">
+              <a:lnSpc>
+                <a:spcPct val="100000"/>
+              </a:lnSpc>
+              <a:spcBef>
+                <a:spcPts val="0"/>
+              </a:spcBef>
+              <a:spcAft>
+                <a:spcPts val="0"/>
+              </a:spcAft>
+              <a:buFontTx/>
+              <a:buNone/>
+            </a:pPr>
+          </a:p>
+        </p:txBody>
+      </p:sp>
+      <p:sp>
+        <p:nvSpPr>
+          <p:cNvPr id="4" name="슬라이드 번호 개체 틀 3"/>
+          <p:cNvSpPr txBox="1">
+            <a:spLocks/>
+          </p:cNvSpPr>
+          <p:nvPr>
+            <p:ph type="sldNum" idx="10"/>
+          </p:nvPr>
+        </p:nvSpPr>
+        <p:spPr>
+          <a:xfrm rot="0">
+            <a:off x="3850640" y="9428480"/>
+            <a:ext cx="2946400" cy="497205"/>
+          </a:xfrm>
+          <a:prstGeom prst="rect"/>
+        </p:spPr>
+        <p:txBody>
+          <a:bodyPr wrap="square" lIns="91440" tIns="45720" rIns="91440" bIns="45720" vert="horz" anchor="b">
+            <a:noAutofit/>
+          </a:bodyPr>
+          <a:lstStyle/>
+          <a:p>
+            <a:pPr marL="0" indent="0" algn="r" fontAlgn="auto" defTabSz="914400">
+              <a:lnSpc>
+                <a:spcPct val="100000"/>
+              </a:lnSpc>
+              <a:spcBef>
+                <a:spcPts val="0"/>
+              </a:spcBef>
+              <a:spcAft>
+                <a:spcPts val="0"/>
+              </a:spcAft>
+              <a:buFontTx/>
+              <a:buNone/>
+            </a:pPr>
+            <a:fld id="{B9320F77-B9A0-41C5-862A-B4B631284C64}" type="slidenum">
+              <a:rPr lang="en-US" altLang="ko-KR" sz="1200" cap="none" dirty="0" smtClean="0" b="0">
+                <a:solidFill>
+                  <a:srgbClr val="000000"/>
+                </a:solidFill>
+                <a:latin typeface="맑은 고딕" charset="0"/>
+                <a:ea typeface="맑은 고딕" charset="0"/>
+              </a:rPr>
+              <a:t>5</a:t>
+            </a:fld>
+          </a:p>
+        </p:txBody>
+      </p:sp>
+    </p:spTree>
+  </p:cSld>
+  <p:clrMapOvr>
+    <a:masterClrMapping/>
+  </p:clrMapOvr>
+  <mc:AlternateContent xmlns:mc="http://schemas.openxmlformats.org/markup-compatibility/2006">
+    <mc:Choice xmlns:p14="http://schemas.microsoft.com/office/powerpoint/2010/main" Requires="p14">
+      <p:transition spd="slow" p14:dur="0"/>
+    </mc:Choice>
+    <mc:Fallback>
+      <p:transition spd="slow"/>
+    </mc:Fallback>
+  </mc:AlternateContent>
+</p:notes>
+</file>
+
+<file path=ppt/notesSlides/notesSlide23.xml><?xml version="1.0" encoding="utf-8"?>
+<p:notes xmlns:a="http://schemas.openxmlformats.org/drawingml/2006/main" xmlns:r="http://schemas.openxmlformats.org/officeDocument/2006/relationships" xmlns:p="http://schemas.openxmlformats.org/presentationml/2006/main">
+  <p:cSld>
+    <p:spTree>
+      <p:nvGrpSpPr>
+        <p:cNvPr id="1" name=""/>
+        <p:cNvGrpSpPr/>
+        <p:nvPr/>
+      </p:nvGrpSpPr>
+      <p:grpSpPr>
+        <a:xfrm>
+          <a:off x="0" y="0"/>
+          <a:ext cx="0" cy="0"/>
+          <a:chOff x="0" y="0"/>
+          <a:chExt cx="0" cy="0"/>
+        </a:xfrm>
+      </p:grpSpPr>
+      <p:sp>
+        <p:nvSpPr>
+          <p:cNvPr id="2" name="온라인 이미지 개체 틀 1"/>
+          <p:cNvSpPr>
+            <a:spLocks noChangeAspect="1"/>
+          </p:cNvSpPr>
+          <p:nvPr>
+            <p:ph type="sldImg"/>
+          </p:nvPr>
+        </p:nvSpPr>
+        <p:spPr>
+          <a:xfrm rot="0">
+            <a:off x="806450" y="662305"/>
+            <a:ext cx="5185410" cy="3888105"/>
+          </a:xfrm>
+          <a:prstGeom prst="rect"/>
+          <a:noFill/>
+          <a:ln w="12700" cap="flat" cmpd="sng">
+            <a:solidFill>
+              <a:srgbClr val="000000">
+                <a:alpha val="100000"/>
+              </a:srgbClr>
+            </a:solidFill>
+            <a:prstDash val="solid"/>
+          </a:ln>
+        </p:spPr>
+        <p:txBody>
+          <a:bodyPr wrap="square" lIns="0" tIns="0" rIns="0" bIns="0" vert="horz" anchor="t">
+            <a:noAutofit/>
+          </a:bodyPr>
+          <a:lstStyle/>
+          <a:p>
+            <a:pPr marL="0" indent="0" algn="just" fontAlgn="auto" defTabSz="508000">
+              <a:lnSpc>
+                <a:spcPct val="100000"/>
+              </a:lnSpc>
+              <a:spcBef>
+                <a:spcPts val="0"/>
+              </a:spcBef>
+              <a:spcAft>
+                <a:spcPts val="0"/>
+              </a:spcAft>
+              <a:buFontTx/>
+              <a:buNone/>
+            </a:pPr>
+          </a:p>
+        </p:txBody>
+      </p:sp>
+      <p:sp>
+        <p:nvSpPr>
+          <p:cNvPr id="3" name="텍스트 개체 틀 2"/>
+          <p:cNvSpPr txBox="1">
+            <a:spLocks/>
+          </p:cNvSpPr>
+          <p:nvPr>
+            <p:ph type="body" idx="1"/>
+          </p:nvPr>
+        </p:nvSpPr>
+        <p:spPr>
+          <a:xfrm rot="0">
+            <a:off x="680085" y="4714875"/>
+            <a:ext cx="5438775" cy="4467860"/>
+          </a:xfrm>
+          <a:prstGeom prst="rect"/>
+        </p:spPr>
+        <p:txBody>
+          <a:bodyPr wrap="square" lIns="91440" tIns="45720" rIns="91440" bIns="45720" vert="horz" anchor="t">
+            <a:normAutofit fontScale="100000" lnSpcReduction="0"/>
+          </a:bodyPr>
+          <a:lstStyle/>
+          <a:p>
+            <a:pPr marL="0" indent="0" algn="l" fontAlgn="auto" defTabSz="914400">
+              <a:lnSpc>
+                <a:spcPct val="100000"/>
+              </a:lnSpc>
+              <a:spcBef>
+                <a:spcPts val="0"/>
+              </a:spcBef>
+              <a:spcAft>
+                <a:spcPts val="0"/>
+              </a:spcAft>
+              <a:buFontTx/>
+              <a:buNone/>
+            </a:pPr>
+          </a:p>
+        </p:txBody>
+      </p:sp>
+      <p:sp>
+        <p:nvSpPr>
+          <p:cNvPr id="4" name="슬라이드 번호 개체 틀 3"/>
+          <p:cNvSpPr txBox="1">
+            <a:spLocks/>
+          </p:cNvSpPr>
+          <p:nvPr>
+            <p:ph type="sldNum" idx="10"/>
+          </p:nvPr>
+        </p:nvSpPr>
+        <p:spPr>
+          <a:xfrm rot="0">
+            <a:off x="3850640" y="9428480"/>
+            <a:ext cx="2946400" cy="497205"/>
+          </a:xfrm>
+          <a:prstGeom prst="rect"/>
+        </p:spPr>
+        <p:txBody>
+          <a:bodyPr wrap="square" lIns="91440" tIns="45720" rIns="91440" bIns="45720" vert="horz" anchor="b">
+            <a:noAutofit/>
+          </a:bodyPr>
+          <a:lstStyle/>
+          <a:p>
+            <a:pPr marL="0" indent="0" algn="r" fontAlgn="auto" defTabSz="914400">
+              <a:lnSpc>
+                <a:spcPct val="100000"/>
+              </a:lnSpc>
+              <a:spcBef>
+                <a:spcPts val="0"/>
+              </a:spcBef>
+              <a:spcAft>
+                <a:spcPts val="0"/>
+              </a:spcAft>
+              <a:buFontTx/>
+              <a:buNone/>
+            </a:pPr>
+            <a:fld id="{B9320F77-B9A0-41C5-862A-B4B631284C64}" type="slidenum">
+              <a:rPr lang="en-US" altLang="ko-KR" sz="1200" cap="none" dirty="0" smtClean="0" b="0">
+                <a:solidFill>
+                  <a:srgbClr val="000000"/>
+                </a:solidFill>
+                <a:latin typeface="맑은 고딕" charset="0"/>
+                <a:ea typeface="맑은 고딕" charset="0"/>
+              </a:rPr>
+              <a:t>5</a:t>
+            </a:fld>
+          </a:p>
+        </p:txBody>
+      </p:sp>
+    </p:spTree>
+  </p:cSld>
+  <p:clrMapOvr>
+    <a:masterClrMapping/>
+  </p:clrMapOvr>
+  <mc:AlternateContent xmlns:mc="http://schemas.openxmlformats.org/markup-compatibility/2006">
+    <mc:Choice xmlns:p14="http://schemas.microsoft.com/office/powerpoint/2010/main" Requires="p14">
+      <p:transition spd="slow" p14:dur="0"/>
+    </mc:Choice>
+    <mc:Fallback>
+      <p:transition spd="slow"/>
+    </mc:Fallback>
+  </mc:AlternateContent>
+</p:notes>
+</file>
+
+<file path=ppt/notesSlides/notesSlide24.xml><?xml version="1.0" encoding="utf-8"?>
+<p:notes xmlns:a="http://schemas.openxmlformats.org/drawingml/2006/main" xmlns:r="http://schemas.openxmlformats.org/officeDocument/2006/relationships" xmlns:p="http://schemas.openxmlformats.org/presentationml/2006/main">
+  <p:cSld>
+    <p:spTree>
+      <p:nvGrpSpPr>
+        <p:cNvPr id="1" name=""/>
+        <p:cNvGrpSpPr/>
+        <p:nvPr/>
+      </p:nvGrpSpPr>
+      <p:grpSpPr>
+        <a:xfrm>
+          <a:off x="0" y="0"/>
+          <a:ext cx="0" cy="0"/>
+          <a:chOff x="0" y="0"/>
+          <a:chExt cx="0" cy="0"/>
+        </a:xfrm>
+      </p:grpSpPr>
+      <p:sp>
+        <p:nvSpPr>
+          <p:cNvPr id="2" name="온라인 이미지 개체 틀 1"/>
+          <p:cNvSpPr>
+            <a:spLocks noChangeAspect="1"/>
+          </p:cNvSpPr>
+          <p:nvPr>
+            <p:ph type="sldImg"/>
+          </p:nvPr>
+        </p:nvSpPr>
+        <p:spPr>
+          <a:xfrm rot="0">
+            <a:off x="806450" y="662305"/>
+            <a:ext cx="5186680" cy="3889375"/>
+          </a:xfrm>
+          <a:prstGeom prst="rect"/>
+          <a:noFill/>
+          <a:ln w="12700" cap="flat" cmpd="sng">
+            <a:solidFill>
+              <a:srgbClr val="000000">
+                <a:alpha val="100000"/>
+              </a:srgbClr>
+            </a:solidFill>
+            <a:prstDash val="solid"/>
+          </a:ln>
+        </p:spPr>
+        <p:txBody>
+          <a:bodyPr wrap="square" lIns="0" tIns="0" rIns="0" bIns="0" vert="horz" anchor="t">
+            <a:noAutofit/>
+          </a:bodyPr>
+          <a:lstStyle/>
+          <a:p>
+            <a:pPr marL="0" indent="0" algn="just" fontAlgn="auto" defTabSz="508000">
+              <a:lnSpc>
+                <a:spcPct val="100000"/>
+              </a:lnSpc>
+              <a:spcBef>
+                <a:spcPts val="0"/>
+              </a:spcBef>
+              <a:spcAft>
+                <a:spcPts val="0"/>
+              </a:spcAft>
+              <a:buFontTx/>
+              <a:buNone/>
+            </a:pPr>
+          </a:p>
+        </p:txBody>
+      </p:sp>
+      <p:sp>
+        <p:nvSpPr>
+          <p:cNvPr id="3" name="텍스트 개체 틀 2"/>
+          <p:cNvSpPr txBox="1">
+            <a:spLocks/>
+          </p:cNvSpPr>
+          <p:nvPr>
+            <p:ph type="body"/>
+          </p:nvPr>
+        </p:nvSpPr>
+        <p:spPr>
+          <a:xfrm rot="0">
+            <a:off x="680085" y="4714875"/>
+            <a:ext cx="5440045" cy="4469130"/>
+          </a:xfrm>
+          <a:prstGeom prst="rect"/>
+        </p:spPr>
+        <p:txBody>
+          <a:bodyPr wrap="square" lIns="91440" tIns="45720" rIns="91440" bIns="45720" vert="horz" anchor="t">
+            <a:normAutofit fontScale="100000" lnSpcReduction="0"/>
+          </a:bodyPr>
+          <a:lstStyle/>
+          <a:p>
+            <a:pPr marL="0" indent="0" algn="l" fontAlgn="auto" defTabSz="914400">
+              <a:lnSpc>
+                <a:spcPct val="100000"/>
+              </a:lnSpc>
+              <a:spcBef>
+                <a:spcPts val="0"/>
+              </a:spcBef>
+              <a:spcAft>
+                <a:spcPts val="0"/>
+              </a:spcAft>
+              <a:buFontTx/>
+              <a:buNone/>
+            </a:pPr>
+          </a:p>
+        </p:txBody>
+      </p:sp>
+      <p:sp>
+        <p:nvSpPr>
+          <p:cNvPr id="4" name="슬라이드 번호 개체 틀 3"/>
+          <p:cNvSpPr txBox="1">
+            <a:spLocks/>
+          </p:cNvSpPr>
+          <p:nvPr>
+            <p:ph type="sldNum"/>
+          </p:nvPr>
+        </p:nvSpPr>
+        <p:spPr>
+          <a:xfrm rot="0">
+            <a:off x="3850640" y="9428480"/>
+            <a:ext cx="2947670" cy="498475"/>
+          </a:xfrm>
+          <a:prstGeom prst="rect"/>
+        </p:spPr>
+        <p:txBody>
+          <a:bodyPr wrap="square" lIns="91440" tIns="45720" rIns="91440" bIns="45720" vert="horz" anchor="b">
+            <a:noAutofit/>
+          </a:bodyPr>
+          <a:lstStyle/>
+          <a:p>
+            <a:pPr marL="0" indent="0" algn="r" fontAlgn="auto" defTabSz="914400">
+              <a:lnSpc>
+                <a:spcPct val="100000"/>
+              </a:lnSpc>
+              <a:spcBef>
+                <a:spcPts val="0"/>
+              </a:spcBef>
+              <a:spcAft>
+                <a:spcPts val="0"/>
+              </a:spcAft>
+              <a:buFontTx/>
+              <a:buNone/>
+            </a:pPr>
+            <a:fld id="{B9320F77-B9A0-41C5-862A-B4B631284C64}" type="slidenum">
+              <a:rPr lang="en-US" altLang="ko-KR" sz="1200" cap="none" dirty="0" smtClean="0" b="0">
+                <a:solidFill>
+                  <a:srgbClr val="000000"/>
+                </a:solidFill>
+                <a:latin typeface="맑은 고딕" charset="0"/>
+                <a:ea typeface="맑은 고딕" charset="0"/>
+              </a:rPr>
+              <a:t>5</a:t>
+            </a:fld>
+          </a:p>
+        </p:txBody>
+      </p:sp>
+    </p:spTree>
+  </p:cSld>
+  <p:clrMapOvr>
+    <a:masterClrMapping/>
+  </p:clrMapOvr>
+  <mc:AlternateContent xmlns:mc="http://schemas.openxmlformats.org/markup-compatibility/2006">
+    <mc:Choice xmlns:p14="http://schemas.microsoft.com/office/powerpoint/2010/main" Requires="p14">
+      <p:transition spd="slow" p14:dur="0"/>
+    </mc:Choice>
+    <mc:Fallback>
+      <p:transition spd="slow"/>
+    </mc:Fallback>
+  </mc:AlternateContent>
+</p:notes>
+</file>
+
+<file path=ppt/notesSlides/notesSlide25.xml><?xml version="1.0" encoding="utf-8"?>
+<p:notes xmlns:a="http://schemas.openxmlformats.org/drawingml/2006/main" xmlns:r="http://schemas.openxmlformats.org/officeDocument/2006/relationships" xmlns:p="http://schemas.openxmlformats.org/presentationml/2006/main">
+  <p:cSld>
+    <p:spTree>
+      <p:nvGrpSpPr>
+        <p:cNvPr id="1" name=""/>
+        <p:cNvGrpSpPr/>
+        <p:nvPr/>
+      </p:nvGrpSpPr>
+      <p:grpSpPr>
+        <a:xfrm>
+          <a:off x="0" y="0"/>
+          <a:ext cx="0" cy="0"/>
+          <a:chOff x="0" y="0"/>
+          <a:chExt cx="0" cy="0"/>
+        </a:xfrm>
+      </p:grpSpPr>
+      <p:sp>
+        <p:nvSpPr>
+          <p:cNvPr id="2" name="온라인 이미지 개체 틀 1"/>
+          <p:cNvSpPr>
+            <a:spLocks noChangeAspect="1"/>
+          </p:cNvSpPr>
+          <p:nvPr>
+            <p:ph type="sldImg"/>
+          </p:nvPr>
+        </p:nvSpPr>
+        <p:spPr>
+          <a:xfrm rot="0">
+            <a:off x="806450" y="662305"/>
+            <a:ext cx="5186680" cy="3889375"/>
+          </a:xfrm>
+          <a:prstGeom prst="rect"/>
+          <a:noFill/>
+          <a:ln w="12700" cap="flat" cmpd="sng">
+            <a:solidFill>
+              <a:srgbClr val="000000">
+                <a:alpha val="100000"/>
+              </a:srgbClr>
+            </a:solidFill>
+            <a:prstDash val="solid"/>
+          </a:ln>
+        </p:spPr>
+        <p:txBody>
+          <a:bodyPr wrap="square" lIns="0" tIns="0" rIns="0" bIns="0" vert="horz" anchor="t">
+            <a:noAutofit/>
+          </a:bodyPr>
+          <a:lstStyle/>
+          <a:p>
+            <a:pPr marL="0" indent="0" algn="just" fontAlgn="auto" defTabSz="508000">
+              <a:lnSpc>
+                <a:spcPct val="100000"/>
+              </a:lnSpc>
+              <a:spcBef>
+                <a:spcPts val="0"/>
+              </a:spcBef>
+              <a:spcAft>
+                <a:spcPts val="0"/>
+              </a:spcAft>
+              <a:buFontTx/>
+              <a:buNone/>
+            </a:pPr>
+          </a:p>
+        </p:txBody>
+      </p:sp>
+      <p:sp>
+        <p:nvSpPr>
+          <p:cNvPr id="3" name="텍스트 개체 틀 2"/>
+          <p:cNvSpPr txBox="1">
+            <a:spLocks/>
+          </p:cNvSpPr>
+          <p:nvPr>
+            <p:ph type="body"/>
+          </p:nvPr>
+        </p:nvSpPr>
+        <p:spPr>
+          <a:xfrm rot="0">
+            <a:off x="680085" y="4714875"/>
+            <a:ext cx="5440045" cy="4469130"/>
+          </a:xfrm>
+          <a:prstGeom prst="rect"/>
+        </p:spPr>
+        <p:txBody>
+          <a:bodyPr wrap="square" lIns="91440" tIns="45720" rIns="91440" bIns="45720" vert="horz" anchor="t">
+            <a:normAutofit fontScale="100000" lnSpcReduction="0"/>
+          </a:bodyPr>
+          <a:lstStyle/>
+          <a:p>
+            <a:pPr marL="0" indent="0" algn="l" fontAlgn="auto" defTabSz="914400">
+              <a:lnSpc>
+                <a:spcPct val="100000"/>
+              </a:lnSpc>
+              <a:spcBef>
+                <a:spcPts val="0"/>
+              </a:spcBef>
+              <a:spcAft>
+                <a:spcPts val="0"/>
+              </a:spcAft>
+              <a:buFontTx/>
+              <a:buNone/>
+            </a:pPr>
+          </a:p>
+        </p:txBody>
+      </p:sp>
+      <p:sp>
+        <p:nvSpPr>
+          <p:cNvPr id="4" name="슬라이드 번호 개체 틀 3"/>
+          <p:cNvSpPr txBox="1">
+            <a:spLocks/>
+          </p:cNvSpPr>
+          <p:nvPr>
+            <p:ph type="sldNum"/>
+          </p:nvPr>
+        </p:nvSpPr>
+        <p:spPr>
+          <a:xfrm rot="0">
+            <a:off x="3850640" y="9428480"/>
+            <a:ext cx="2947670" cy="498475"/>
+          </a:xfrm>
+          <a:prstGeom prst="rect"/>
+        </p:spPr>
+        <p:txBody>
+          <a:bodyPr wrap="square" lIns="91440" tIns="45720" rIns="91440" bIns="45720" vert="horz" anchor="b">
+            <a:noAutofit/>
+          </a:bodyPr>
+          <a:lstStyle/>
+          <a:p>
+            <a:pPr marL="0" indent="0" algn="r" fontAlgn="auto" defTabSz="914400">
+              <a:lnSpc>
+                <a:spcPct val="100000"/>
+              </a:lnSpc>
+              <a:spcBef>
+                <a:spcPts val="0"/>
+              </a:spcBef>
+              <a:spcAft>
+                <a:spcPts val="0"/>
+              </a:spcAft>
+              <a:buFontTx/>
+              <a:buNone/>
+            </a:pPr>
+            <a:fld id="{B9320F77-B9A0-41C5-862A-B4B631284C64}" type="slidenum">
+              <a:rPr lang="en-US" altLang="ko-KR" sz="1200" cap="none" dirty="0" smtClean="0" b="0">
+                <a:solidFill>
+                  <a:srgbClr val="000000"/>
+                </a:solidFill>
+                <a:latin typeface="맑은 고딕" charset="0"/>
+                <a:ea typeface="맑은 고딕" charset="0"/>
+              </a:rPr>
+              <a:t>5</a:t>
+            </a:fld>
+          </a:p>
+        </p:txBody>
+      </p:sp>
+    </p:spTree>
+  </p:cSld>
+  <p:clrMapOvr>
+    <a:masterClrMapping/>
+  </p:clrMapOvr>
+  <mc:AlternateContent xmlns:mc="http://schemas.openxmlformats.org/markup-compatibility/2006">
+    <mc:Choice xmlns:p14="http://schemas.microsoft.com/office/powerpoint/2010/main" Requires="p14">
+      <p:transition spd="slow" p14:dur="0"/>
+    </mc:Choice>
+    <mc:Fallback>
+      <p:transition spd="slow"/>
+    </mc:Fallback>
+  </mc:AlternateContent>
+</p:notes>
+</file>
+
+<file path=ppt/notesSlides/notesSlide26.xml><?xml version="1.0" encoding="utf-8"?>
+<p:notes xmlns:a="http://schemas.openxmlformats.org/drawingml/2006/main" xmlns:r="http://schemas.openxmlformats.org/officeDocument/2006/relationships" xmlns:p="http://schemas.openxmlformats.org/presentationml/2006/main">
+  <p:cSld>
+    <p:spTree>
+      <p:nvGrpSpPr>
+        <p:cNvPr id="1" name=""/>
+        <p:cNvGrpSpPr/>
+        <p:nvPr/>
+      </p:nvGrpSpPr>
+      <p:grpSpPr>
+        <a:xfrm>
+          <a:off x="0" y="0"/>
+          <a:ext cx="0" cy="0"/>
+          <a:chOff x="0" y="0"/>
+          <a:chExt cx="0" cy="0"/>
+        </a:xfrm>
+      </p:grpSpPr>
+      <p:sp>
+        <p:nvSpPr>
+          <p:cNvPr id="2" name="온라인 이미지 개체 틀 1"/>
+          <p:cNvSpPr>
+            <a:spLocks noChangeAspect="1"/>
+          </p:cNvSpPr>
+          <p:nvPr>
+            <p:ph type="sldImg"/>
+          </p:nvPr>
+        </p:nvSpPr>
+        <p:spPr>
+          <a:xfrm rot="0">
+            <a:off x="806450" y="662305"/>
+            <a:ext cx="5186680" cy="3889375"/>
+          </a:xfrm>
+          <a:prstGeom prst="rect"/>
+          <a:noFill/>
+          <a:ln w="12700" cap="flat" cmpd="sng">
+            <a:solidFill>
+              <a:srgbClr val="000000">
+                <a:alpha val="100000"/>
+              </a:srgbClr>
+            </a:solidFill>
+            <a:prstDash val="solid"/>
+          </a:ln>
+        </p:spPr>
+        <p:txBody>
+          <a:bodyPr wrap="square" lIns="0" tIns="0" rIns="0" bIns="0" vert="horz" anchor="t">
+            <a:noAutofit/>
+          </a:bodyPr>
+          <a:lstStyle/>
+          <a:p>
+            <a:pPr marL="0" indent="0" algn="just" fontAlgn="auto" defTabSz="508000">
+              <a:lnSpc>
+                <a:spcPct val="100000"/>
+              </a:lnSpc>
+              <a:spcBef>
+                <a:spcPts val="0"/>
+              </a:spcBef>
+              <a:spcAft>
+                <a:spcPts val="0"/>
+              </a:spcAft>
+              <a:buFontTx/>
+              <a:buNone/>
+            </a:pPr>
+          </a:p>
+        </p:txBody>
+      </p:sp>
+      <p:sp>
+        <p:nvSpPr>
+          <p:cNvPr id="3" name="텍스트 개체 틀 2"/>
+          <p:cNvSpPr txBox="1">
+            <a:spLocks/>
+          </p:cNvSpPr>
+          <p:nvPr>
+            <p:ph type="body"/>
+          </p:nvPr>
+        </p:nvSpPr>
+        <p:spPr>
+          <a:xfrm rot="0">
+            <a:off x="680085" y="4714875"/>
+            <a:ext cx="5440045" cy="4469130"/>
+          </a:xfrm>
+          <a:prstGeom prst="rect"/>
+        </p:spPr>
+        <p:txBody>
+          <a:bodyPr wrap="square" lIns="91440" tIns="45720" rIns="91440" bIns="45720" vert="horz" anchor="t">
+            <a:normAutofit fontScale="100000" lnSpcReduction="0"/>
+          </a:bodyPr>
+          <a:lstStyle/>
+          <a:p>
+            <a:pPr marL="0" indent="0" algn="l" fontAlgn="auto" defTabSz="914400">
+              <a:lnSpc>
+                <a:spcPct val="100000"/>
+              </a:lnSpc>
+              <a:spcBef>
+                <a:spcPts val="0"/>
+              </a:spcBef>
+              <a:spcAft>
+                <a:spcPts val="0"/>
+              </a:spcAft>
+              <a:buFontTx/>
+              <a:buNone/>
+            </a:pPr>
+          </a:p>
+        </p:txBody>
+      </p:sp>
+      <p:sp>
+        <p:nvSpPr>
+          <p:cNvPr id="4" name="슬라이드 번호 개체 틀 3"/>
+          <p:cNvSpPr txBox="1">
+            <a:spLocks/>
+          </p:cNvSpPr>
+          <p:nvPr>
+            <p:ph type="sldNum"/>
+          </p:nvPr>
+        </p:nvSpPr>
+        <p:spPr>
+          <a:xfrm rot="0">
+            <a:off x="3850640" y="9428480"/>
+            <a:ext cx="2947670" cy="498475"/>
           </a:xfrm>
           <a:prstGeom prst="rect"/>
         </p:spPr>
@@ -20834,7 +21850,7 @@
 </file>
 
 <file path=ppt/slides/slide11.xml><?xml version="1.0" encoding="utf-8"?>
-<p:sld xmlns:a="http://schemas.openxmlformats.org/drawingml/2006/main" xmlns:r="http://schemas.openxmlformats.org/officeDocument/2006/relationships" xmlns:p="http://schemas.openxmlformats.org/presentationml/2006/main">
+<p:sld xmlns:a="http://schemas.openxmlformats.org/drawingml/2006/main" xmlns:r="http://schemas.openxmlformats.org/officeDocument/2006/relationships" xmlns:p="http://schemas.openxmlformats.org/presentationml/2006/main" xmlns:p14="http://schemas.microsoft.com/office/powerpoint/2010/main">
   <p:cSld>
     <p:spTree>
       <p:nvGrpSpPr>
@@ -21100,7 +22116,7 @@
 </file>
 
 <file path=ppt/slides/slide12.xml><?xml version="1.0" encoding="utf-8"?>
-<p:sld xmlns:a="http://schemas.openxmlformats.org/drawingml/2006/main" xmlns:r="http://schemas.openxmlformats.org/officeDocument/2006/relationships" xmlns:p="http://schemas.openxmlformats.org/presentationml/2006/main">
+<p:sld xmlns:a="http://schemas.openxmlformats.org/drawingml/2006/main" xmlns:r="http://schemas.openxmlformats.org/officeDocument/2006/relationships" xmlns:p="http://schemas.openxmlformats.org/presentationml/2006/main" xmlns:p14="http://schemas.microsoft.com/office/powerpoint/2010/main">
   <p:cSld>
     <p:spTree>
       <p:nvGrpSpPr>
@@ -24205,7 +25221,7 @@
 </file>
 
 <file path=ppt/slides/slide13.xml><?xml version="1.0" encoding="utf-8"?>
-<p:sld xmlns:a="http://schemas.openxmlformats.org/drawingml/2006/main" xmlns:r="http://schemas.openxmlformats.org/officeDocument/2006/relationships" xmlns:p="http://schemas.openxmlformats.org/presentationml/2006/main">
+<p:sld xmlns:a="http://schemas.openxmlformats.org/drawingml/2006/main" xmlns:r="http://schemas.openxmlformats.org/officeDocument/2006/relationships" xmlns:p="http://schemas.openxmlformats.org/presentationml/2006/main" xmlns:p14="http://schemas.microsoft.com/office/powerpoint/2010/main">
   <p:cSld>
     <p:spTree>
       <p:nvGrpSpPr>
@@ -28645,7 +29661,7 @@
 </file>
 
 <file path=ppt/slides/slide15.xml><?xml version="1.0" encoding="utf-8"?>
-<p:sld xmlns:a="http://schemas.openxmlformats.org/drawingml/2006/main" xmlns:r="http://schemas.openxmlformats.org/officeDocument/2006/relationships" xmlns:p="http://schemas.openxmlformats.org/presentationml/2006/main">
+<p:sld xmlns:a="http://schemas.openxmlformats.org/drawingml/2006/main" xmlns:r="http://schemas.openxmlformats.org/officeDocument/2006/relationships" xmlns:p="http://schemas.openxmlformats.org/presentationml/2006/main" xmlns:p14="http://schemas.microsoft.com/office/powerpoint/2010/main">
   <p:cSld>
     <p:spTree>
       <p:nvGrpSpPr>
@@ -28902,7 +29918,7 @@
       </p:sp>
       <p:pic>
         <p:nvPicPr>
-          <p:cNvPr id="66" name="그림 65" descr="C:/Users/kosmo_21/AppData/Roaming/PolarisOffice/ETemp/5760_5988400/fImage305435243811.jpeg"/>
+          <p:cNvPr id="66" name="그림 65"/>
           <p:cNvPicPr>
             <a:picLocks noChangeAspect="1"/>
           </p:cNvPicPr>
@@ -28991,7 +30007,7 @@
       </p:sp>
       <p:pic>
         <p:nvPicPr>
-          <p:cNvPr id="68" name="그림 67" descr="C:/Users/kosmo_21/AppData/Roaming/PolarisOffice/ETemp/5760_5988400/fImage433515261322.jpeg"/>
+          <p:cNvPr id="68" name="그림 67"/>
           <p:cNvPicPr>
             <a:picLocks noChangeAspect="1"/>
           </p:cNvPicPr>
@@ -29172,7 +30188,7 @@
 </file>
 
 <file path=ppt/slides/slide16.xml><?xml version="1.0" encoding="utf-8"?>
-<p:sld xmlns:a="http://schemas.openxmlformats.org/drawingml/2006/main" xmlns:r="http://schemas.openxmlformats.org/officeDocument/2006/relationships" xmlns:p="http://schemas.openxmlformats.org/presentationml/2006/main">
+<p:sld xmlns:a="http://schemas.openxmlformats.org/drawingml/2006/main" xmlns:r="http://schemas.openxmlformats.org/officeDocument/2006/relationships" xmlns:p="http://schemas.openxmlformats.org/presentationml/2006/main" xmlns:p14="http://schemas.microsoft.com/office/powerpoint/2010/main">
   <p:cSld>
     <p:spTree>
       <p:nvGrpSpPr>
@@ -29547,7 +30563,7 @@
       </p:sp>
       <p:pic>
         <p:nvPicPr>
-          <p:cNvPr id="70" name="그림 69" descr="C:/Users/kosmo_21/AppData/Roaming/PolarisOffice/ETemp/5760_5988400/fImage99524568333.jpeg"/>
+          <p:cNvPr id="70" name="그림 69"/>
           <p:cNvPicPr>
             <a:picLocks noChangeAspect="1"/>
           </p:cNvPicPr>
@@ -29577,7 +30593,7 @@
       </p:pic>
       <p:pic>
         <p:nvPicPr>
-          <p:cNvPr id="71" name="그림 70" descr="C:/Users/kosmo_21/AppData/Roaming/PolarisOffice/ETemp/5760_5988400/fImage572955697673.jpeg"/>
+          <p:cNvPr id="71" name="그림 70"/>
           <p:cNvPicPr>
             <a:picLocks noChangeAspect="1"/>
           </p:cNvPicPr>
@@ -29699,7 +30715,7 @@
 </file>
 
 <file path=ppt/slides/slide17.xml><?xml version="1.0" encoding="utf-8"?>
-<p:sld xmlns:a="http://schemas.openxmlformats.org/drawingml/2006/main" xmlns:r="http://schemas.openxmlformats.org/officeDocument/2006/relationships" xmlns:p="http://schemas.openxmlformats.org/presentationml/2006/main">
+<p:sld xmlns:a="http://schemas.openxmlformats.org/drawingml/2006/main" xmlns:r="http://schemas.openxmlformats.org/officeDocument/2006/relationships" xmlns:p="http://schemas.openxmlformats.org/presentationml/2006/main" xmlns:p14="http://schemas.microsoft.com/office/powerpoint/2010/main">
   <p:cSld>
     <p:spTree>
       <p:nvGrpSpPr>
@@ -30074,7 +31090,7 @@
       </p:sp>
       <p:pic>
         <p:nvPicPr>
-          <p:cNvPr id="72" name="그림 71" descr="C:/Users/kosmo_21/AppData/Roaming/PolarisOffice/ETemp/5760_5988400/fImage831466104664.jpeg"/>
+          <p:cNvPr id="72" name="그림 71"/>
           <p:cNvPicPr>
             <a:picLocks noChangeAspect="1"/>
           </p:cNvPicPr>
@@ -30104,7 +31120,7 @@
       </p:pic>
       <p:pic>
         <p:nvPicPr>
-          <p:cNvPr id="73" name="그림 72" descr="C:/Users/kosmo_21/AppData/Roaming/PolarisOffice/ETemp/5760_5988400/fImage550516115141.jpeg"/>
+          <p:cNvPr id="73" name="그림 72"/>
           <p:cNvPicPr>
             <a:picLocks noChangeAspect="1"/>
           </p:cNvPicPr>
@@ -30226,7 +31242,7 @@
 </file>
 
 <file path=ppt/slides/slide18.xml><?xml version="1.0" encoding="utf-8"?>
-<p:sld xmlns:a="http://schemas.openxmlformats.org/drawingml/2006/main" xmlns:r="http://schemas.openxmlformats.org/officeDocument/2006/relationships" xmlns:p="http://schemas.openxmlformats.org/presentationml/2006/main">
+<p:sld xmlns:a="http://schemas.openxmlformats.org/drawingml/2006/main" xmlns:r="http://schemas.openxmlformats.org/officeDocument/2006/relationships" xmlns:p="http://schemas.openxmlformats.org/presentationml/2006/main" xmlns:p14="http://schemas.microsoft.com/office/powerpoint/2010/main">
   <p:cSld>
     <p:spTree>
       <p:nvGrpSpPr>
@@ -30601,7 +31617,7 @@
       </p:sp>
       <p:pic>
         <p:nvPicPr>
-          <p:cNvPr id="74" name="그림 73" descr="C:/Users/kosmo_21/AppData/Roaming/PolarisOffice/ETemp/5760_5988400/fImage599846527711.jpeg"/>
+          <p:cNvPr id="74" name="그림 73"/>
           <p:cNvPicPr>
             <a:picLocks noChangeAspect="1"/>
           </p:cNvPicPr>
@@ -30631,7 +31647,7 @@
       </p:pic>
       <p:pic>
         <p:nvPicPr>
-          <p:cNvPr id="75" name="그림 74" descr="C:/Users/kosmo_21/AppData/Roaming/PolarisOffice/ETemp/5760_5988400/fImage480326538253.jpeg"/>
+          <p:cNvPr id="75" name="그림 74"/>
           <p:cNvPicPr>
             <a:picLocks noChangeAspect="1"/>
           </p:cNvPicPr>
@@ -30753,7 +31769,7 @@
 </file>
 
 <file path=ppt/slides/slide19.xml><?xml version="1.0" encoding="utf-8"?>
-<p:sld xmlns:a="http://schemas.openxmlformats.org/drawingml/2006/main" xmlns:r="http://schemas.openxmlformats.org/officeDocument/2006/relationships" xmlns:p="http://schemas.openxmlformats.org/presentationml/2006/main">
+<p:sld xmlns:a="http://schemas.openxmlformats.org/drawingml/2006/main" xmlns:r="http://schemas.openxmlformats.org/officeDocument/2006/relationships" xmlns:p="http://schemas.openxmlformats.org/presentationml/2006/main" xmlns:p14="http://schemas.microsoft.com/office/powerpoint/2010/main">
   <p:cSld>
     <p:spTree>
       <p:nvGrpSpPr>
@@ -31128,7 +32144,7 @@
       </p:sp>
       <p:pic>
         <p:nvPicPr>
-          <p:cNvPr id="70" name="그림 69" descr="C:/Users/kosmo_21/AppData/Roaming/PolarisOffice/ETemp/5760_5988400/fImage697806946868.jpeg"/>
+          <p:cNvPr id="70" name="그림 69"/>
           <p:cNvPicPr>
             <a:picLocks noChangeAspect="1"/>
           </p:cNvPicPr>
@@ -31158,7 +32174,7 @@
       </p:pic>
       <p:pic>
         <p:nvPicPr>
-          <p:cNvPr id="71" name="그림 70" descr="C:/Users/kosmo_21/AppData/Roaming/PolarisOffice/ETemp/5760_5988400/fImage1035766955547.jpeg"/>
+          <p:cNvPr id="71" name="그림 70"/>
           <p:cNvPicPr>
             <a:picLocks noChangeAspect="1"/>
           </p:cNvPicPr>
@@ -32791,7 +33807,7 @@
                     <a:bodyPr/>
                     <a:lstStyle/>
                     <a:p>
-                      <a:pPr marL="0" indent="0" algn="ctr" fontAlgn="auto" defTabSz="508000">
+                      <a:pPr marL="0" indent="0" algn="ctr" fontAlgn="auto" defTabSz="508000" eaLnBrk="0">
                         <a:lnSpc>
                           <a:spcPct val="100000"/>
                         </a:lnSpc>
@@ -32878,7 +33894,7 @@
                     <a:bodyPr/>
                     <a:lstStyle/>
                     <a:p>
-                      <a:pPr marL="0" indent="0" algn="ctr" fontAlgn="auto" defTabSz="508000">
+                      <a:pPr marL="0" indent="0" algn="ctr" fontAlgn="auto" defTabSz="508000" eaLnBrk="0">
                         <a:lnSpc>
                           <a:spcPct val="100000"/>
                         </a:lnSpc>
@@ -32965,7 +33981,7 @@
                     <a:bodyPr/>
                     <a:lstStyle/>
                     <a:p>
-                      <a:pPr marL="0" indent="0" algn="ctr" fontAlgn="auto" defTabSz="508000">
+                      <a:pPr marL="0" indent="0" algn="ctr" fontAlgn="auto" defTabSz="508000" eaLnBrk="0">
                         <a:lnSpc>
                           <a:spcPct val="100000"/>
                         </a:lnSpc>
@@ -33052,7 +34068,7 @@
                     <a:bodyPr/>
                     <a:lstStyle/>
                     <a:p>
-                      <a:pPr marL="0" indent="0" algn="ctr" fontAlgn="auto" defTabSz="508000">
+                      <a:pPr marL="0" indent="0" algn="ctr" fontAlgn="auto" defTabSz="508000" eaLnBrk="0">
                         <a:lnSpc>
                           <a:spcPct val="100000"/>
                         </a:lnSpc>
@@ -33139,7 +34155,7 @@
                     <a:bodyPr/>
                     <a:lstStyle/>
                     <a:p>
-                      <a:pPr marL="0" indent="0" algn="ctr" fontAlgn="auto" defTabSz="508000">
+                      <a:pPr marL="0" indent="0" algn="ctr" fontAlgn="auto" defTabSz="508000" eaLnBrk="0">
                         <a:lnSpc>
                           <a:spcPct val="100000"/>
                         </a:lnSpc>
@@ -33226,7 +34242,7 @@
                     <a:bodyPr/>
                     <a:lstStyle/>
                     <a:p>
-                      <a:pPr marL="0" indent="0" algn="ctr" fontAlgn="auto" defTabSz="508000">
+                      <a:pPr marL="0" indent="0" algn="ctr" fontAlgn="auto" defTabSz="508000" eaLnBrk="0">
                         <a:lnSpc>
                           <a:spcPct val="100000"/>
                         </a:lnSpc>
@@ -33315,7 +34331,7 @@
                     <a:bodyPr/>
                     <a:lstStyle/>
                     <a:p>
-                      <a:pPr marL="0" indent="0" algn="ctr" fontAlgn="auto" defTabSz="508000">
+                      <a:pPr marL="0" indent="0" algn="ctr" fontAlgn="auto" defTabSz="508000" eaLnBrk="0">
                         <a:lnSpc>
                           <a:spcPct val="100000"/>
                         </a:lnSpc>
@@ -33402,7 +34418,7 @@
                     <a:bodyPr/>
                     <a:lstStyle/>
                     <a:p>
-                      <a:pPr marL="0" indent="0" algn="ctr" fontAlgn="auto" defTabSz="508000">
+                      <a:pPr marL="0" indent="0" algn="ctr" fontAlgn="auto" defTabSz="508000" eaLnBrk="0">
                         <a:lnSpc>
                           <a:spcPct val="100000"/>
                         </a:lnSpc>
@@ -33489,7 +34505,7 @@
                     <a:bodyPr/>
                     <a:lstStyle/>
                     <a:p>
-                      <a:pPr marL="0" indent="0" algn="ctr" fontAlgn="auto" defTabSz="508000">
+                      <a:pPr marL="0" indent="0" algn="ctr" fontAlgn="auto" defTabSz="508000" eaLnBrk="0">
                         <a:lnSpc>
                           <a:spcPct val="100000"/>
                         </a:lnSpc>
@@ -33576,7 +34592,7 @@
                     <a:bodyPr/>
                     <a:lstStyle/>
                     <a:p>
-                      <a:pPr marL="0" indent="0" algn="ctr" fontAlgn="auto" defTabSz="508000">
+                      <a:pPr marL="0" indent="0" algn="ctr" fontAlgn="auto" defTabSz="508000" eaLnBrk="0">
                         <a:lnSpc>
                           <a:spcPct val="100000"/>
                         </a:lnSpc>
@@ -33653,7 +34669,7 @@
                     <a:bodyPr/>
                     <a:lstStyle/>
                     <a:p>
-                      <a:pPr marL="0" indent="0" algn="ctr" fontAlgn="auto" defTabSz="508000">
+                      <a:pPr marL="0" indent="0" algn="ctr" fontAlgn="auto" defTabSz="508000" eaLnBrk="0">
                         <a:lnSpc>
                           <a:spcPct val="100000"/>
                         </a:lnSpc>
@@ -33740,7 +34756,7 @@
                     <a:bodyPr/>
                     <a:lstStyle/>
                     <a:p>
-                      <a:pPr marL="0" indent="0" algn="ctr" fontAlgn="auto" defTabSz="508000">
+                      <a:pPr marL="0" indent="0" algn="ctr" fontAlgn="auto" defTabSz="508000" eaLnBrk="0">
                         <a:lnSpc>
                           <a:spcPct val="100000"/>
                         </a:lnSpc>
@@ -33829,7 +34845,7 @@
                     <a:bodyPr/>
                     <a:lstStyle/>
                     <a:p>
-                      <a:pPr marL="0" indent="0" algn="ctr" fontAlgn="auto" defTabSz="508000">
+                      <a:pPr marL="0" indent="0" algn="ctr" fontAlgn="auto" defTabSz="508000" eaLnBrk="0">
                         <a:lnSpc>
                           <a:spcPct val="100000"/>
                         </a:lnSpc>
@@ -33916,7 +34932,7 @@
                     <a:bodyPr/>
                     <a:lstStyle/>
                     <a:p>
-                      <a:pPr marL="0" indent="0" algn="ctr" fontAlgn="auto" defTabSz="508000">
+                      <a:pPr marL="0" indent="0" algn="ctr" fontAlgn="auto" defTabSz="508000" eaLnBrk="0">
                         <a:lnSpc>
                           <a:spcPct val="100000"/>
                         </a:lnSpc>
@@ -34003,7 +35019,7 @@
                     <a:bodyPr/>
                     <a:lstStyle/>
                     <a:p>
-                      <a:pPr marL="0" indent="0" algn="ctr" fontAlgn="auto" defTabSz="508000">
+                      <a:pPr marL="0" indent="0" algn="ctr" fontAlgn="auto" defTabSz="508000" eaLnBrk="0">
                         <a:lnSpc>
                           <a:spcPct val="100000"/>
                         </a:lnSpc>
@@ -34090,7 +35106,7 @@
                     <a:bodyPr/>
                     <a:lstStyle/>
                     <a:p>
-                      <a:pPr marL="0" indent="0" algn="ctr" fontAlgn="auto" defTabSz="508000">
+                      <a:pPr marL="0" indent="0" algn="ctr" fontAlgn="auto" defTabSz="508000" eaLnBrk="0">
                         <a:lnSpc>
                           <a:spcPct val="100000"/>
                         </a:lnSpc>
@@ -34111,7 +35127,7 @@
                           <a:latin typeface="맑은 고딕" charset="0"/>
                           <a:ea typeface="맑은 고딕" charset="0"/>
                         </a:rPr>
-                        <a:t>3.67/4.5</a:t>
+                        <a:t>3.64/4.5</a:t>
                       </a:r>
                       <a:endParaRPr lang="ko-KR" altLang="en-US" sz="1800" kern="1200" dirty="0" smtClean="0" cap="none" b="0">
                         <a:solidFill>
@@ -34177,7 +35193,7 @@
                     <a:bodyPr/>
                     <a:lstStyle/>
                     <a:p>
-                      <a:pPr marL="0" indent="0" algn="ctr" fontAlgn="auto" defTabSz="508000">
+                      <a:pPr marL="0" indent="0" algn="ctr" fontAlgn="auto" defTabSz="508000" eaLnBrk="0">
                         <a:lnSpc>
                           <a:spcPct val="100000"/>
                         </a:lnSpc>
@@ -34264,7 +35280,7 @@
                     <a:bodyPr/>
                     <a:lstStyle/>
                     <a:p>
-                      <a:pPr marL="0" indent="0" algn="ctr" fontAlgn="auto" defTabSz="508000">
+                      <a:pPr marL="0" indent="0" algn="ctr" fontAlgn="auto" defTabSz="508000" eaLnBrk="0">
                         <a:lnSpc>
                           <a:spcPct val="100000"/>
                         </a:lnSpc>
@@ -34445,6 +35461,3925 @@
 </file>
 
 <file path=ppt/slides/slide20.xml><?xml version="1.0" encoding="utf-8"?>
+<p:sld xmlns:a="http://schemas.openxmlformats.org/drawingml/2006/main" xmlns:r="http://schemas.openxmlformats.org/officeDocument/2006/relationships" xmlns:p="http://schemas.openxmlformats.org/presentationml/2006/main">
+  <p:cSld>
+    <p:spTree>
+      <p:nvGrpSpPr>
+        <p:cNvPr id="1" name=""/>
+        <p:cNvGrpSpPr/>
+        <p:nvPr/>
+      </p:nvGrpSpPr>
+      <p:grpSpPr>
+        <a:xfrm>
+          <a:off x="0" y="0"/>
+          <a:ext cx="0" cy="0"/>
+          <a:chOff x="0" y="0"/>
+          <a:chExt cx="0" cy="0"/>
+        </a:xfrm>
+      </p:grpSpPr>
+      <p:sp>
+        <p:nvSpPr>
+          <p:cNvPr id="34" name="텍스트 상자 33"/>
+          <p:cNvSpPr txBox="1">
+            <a:spLocks/>
+          </p:cNvSpPr>
+          <p:nvPr/>
+        </p:nvSpPr>
+        <p:spPr>
+          <a:xfrm rot="0">
+            <a:off x="2300605" y="836295"/>
+            <a:ext cx="3314065" cy="338455"/>
+          </a:xfrm>
+          <a:prstGeom prst="rect"/>
+          <a:noFill/>
+        </p:spPr>
+        <p:txBody>
+          <a:bodyPr wrap="square" lIns="91440" tIns="45720" rIns="91440" bIns="45720" vert="horz" anchor="t">
+            <a:spAutoFit/>
+          </a:bodyPr>
+          <a:lstStyle/>
+          <a:p>
+            <a:pPr marL="0" indent="0" algn="l" fontAlgn="auto" defTabSz="914400" eaLnBrk="0">
+              <a:lnSpc>
+                <a:spcPct val="100000"/>
+              </a:lnSpc>
+              <a:spcBef>
+                <a:spcPts val="0"/>
+              </a:spcBef>
+              <a:spcAft>
+                <a:spcPts val="0"/>
+              </a:spcAft>
+              <a:buFontTx/>
+              <a:buNone/>
+            </a:pPr>
+            <a:r>
+              <a:rPr lang="en-US" altLang="ko-KR" sz="1600" cap="none" dirty="0" smtClean="0" b="1">
+                <a:gradFill rotWithShape="1">
+                  <a:gsLst>
+                    <a:gs pos="0">
+                      <a:srgbClr val="00B0F0"/>
+                    </a:gs>
+                    <a:gs pos="100000">
+                      <a:srgbClr val="00B0F0"/>
+                    </a:gs>
+                  </a:gsLst>
+                  <a:lin ang="5400000"/>
+                </a:gradFill>
+                <a:latin typeface="맑은 고딕" charset="0"/>
+                <a:ea typeface="맑은 고딕" charset="0"/>
+              </a:rPr>
+              <a:t>Project 3</a:t>
+            </a:r>
+            <a:endParaRPr lang="ko-KR" altLang="en-US" sz="1600" cap="none" dirty="0" smtClean="0" b="1">
+              <a:gradFill rotWithShape="1">
+                <a:gsLst>
+                  <a:gs pos="0">
+                    <a:srgbClr val="00B0F0"/>
+                  </a:gs>
+                  <a:gs pos="100000">
+                    <a:srgbClr val="00B0F0"/>
+                  </a:gs>
+                </a:gsLst>
+                <a:lin ang="5400000"/>
+              </a:gradFill>
+              <a:latin typeface="맑은 고딕" charset="0"/>
+              <a:ea typeface="맑은 고딕" charset="0"/>
+            </a:endParaRPr>
+          </a:p>
+        </p:txBody>
+      </p:sp>
+      <p:sp>
+        <p:nvSpPr>
+          <p:cNvPr id="5" name="텍스트 개체 틀 4"/>
+          <p:cNvSpPr txBox="1">
+            <a:spLocks/>
+          </p:cNvSpPr>
+          <p:nvPr>
+            <p:ph type="ctrTitle"/>
+          </p:nvPr>
+        </p:nvSpPr>
+        <p:spPr>
+          <a:xfrm rot="0">
+            <a:off x="2272030" y="1299210"/>
+            <a:ext cx="6550025" cy="1471930"/>
+          </a:xfrm>
+          <a:prstGeom prst="rect"/>
+        </p:spPr>
+        <p:txBody>
+          <a:bodyPr wrap="square" lIns="91440" tIns="45720" rIns="91440" bIns="45720" vert="horz" anchor="ctr">
+            <a:normAutofit fontScale="100000" lnSpcReduction="0"/>
+          </a:bodyPr>
+          <a:lstStyle/>
+          <a:p>
+            <a:pPr marL="0" indent="0" algn="l" fontAlgn="auto" defTabSz="914400" eaLnBrk="0">
+              <a:lnSpc>
+                <a:spcPct val="100000"/>
+              </a:lnSpc>
+              <a:spcBef>
+                <a:spcPts val="0"/>
+              </a:spcBef>
+              <a:spcAft>
+                <a:spcPts val="0"/>
+              </a:spcAft>
+              <a:buFontTx/>
+              <a:buNone/>
+            </a:pPr>
+            <a:r>
+              <a:rPr lang="en-US" altLang="ko-KR" sz="3800" cap="none" spc="-90" dirty="0" smtClean="0" b="0">
+                <a:solidFill>
+                  <a:srgbClr val="FFFFFF"/>
+                </a:solidFill>
+                <a:latin typeface="맑은 고딕" charset="0"/>
+                <a:ea typeface="맑은 고딕" charset="0"/>
+              </a:rPr>
+              <a:t>ObserveDir:</a:t>
+            </a:r>
+            <a:r>
+              <a:rPr lang="en-US" altLang="ko-KR" sz="3800" cap="none" spc="-90" dirty="0" smtClean="0" b="0">
+                <a:solidFill>
+                  <a:srgbClr val="FFFFFF"/>
+                </a:solidFill>
+                <a:latin typeface="맑은 고딕" charset="0"/>
+                <a:ea typeface="맑은 고딕" charset="0"/>
+              </a:rPr>
+              <a:t/>
+            </a:r>
+            <a:br>
+              <a:rPr lang="en-US" altLang="ko-KR" sz="3800" cap="none" spc="-90" dirty="0" smtClean="0" b="0">
+                <a:solidFill>
+                  <a:srgbClr val="FFFFFF"/>
+                </a:solidFill>
+                <a:latin typeface="맑은 고딕" charset="0"/>
+                <a:ea typeface="맑은 고딕" charset="0"/>
+              </a:rPr>
+            </a:br>
+            <a:r>
+              <a:rPr lang="en-US" altLang="ko-KR" sz="3800" cap="none" spc="-90" dirty="0" smtClean="0" b="0">
+                <a:solidFill>
+                  <a:srgbClr val="FFFFFF"/>
+                </a:solidFill>
+                <a:latin typeface="맑은 고딕" charset="0"/>
+                <a:ea typeface="맑은 고딕" charset="0"/>
+              </a:rPr>
+              <a:t>디렉토리 감시 데몬프로세스</a:t>
+            </a:r>
+            <a:endParaRPr lang="ko-KR" altLang="en-US" sz="3800" cap="none" dirty="0" smtClean="0" b="0">
+              <a:solidFill>
+                <a:srgbClr val="FFFFFF"/>
+              </a:solidFill>
+              <a:latin typeface="맑은 고딕" charset="0"/>
+              <a:ea typeface="맑은 고딕" charset="0"/>
+            </a:endParaRPr>
+          </a:p>
+        </p:txBody>
+      </p:sp>
+      <p:sp>
+        <p:nvSpPr>
+          <p:cNvPr id="35" name="직사각형 34"/>
+          <p:cNvSpPr>
+            <a:spLocks/>
+          </p:cNvSpPr>
+          <p:nvPr/>
+        </p:nvSpPr>
+        <p:spPr>
+          <a:xfrm rot="0">
+            <a:off x="8637270" y="6337935"/>
+            <a:ext cx="257175" cy="233044"/>
+          </a:xfrm>
+          <a:prstGeom prst="rect"/>
+        </p:spPr>
+        <p:txBody>
+          <a:bodyPr wrap="none" lIns="91440" tIns="45720" rIns="91440" bIns="45720" vert="horz" anchor="t">
+            <a:spAutoFit/>
+          </a:bodyPr>
+          <a:lstStyle/>
+          <a:p>
+            <a:pPr marL="0" indent="0" algn="r" fontAlgn="auto" defTabSz="914400" eaLnBrk="0">
+              <a:lnSpc>
+                <a:spcPct val="100000"/>
+              </a:lnSpc>
+              <a:spcBef>
+                <a:spcPts val="0"/>
+              </a:spcBef>
+              <a:spcAft>
+                <a:spcPts val="0"/>
+              </a:spcAft>
+              <a:buFontTx/>
+              <a:buNone/>
+            </a:pPr>
+            <a:fld id="{B9320F77-B9A0-41C5-862A-B4B631284C64}" type="slidenum">
+              <a:rPr lang="en-US" altLang="ko-KR" sz="900" cap="none" dirty="0" smtClean="0" b="0">
+                <a:gradFill rotWithShape="1">
+                  <a:gsLst>
+                    <a:gs pos="0">
+                      <a:srgbClr val="FFFFFF"/>
+                    </a:gs>
+                    <a:gs pos="100000">
+                      <a:srgbClr val="FFFFFF"/>
+                    </a:gs>
+                  </a:gsLst>
+                  <a:lin ang="5400000"/>
+                </a:gradFill>
+                <a:latin typeface="나눔고딕" charset="0"/>
+                <a:ea typeface="나눔고딕" charset="0"/>
+              </a:rPr>
+              <a:t>20</a:t>
+            </a:fld>
+            <a:endParaRPr lang="ko-KR" altLang="en-US" sz="900" cap="none" dirty="0" smtClean="0" b="0">
+              <a:gradFill rotWithShape="1">
+                <a:gsLst>
+                  <a:gs pos="0">
+                    <a:srgbClr val="FFFFFF"/>
+                  </a:gs>
+                  <a:gs pos="100000">
+                    <a:srgbClr val="FFFFFF"/>
+                  </a:gs>
+                </a:gsLst>
+                <a:lin ang="5400000"/>
+              </a:gradFill>
+              <a:latin typeface="나눔고딕" charset="0"/>
+              <a:ea typeface="나눔고딕" charset="0"/>
+            </a:endParaRPr>
+          </a:p>
+        </p:txBody>
+      </p:sp>
+    </p:spTree>
+  </p:cSld>
+  <p:clrMapOvr>
+    <a:masterClrMapping/>
+  </p:clrMapOvr>
+  <mc:AlternateContent xmlns:mc="http://schemas.openxmlformats.org/markup-compatibility/2006">
+    <mc:Choice xmlns:p14="http://schemas.microsoft.com/office/powerpoint/2010/main" Requires="p14">
+      <p:transition spd="slow" p14:dur="500"/>
+    </mc:Choice>
+    <mc:Fallback>
+      <p:transition spd="slow"/>
+    </mc:Fallback>
+  </mc:AlternateContent>
+  <p:timing>
+    <p:tnLst>
+      <p:par>
+        <p:cTn id="1" dur="indefinite" restart="never" nodeType="tmRoot"/>
+      </p:par>
+    </p:tnLst>
+  </p:timing>
+</p:sld>
+</file>
+
+<file path=ppt/slides/slide21.xml><?xml version="1.0" encoding="utf-8"?>
+<p:sld xmlns:a="http://schemas.openxmlformats.org/drawingml/2006/main" xmlns:r="http://schemas.openxmlformats.org/officeDocument/2006/relationships" xmlns:p="http://schemas.openxmlformats.org/presentationml/2006/main" xmlns:p14="http://schemas.microsoft.com/office/powerpoint/2010/main">
+  <p:cSld>
+    <p:spTree>
+      <p:nvGrpSpPr>
+        <p:cNvPr id="1" name=""/>
+        <p:cNvGrpSpPr/>
+        <p:nvPr/>
+      </p:nvGrpSpPr>
+      <p:grpSpPr>
+        <a:xfrm>
+          <a:off x="0" y="0"/>
+          <a:ext cx="0" cy="0"/>
+          <a:chOff x="0" y="0"/>
+          <a:chExt cx="0" cy="0"/>
+        </a:xfrm>
+      </p:grpSpPr>
+      <p:sp>
+        <p:nvSpPr>
+          <p:cNvPr id="10" name="TextBox 9"/>
+          <p:cNvSpPr txBox="1">
+            <a:spLocks/>
+          </p:cNvSpPr>
+          <p:nvPr/>
+        </p:nvSpPr>
+        <p:spPr>
+          <a:xfrm rot="0">
+            <a:off x="2301875" y="938530"/>
+            <a:ext cx="2593340" cy="369570"/>
+          </a:xfrm>
+          <a:prstGeom prst="rect"/>
+          <a:noFill/>
+        </p:spPr>
+        <p:txBody>
+          <a:bodyPr wrap="square" lIns="91440" tIns="45720" rIns="91440" bIns="45720" vert="horz" anchor="t">
+            <a:spAutoFit/>
+          </a:bodyPr>
+          <a:lstStyle/>
+          <a:p>
+            <a:pPr marL="0" indent="0" algn="l" fontAlgn="auto" defTabSz="914400" eaLnBrk="0">
+              <a:lnSpc>
+                <a:spcPct val="100000"/>
+              </a:lnSpc>
+              <a:spcBef>
+                <a:spcPts val="0"/>
+              </a:spcBef>
+              <a:spcAft>
+                <a:spcPts val="0"/>
+              </a:spcAft>
+              <a:buFontTx/>
+              <a:buNone/>
+            </a:pPr>
+            <a:r>
+              <a:rPr lang="en-US" altLang="ko-KR" sz="1800" cap="none" spc="-30" dirty="0" smtClean="0" b="1">
+                <a:solidFill>
+                  <a:srgbClr val="00B0F0"/>
+                </a:solidFill>
+                <a:latin typeface="맑은 고딕" charset="0"/>
+                <a:ea typeface="맑은 고딕" charset="0"/>
+              </a:rPr>
+              <a:t>개요</a:t>
+            </a:r>
+            <a:endParaRPr lang="ko-KR" altLang="en-US" sz="1800" cap="none" dirty="0" smtClean="0" b="1">
+              <a:solidFill>
+                <a:srgbClr val="00B0F0"/>
+              </a:solidFill>
+              <a:latin typeface="맑은 고딕" charset="0"/>
+              <a:ea typeface="맑은 고딕" charset="0"/>
+            </a:endParaRPr>
+          </a:p>
+        </p:txBody>
+      </p:sp>
+      <p:sp>
+        <p:nvSpPr>
+          <p:cNvPr id="18" name="직사각형 17"/>
+          <p:cNvSpPr>
+            <a:spLocks/>
+          </p:cNvSpPr>
+          <p:nvPr/>
+        </p:nvSpPr>
+        <p:spPr>
+          <a:xfrm>
+            <a:off x="2318385" y="1287780"/>
+            <a:ext cx="4322445" cy="1398270"/>
+          </a:xfrm>
+          <a:prstGeom prst="rect"/>
+        </p:spPr>
+        <p:txBody>
+          <a:bodyPr wrap="square" lIns="91440" tIns="45720" rIns="91440" bIns="45720" numCol="1" vert="horz" anchor="t">
+            <a:spAutoFit/>
+          </a:bodyPr>
+          <a:lstStyle/>
+          <a:p>
+            <a:pPr marL="0" indent="0" algn="l" fontAlgn="auto" defTabSz="914400" eaLnBrk="0">
+              <a:lnSpc>
+                <a:spcPct val="150000"/>
+              </a:lnSpc>
+              <a:spcBef>
+                <a:spcPts val="0"/>
+              </a:spcBef>
+              <a:spcAft>
+                <a:spcPts val="0"/>
+              </a:spcAft>
+              <a:buFontTx/>
+              <a:buNone/>
+            </a:pPr>
+            <a:r>
+              <a:rPr lang="en-US" altLang="ko-KR" sz="1000" cap="none" dirty="0" smtClean="0" b="0">
+                <a:solidFill>
+                  <a:srgbClr val="FFFFFF"/>
+                </a:solidFill>
+                <a:latin typeface="맑은 고딕" charset="0"/>
+                <a:ea typeface="맑은 고딕" charset="0"/>
+              </a:rPr>
+              <a:t>리눅스시스템프로그래밍 시간에 교수님이 해주시던 옛날얘기를 듣고 만들게 되었다. 교수님은 과제제출을 공용디렉토리인 /tmp 디렉토리에 파일을 올려서 누가 제일 짧은 코드로 짯는지 비교했다고 한다. 이를 바탕으로해서 공용디렉토리가 있다면 이 안에서 누가 어떤작업을 했는지 로그를 기록하는 프로세스를 만들어 보기로 생각했다. </a:t>
+            </a:r>
+            <a:endParaRPr lang="ko-KR" altLang="en-US" sz="1000" cap="none" dirty="0" smtClean="0" b="0">
+              <a:solidFill>
+                <a:srgbClr val="FFFFFF"/>
+              </a:solidFill>
+              <a:latin typeface="맑은 고딕" charset="0"/>
+              <a:ea typeface="맑은 고딕" charset="0"/>
+            </a:endParaRPr>
+          </a:p>
+          <a:p>
+            <a:pPr marL="0" indent="0" algn="l" fontAlgn="auto" defTabSz="914400" eaLnBrk="0">
+              <a:lnSpc>
+                <a:spcPct val="100000"/>
+              </a:lnSpc>
+              <a:spcBef>
+                <a:spcPts val="0"/>
+              </a:spcBef>
+              <a:spcAft>
+                <a:spcPts val="0"/>
+              </a:spcAft>
+              <a:buFont typeface="Arial"/>
+              <a:buChar char="•"/>
+            </a:pPr>
+            <a:endParaRPr lang="ko-KR" altLang="en-US" sz="1000" cap="none" dirty="0" smtClean="0" b="0">
+              <a:solidFill>
+                <a:srgbClr val="FFFFFF"/>
+              </a:solidFill>
+              <a:latin typeface="나눔고딕" charset="0"/>
+              <a:ea typeface="나눔고딕" charset="0"/>
+            </a:endParaRPr>
+          </a:p>
+        </p:txBody>
+      </p:sp>
+      <p:sp>
+        <p:nvSpPr>
+          <p:cNvPr id="21" name="TextBox 20"/>
+          <p:cNvSpPr txBox="1">
+            <a:spLocks/>
+          </p:cNvSpPr>
+          <p:nvPr/>
+        </p:nvSpPr>
+        <p:spPr>
+          <a:xfrm rot="0">
+            <a:off x="2310130" y="2891155"/>
+            <a:ext cx="3457575" cy="369570"/>
+          </a:xfrm>
+          <a:prstGeom prst="rect"/>
+          <a:noFill/>
+        </p:spPr>
+        <p:txBody>
+          <a:bodyPr wrap="square" lIns="91440" tIns="45720" rIns="91440" bIns="45720" vert="horz" anchor="t">
+            <a:spAutoFit/>
+          </a:bodyPr>
+          <a:lstStyle/>
+          <a:p>
+            <a:pPr marL="0" indent="0" algn="l" fontAlgn="auto" defTabSz="914400" eaLnBrk="0">
+              <a:lnSpc>
+                <a:spcPct val="100000"/>
+              </a:lnSpc>
+              <a:spcBef>
+                <a:spcPts val="0"/>
+              </a:spcBef>
+              <a:spcAft>
+                <a:spcPts val="0"/>
+              </a:spcAft>
+              <a:buFontTx/>
+              <a:buNone/>
+            </a:pPr>
+            <a:r>
+              <a:rPr lang="en-US" altLang="ko-KR" sz="1800" cap="none" spc="-30" dirty="0" smtClean="0" b="1">
+                <a:solidFill>
+                  <a:srgbClr val="00B0F0"/>
+                </a:solidFill>
+                <a:latin typeface="맑은 고딕" charset="0"/>
+                <a:ea typeface="맑은 고딕" charset="0"/>
+              </a:rPr>
+              <a:t>적용 기술</a:t>
+            </a:r>
+            <a:endParaRPr lang="ko-KR" altLang="en-US" sz="1800" cap="none" dirty="0" smtClean="0" b="1">
+              <a:solidFill>
+                <a:srgbClr val="00B0F0"/>
+              </a:solidFill>
+              <a:latin typeface="맑은 고딕" charset="0"/>
+              <a:ea typeface="맑은 고딕" charset="0"/>
+            </a:endParaRPr>
+          </a:p>
+        </p:txBody>
+      </p:sp>
+      <p:sp>
+        <p:nvSpPr>
+          <p:cNvPr id="35" name="직사각형 34"/>
+          <p:cNvSpPr>
+            <a:spLocks/>
+          </p:cNvSpPr>
+          <p:nvPr/>
+        </p:nvSpPr>
+        <p:spPr>
+          <a:xfrm rot="0">
+            <a:off x="2406650" y="2780665"/>
+            <a:ext cx="5761990" cy="323215"/>
+          </a:xfrm>
+          <a:prstGeom prst="rect"/>
+        </p:spPr>
+        <p:txBody>
+          <a:bodyPr wrap="square" lIns="91440" tIns="45720" rIns="91440" bIns="45720" vert="horz" anchor="t">
+            <a:spAutoFit/>
+          </a:bodyPr>
+          <a:lstStyle/>
+          <a:p>
+            <a:pPr marL="0" indent="0" algn="l" fontAlgn="auto" defTabSz="914400" eaLnBrk="0">
+              <a:lnSpc>
+                <a:spcPct val="150000"/>
+              </a:lnSpc>
+              <a:spcBef>
+                <a:spcPts val="0"/>
+              </a:spcBef>
+              <a:spcAft>
+                <a:spcPts val="0"/>
+              </a:spcAft>
+              <a:buFontTx/>
+              <a:buNone/>
+            </a:pPr>
+            <a:endParaRPr lang="ko-KR" altLang="en-US" sz="1000" cap="none" dirty="0" smtClean="0" b="0">
+              <a:solidFill>
+                <a:srgbClr val="FFFFFF"/>
+              </a:solidFill>
+              <a:latin typeface="나눔고딕" charset="0"/>
+              <a:ea typeface="나눔고딕" charset="0"/>
+            </a:endParaRPr>
+          </a:p>
+        </p:txBody>
+      </p:sp>
+      <p:sp>
+        <p:nvSpPr>
+          <p:cNvPr id="65" name="직사각형 64"/>
+          <p:cNvSpPr>
+            <a:spLocks/>
+          </p:cNvSpPr>
+          <p:nvPr/>
+        </p:nvSpPr>
+        <p:spPr>
+          <a:xfrm rot="0">
+            <a:off x="309880" y="241300"/>
+            <a:ext cx="443230" cy="307340"/>
+          </a:xfrm>
+          <a:prstGeom prst="rect"/>
+        </p:spPr>
+        <p:txBody>
+          <a:bodyPr wrap="none" lIns="91440" tIns="45720" rIns="91440" bIns="45720" vert="horz" anchor="t">
+            <a:spAutoFit/>
+          </a:bodyPr>
+          <a:lstStyle/>
+          <a:p>
+            <a:pPr marL="0" indent="0" algn="l" fontAlgn="auto" defTabSz="914400" eaLnBrk="0">
+              <a:lnSpc>
+                <a:spcPct val="100000"/>
+              </a:lnSpc>
+              <a:spcBef>
+                <a:spcPts val="0"/>
+              </a:spcBef>
+              <a:spcAft>
+                <a:spcPts val="0"/>
+              </a:spcAft>
+              <a:buFontTx/>
+              <a:buNone/>
+            </a:pPr>
+            <a:r>
+              <a:rPr lang="en-US" altLang="ko-KR" sz="1400" cap="none" spc="-50" dirty="0" smtClean="0" b="1">
+                <a:solidFill>
+                  <a:srgbClr val="FFFFFF"/>
+                </a:solidFill>
+                <a:latin typeface="맑은 고딕" charset="0"/>
+                <a:ea typeface="맑은 고딕" charset="0"/>
+              </a:rPr>
+              <a:t>3-1</a:t>
+            </a:r>
+            <a:endParaRPr lang="ko-KR" altLang="en-US" sz="1400" cap="none" dirty="0" smtClean="0" b="1">
+              <a:solidFill>
+                <a:srgbClr val="FFFFFF"/>
+              </a:solidFill>
+              <a:latin typeface="맑은 고딕" charset="0"/>
+              <a:ea typeface="맑은 고딕" charset="0"/>
+            </a:endParaRPr>
+          </a:p>
+        </p:txBody>
+      </p:sp>
+      <p:cxnSp>
+        <p:nvCxnSpPr>
+          <p:cNvPr id="14" name="직선 연결선 13"/>
+          <p:cNvCxnSpPr/>
+          <p:nvPr/>
+        </p:nvCxnSpPr>
+        <p:spPr>
+          <a:xfrm rot="0">
+            <a:off x="424180" y="541020"/>
+            <a:ext cx="1910080" cy="635"/>
+          </a:xfrm>
+          <a:prstGeom prst="line"/>
+          <a:ln w="3175" cap="flat" cmpd="sng">
+            <a:solidFill>
+              <a:schemeClr val="bg1">
+                <a:lumMod val="95000"/>
+                <a:alpha val="100000"/>
+              </a:schemeClr>
+            </a:solidFill>
+            <a:prstDash val="solid"/>
+          </a:ln>
+        </p:spPr>
+        <p:style>
+          <a:lnRef idx="1">
+            <a:schemeClr val="accent1"/>
+          </a:lnRef>
+          <a:fillRef idx="0">
+            <a:schemeClr val="accent1"/>
+          </a:fillRef>
+          <a:effectRef idx="0">
+            <a:schemeClr val="accent1"/>
+          </a:effectRef>
+          <a:fontRef idx="minor">
+            <a:schemeClr val="tx1"/>
+          </a:fontRef>
+        </p:style>
+      </p:cxnSp>
+      <p:cxnSp>
+        <p:nvCxnSpPr>
+          <p:cNvPr id="15" name="직선 연결선 14"/>
+          <p:cNvCxnSpPr/>
+          <p:nvPr/>
+        </p:nvCxnSpPr>
+        <p:spPr>
+          <a:xfrm rot="0" flipV="1">
+            <a:off x="2411730" y="539750"/>
+            <a:ext cx="6311900" cy="1905"/>
+          </a:xfrm>
+          <a:prstGeom prst="line"/>
+          <a:ln w="3175" cap="flat" cmpd="sng">
+            <a:solidFill>
+              <a:schemeClr val="bg1">
+                <a:lumMod val="95000"/>
+                <a:alpha val="100000"/>
+              </a:schemeClr>
+            </a:solidFill>
+            <a:prstDash val="solid"/>
+          </a:ln>
+        </p:spPr>
+        <p:style>
+          <a:lnRef idx="1">
+            <a:schemeClr val="accent1"/>
+          </a:lnRef>
+          <a:fillRef idx="0">
+            <a:schemeClr val="accent1"/>
+          </a:fillRef>
+          <a:effectRef idx="0">
+            <a:schemeClr val="accent1"/>
+          </a:effectRef>
+          <a:fontRef idx="minor">
+            <a:schemeClr val="tx1"/>
+          </a:fontRef>
+        </p:style>
+      </p:cxnSp>
+      <p:sp>
+        <p:nvSpPr>
+          <p:cNvPr id="17" name="직사각형 16"/>
+          <p:cNvSpPr>
+            <a:spLocks/>
+          </p:cNvSpPr>
+          <p:nvPr/>
+        </p:nvSpPr>
+        <p:spPr>
+          <a:xfrm rot="0">
+            <a:off x="8637270" y="6337935"/>
+            <a:ext cx="255905" cy="231775"/>
+          </a:xfrm>
+          <a:prstGeom prst="rect"/>
+        </p:spPr>
+        <p:txBody>
+          <a:bodyPr wrap="none" lIns="91440" tIns="45720" rIns="91440" bIns="45720" vert="horz" anchor="t">
+            <a:spAutoFit/>
+          </a:bodyPr>
+          <a:lstStyle/>
+          <a:p>
+            <a:pPr marL="0" indent="0" algn="r" fontAlgn="auto" defTabSz="914400" eaLnBrk="0">
+              <a:lnSpc>
+                <a:spcPct val="100000"/>
+              </a:lnSpc>
+              <a:spcBef>
+                <a:spcPts val="0"/>
+              </a:spcBef>
+              <a:spcAft>
+                <a:spcPts val="0"/>
+              </a:spcAft>
+              <a:buFontTx/>
+              <a:buNone/>
+            </a:pPr>
+            <a:fld id="{B9320F77-B9A0-41C5-862A-B4B631284C64}" type="slidenum">
+              <a:rPr lang="en-US" altLang="ko-KR" sz="900" cap="none" dirty="0" smtClean="0" b="0">
+                <a:gradFill rotWithShape="1">
+                  <a:gsLst>
+                    <a:gs pos="0">
+                      <a:srgbClr val="FFFFFF"/>
+                    </a:gs>
+                    <a:gs pos="100000">
+                      <a:srgbClr val="FFFFFF"/>
+                    </a:gs>
+                  </a:gsLst>
+                  <a:lin ang="5400000"/>
+                </a:gradFill>
+                <a:latin typeface="나눔고딕" charset="0"/>
+                <a:ea typeface="나눔고딕" charset="0"/>
+              </a:rPr>
+              <a:t>21</a:t>
+            </a:fld>
+            <a:endParaRPr lang="ko-KR" altLang="en-US" sz="900" cap="none" dirty="0" smtClean="0" b="0">
+              <a:gradFill rotWithShape="1">
+                <a:gsLst>
+                  <a:gs pos="0">
+                    <a:srgbClr val="FFFFFF"/>
+                  </a:gs>
+                  <a:gs pos="100000">
+                    <a:srgbClr val="FFFFFF"/>
+                  </a:gs>
+                </a:gsLst>
+                <a:lin ang="5400000"/>
+              </a:gradFill>
+              <a:latin typeface="나눔고딕" charset="0"/>
+              <a:ea typeface="나눔고딕" charset="0"/>
+            </a:endParaRPr>
+          </a:p>
+        </p:txBody>
+      </p:sp>
+      <p:sp>
+        <p:nvSpPr>
+          <p:cNvPr id="13" name="텍스트 개체 틀 12"/>
+          <p:cNvSpPr txBox="1">
+            <a:spLocks/>
+          </p:cNvSpPr>
+          <p:nvPr>
+            <p:ph type="ctrTitle"/>
+          </p:nvPr>
+        </p:nvSpPr>
+        <p:spPr>
+          <a:xfrm rot="0">
+            <a:off x="321310" y="935355"/>
+            <a:ext cx="2015490" cy="1471295"/>
+          </a:xfrm>
+          <a:prstGeom prst="rect"/>
+        </p:spPr>
+        <p:txBody>
+          <a:bodyPr wrap="square" lIns="91440" tIns="45720" rIns="91440" bIns="45720" vert="horz" anchor="t">
+            <a:normAutofit fontScale="100000" lnSpcReduction="0"/>
+          </a:bodyPr>
+          <a:lstStyle/>
+          <a:p>
+            <a:pPr marL="0" indent="0" algn="l" fontAlgn="auto" defTabSz="914400">
+              <a:lnSpc>
+                <a:spcPct val="100000"/>
+              </a:lnSpc>
+              <a:spcBef>
+                <a:spcPts val="0"/>
+              </a:spcBef>
+              <a:spcAft>
+                <a:spcPts val="0"/>
+              </a:spcAft>
+              <a:buFontTx/>
+              <a:buNone/>
+            </a:pPr>
+            <a:r>
+              <a:rPr lang="en-US" altLang="ko-KR" sz="1800" cap="none" spc="-50" dirty="0" smtClean="0" b="1">
+                <a:solidFill>
+                  <a:srgbClr val="FFFFFF"/>
+                </a:solidFill>
+                <a:latin typeface="맑은 고딕" charset="0"/>
+                <a:ea typeface="맑은 고딕" charset="0"/>
+              </a:rPr>
+              <a:t>ObserveDir </a:t>
+            </a:r>
+            <a:endParaRPr lang="ko-KR" altLang="en-US" sz="1800" cap="none" dirty="0" smtClean="0" b="1">
+              <a:solidFill>
+                <a:srgbClr val="FFFFFF"/>
+              </a:solidFill>
+              <a:latin typeface="맑은 고딕" charset="0"/>
+              <a:ea typeface="맑은 고딕" charset="0"/>
+            </a:endParaRPr>
+          </a:p>
+        </p:txBody>
+      </p:sp>
+      <p:graphicFrame>
+        <p:nvGraphicFramePr>
+          <p:cNvPr id="66" name="표 65"/>
+          <p:cNvGraphicFramePr>
+            <a:graphicFrameLocks noGrp="1"/>
+          </p:cNvGraphicFramePr>
+          <p:nvPr/>
+        </p:nvGraphicFramePr>
+        <p:xfrm>
+          <a:off x="2396490" y="3472180"/>
+          <a:ext cx="6099810" cy="2261870"/>
+        </p:xfrm>
+        <a:graphic>
+          <a:graphicData uri="http://schemas.openxmlformats.org/drawingml/2006/table">
+            <a:tbl>
+              <a:tblPr firstRow="1" bandRow="1">
+                <a:tableStyleId>{073A0DAA-6AF3-43AB-8588-CEC1D06C72B9}</a:tableStyleId>
+              </a:tblPr>
+              <a:tblGrid>
+                <a:gridCol w="1412240"/>
+                <a:gridCol w="4687570"/>
+              </a:tblGrid>
+              <a:tr h="718820">
+                <a:tc>
+                  <a:txBody>
+                    <a:bodyPr/>
+                    <a:lstStyle/>
+                    <a:p>
+                      <a:pPr marL="0" indent="0" algn="ctr" fontAlgn="auto" defTabSz="508000" eaLnBrk="0">
+                        <a:lnSpc>
+                          <a:spcPct val="100000"/>
+                        </a:lnSpc>
+                        <a:spcBef>
+                          <a:spcPts val="0"/>
+                        </a:spcBef>
+                        <a:spcAft>
+                          <a:spcPts val="0"/>
+                        </a:spcAft>
+                        <a:buFontTx/>
+                        <a:buNone/>
+                      </a:pPr>
+                      <a:r>
+                        <a:rPr lang="en-US" altLang="ko-KR" sz="1600" kern="1200" cap="none" dirty="0" smtClean="0" b="1">
+                          <a:solidFill>
+                            <a:srgbClr val="000000"/>
+                          </a:solidFill>
+                          <a:latin typeface="맑은 고딕" charset="0"/>
+                          <a:ea typeface="맑은 고딕" charset="0"/>
+                        </a:rPr>
+                        <a:t>개발 언어</a:t>
+                      </a:r>
+                      <a:endParaRPr lang="ko-KR" altLang="en-US" sz="1600" kern="1200" dirty="0" smtClean="0" cap="none" b="1">
+                        <a:solidFill>
+                          <a:srgbClr val="000000"/>
+                        </a:solidFill>
+                        <a:latin typeface="맑은 고딕" charset="0"/>
+                        <a:ea typeface="맑은 고딕" charset="0"/>
+                      </a:endParaRPr>
+                    </a:p>
+                  </a:txBody>
+                  <a:tcPr marL="90170" marR="90170" marT="46990" marB="46990" anchor="ctr">
+                    <a:lnL w="19050" cap="flat" cmpd="sng" algn="ctr">
+                      <a:solidFill>
+                        <a:srgbClr val="000000">
+                          <a:alpha val="100000"/>
+                        </a:srgbClr>
+                      </a:solidFill>
+                      <a:prstDash val="solid"/>
+                      <a:round/>
+                      <a:headEnd type="none" w="med" len="med"/>
+                      <a:tailEnd type="none" w="med" len="med"/>
+                    </a:lnL>
+                    <a:lnR w="19050" cap="flat" cmpd="sng" algn="ctr">
+                      <a:solidFill>
+                        <a:srgbClr val="000000">
+                          <a:alpha val="100000"/>
+                        </a:srgbClr>
+                      </a:solidFill>
+                      <a:prstDash val="solid"/>
+                      <a:round/>
+                      <a:headEnd type="none" w="med" len="med"/>
+                      <a:tailEnd type="none" w="med" len="med"/>
+                    </a:lnR>
+                    <a:lnT w="19050" cap="flat" cmpd="sng" algn="ctr">
+                      <a:solidFill>
+                        <a:srgbClr val="000000">
+                          <a:alpha val="100000"/>
+                        </a:srgbClr>
+                      </a:solidFill>
+                      <a:prstDash val="solid"/>
+                      <a:round/>
+                      <a:headEnd type="none" w="med" len="med"/>
+                      <a:tailEnd type="none" w="med" len="med"/>
+                    </a:lnT>
+                    <a:lnB w="19050" cap="flat" cmpd="sng" algn="ctr">
+                      <a:solidFill>
+                        <a:srgbClr val="000000">
+                          <a:alpha val="100000"/>
+                        </a:srgbClr>
+                      </a:solidFill>
+                      <a:prstDash val="solid"/>
+                      <a:round/>
+                      <a:headEnd type="none" w="med" len="med"/>
+                      <a:tailEnd type="none" w="med" len="med"/>
+                    </a:lnB>
+                    <a:solidFill>
+                      <a:srgbClr val="FFFFFF"/>
+                    </a:solidFill>
+                  </a:tcPr>
+                </a:tc>
+                <a:tc>
+                  <a:txBody>
+                    <a:bodyPr/>
+                    <a:lstStyle/>
+                    <a:p>
+                      <a:pPr marL="0" indent="0" algn="ctr" fontAlgn="auto" defTabSz="508000" eaLnBrk="0">
+                        <a:lnSpc>
+                          <a:spcPct val="100000"/>
+                        </a:lnSpc>
+                        <a:spcBef>
+                          <a:spcPts val="0"/>
+                        </a:spcBef>
+                        <a:spcAft>
+                          <a:spcPts val="0"/>
+                        </a:spcAft>
+                        <a:buFontTx/>
+                        <a:buNone/>
+                      </a:pPr>
+                      <a:r>
+                        <a:rPr lang="en-US" altLang="ko-KR" sz="1600" kern="1200" cap="none" dirty="0" smtClean="0" b="0">
+                          <a:solidFill>
+                            <a:srgbClr val="000000"/>
+                          </a:solidFill>
+                          <a:latin typeface="맑은 고딕" charset="0"/>
+                          <a:ea typeface="맑은 고딕" charset="0"/>
+                        </a:rPr>
+                        <a:t>C</a:t>
+                      </a:r>
+                      <a:endParaRPr lang="ko-KR" altLang="en-US" sz="1600" kern="1200" dirty="0" smtClean="0" cap="none" b="0">
+                        <a:solidFill>
+                          <a:srgbClr val="000000"/>
+                        </a:solidFill>
+                        <a:latin typeface="맑은 고딕" charset="0"/>
+                        <a:ea typeface="맑은 고딕" charset="0"/>
+                      </a:endParaRPr>
+                    </a:p>
+                  </a:txBody>
+                  <a:tcPr marL="90170" marR="90170" marT="46990" marB="46990" anchor="ctr">
+                    <a:lnL w="19050" cap="flat" cmpd="sng" algn="ctr">
+                      <a:solidFill>
+                        <a:srgbClr val="000000">
+                          <a:alpha val="100000"/>
+                        </a:srgbClr>
+                      </a:solidFill>
+                      <a:prstDash val="solid"/>
+                      <a:round/>
+                      <a:headEnd type="none" w="med" len="med"/>
+                      <a:tailEnd type="none" w="med" len="med"/>
+                    </a:lnL>
+                    <a:lnR w="19050" cap="flat" cmpd="sng" algn="ctr">
+                      <a:solidFill>
+                        <a:srgbClr val="000000">
+                          <a:alpha val="100000"/>
+                        </a:srgbClr>
+                      </a:solidFill>
+                      <a:prstDash val="solid"/>
+                      <a:round/>
+                      <a:headEnd type="none" w="med" len="med"/>
+                      <a:tailEnd type="none" w="med" len="med"/>
+                    </a:lnR>
+                    <a:lnT w="19050" cap="flat" cmpd="sng" algn="ctr">
+                      <a:solidFill>
+                        <a:srgbClr val="000000">
+                          <a:alpha val="100000"/>
+                        </a:srgbClr>
+                      </a:solidFill>
+                      <a:prstDash val="solid"/>
+                      <a:round/>
+                      <a:headEnd type="none" w="med" len="med"/>
+                      <a:tailEnd type="none" w="med" len="med"/>
+                    </a:lnT>
+                    <a:lnB w="19050" cap="flat" cmpd="sng" algn="ctr">
+                      <a:solidFill>
+                        <a:srgbClr val="000000">
+                          <a:alpha val="100000"/>
+                        </a:srgbClr>
+                      </a:solidFill>
+                      <a:prstDash val="solid"/>
+                      <a:round/>
+                      <a:headEnd type="none" w="med" len="med"/>
+                      <a:tailEnd type="none" w="med" len="med"/>
+                    </a:lnB>
+                    <a:solidFill>
+                      <a:srgbClr val="FFFFFF"/>
+                    </a:solidFill>
+                  </a:tcPr>
+                </a:tc>
+              </a:tr>
+              <a:tr h="771525">
+                <a:tc>
+                  <a:txBody>
+                    <a:bodyPr/>
+                    <a:lstStyle/>
+                    <a:p>
+                      <a:pPr marL="0" indent="0" algn="ctr" fontAlgn="auto" defTabSz="508000" eaLnBrk="0">
+                        <a:lnSpc>
+                          <a:spcPct val="100000"/>
+                        </a:lnSpc>
+                        <a:spcBef>
+                          <a:spcPts val="0"/>
+                        </a:spcBef>
+                        <a:spcAft>
+                          <a:spcPts val="0"/>
+                        </a:spcAft>
+                        <a:buFontTx/>
+                        <a:buNone/>
+                      </a:pPr>
+                      <a:r>
+                        <a:rPr lang="en-US" altLang="ko-KR" sz="1600" kern="1200" cap="none" dirty="0" smtClean="0" b="1">
+                          <a:solidFill>
+                            <a:srgbClr val="000000"/>
+                          </a:solidFill>
+                          <a:latin typeface="맑은 고딕" charset="0"/>
+                          <a:ea typeface="맑은 고딕" charset="0"/>
+                        </a:rPr>
+                        <a:t>개발 도구</a:t>
+                      </a:r>
+                      <a:endParaRPr lang="ko-KR" altLang="en-US" sz="1600" kern="1200" dirty="0" smtClean="0" cap="none" b="1">
+                        <a:solidFill>
+                          <a:srgbClr val="000000"/>
+                        </a:solidFill>
+                        <a:latin typeface="맑은 고딕" charset="0"/>
+                        <a:ea typeface="맑은 고딕" charset="0"/>
+                      </a:endParaRPr>
+                    </a:p>
+                  </a:txBody>
+                  <a:tcPr marL="90170" marR="90170" marT="46990" marB="46990" anchor="ctr">
+                    <a:lnL w="19050" cap="flat" cmpd="sng" algn="ctr">
+                      <a:solidFill>
+                        <a:srgbClr val="000000">
+                          <a:alpha val="100000"/>
+                        </a:srgbClr>
+                      </a:solidFill>
+                      <a:prstDash val="solid"/>
+                      <a:round/>
+                      <a:headEnd type="none" w="med" len="med"/>
+                      <a:tailEnd type="none" w="med" len="med"/>
+                    </a:lnL>
+                    <a:lnR w="19050" cap="flat" cmpd="sng" algn="ctr">
+                      <a:solidFill>
+                        <a:srgbClr val="000000">
+                          <a:alpha val="100000"/>
+                        </a:srgbClr>
+                      </a:solidFill>
+                      <a:prstDash val="solid"/>
+                      <a:round/>
+                      <a:headEnd type="none" w="med" len="med"/>
+                      <a:tailEnd type="none" w="med" len="med"/>
+                    </a:lnR>
+                    <a:lnT w="19050" cap="flat" cmpd="sng" algn="ctr">
+                      <a:solidFill>
+                        <a:srgbClr val="000000">
+                          <a:alpha val="100000"/>
+                        </a:srgbClr>
+                      </a:solidFill>
+                      <a:prstDash val="solid"/>
+                      <a:round/>
+                      <a:headEnd type="none" w="med" len="med"/>
+                      <a:tailEnd type="none" w="med" len="med"/>
+                    </a:lnT>
+                    <a:lnB w="19050" cap="flat" cmpd="sng" algn="ctr">
+                      <a:solidFill>
+                        <a:srgbClr val="000000">
+                          <a:alpha val="100000"/>
+                        </a:srgbClr>
+                      </a:solidFill>
+                      <a:prstDash val="solid"/>
+                      <a:round/>
+                      <a:headEnd type="none" w="med" len="med"/>
+                      <a:tailEnd type="none" w="med" len="med"/>
+                    </a:lnB>
+                    <a:solidFill>
+                      <a:srgbClr val="FFFFFF"/>
+                    </a:solidFill>
+                  </a:tcPr>
+                </a:tc>
+                <a:tc>
+                  <a:txBody>
+                    <a:bodyPr/>
+                    <a:lstStyle/>
+                    <a:p>
+                      <a:pPr marL="0" indent="0" algn="ctr" fontAlgn="auto" defTabSz="508000" eaLnBrk="0">
+                        <a:lnSpc>
+                          <a:spcPct val="100000"/>
+                        </a:lnSpc>
+                        <a:spcBef>
+                          <a:spcPts val="0"/>
+                        </a:spcBef>
+                        <a:spcAft>
+                          <a:spcPts val="0"/>
+                        </a:spcAft>
+                        <a:buFontTx/>
+                        <a:buNone/>
+                      </a:pPr>
+                      <a:r>
+                        <a:rPr lang="en-US" altLang="ko-KR" sz="1600" kern="1200" cap="none" dirty="0" smtClean="0" b="0">
+                          <a:solidFill>
+                            <a:srgbClr val="000000"/>
+                          </a:solidFill>
+                          <a:latin typeface="맑은 고딕" charset="0"/>
+                          <a:ea typeface="맑은 고딕" charset="0"/>
+                        </a:rPr>
+                        <a:t>Vim</a:t>
+                      </a:r>
+                      <a:endParaRPr lang="ko-KR" altLang="en-US" sz="1600" kern="1200" dirty="0" smtClean="0" cap="none" b="0">
+                        <a:solidFill>
+                          <a:srgbClr val="000000"/>
+                        </a:solidFill>
+                        <a:latin typeface="맑은 고딕" charset="0"/>
+                        <a:ea typeface="맑은 고딕" charset="0"/>
+                      </a:endParaRPr>
+                    </a:p>
+                  </a:txBody>
+                  <a:tcPr marL="90170" marR="90170" marT="46990" marB="46990" anchor="ctr">
+                    <a:lnL w="19050" cap="flat" cmpd="sng" algn="ctr">
+                      <a:solidFill>
+                        <a:srgbClr val="000000">
+                          <a:alpha val="100000"/>
+                        </a:srgbClr>
+                      </a:solidFill>
+                      <a:prstDash val="solid"/>
+                      <a:round/>
+                      <a:headEnd type="none" w="med" len="med"/>
+                      <a:tailEnd type="none" w="med" len="med"/>
+                    </a:lnL>
+                    <a:lnR w="19050" cap="flat" cmpd="sng" algn="ctr">
+                      <a:solidFill>
+                        <a:srgbClr val="000000">
+                          <a:alpha val="100000"/>
+                        </a:srgbClr>
+                      </a:solidFill>
+                      <a:prstDash val="solid"/>
+                      <a:round/>
+                      <a:headEnd type="none" w="med" len="med"/>
+                      <a:tailEnd type="none" w="med" len="med"/>
+                    </a:lnR>
+                    <a:lnT w="19050" cap="flat" cmpd="sng" algn="ctr">
+                      <a:solidFill>
+                        <a:srgbClr val="000000">
+                          <a:alpha val="100000"/>
+                        </a:srgbClr>
+                      </a:solidFill>
+                      <a:prstDash val="solid"/>
+                      <a:round/>
+                      <a:headEnd type="none" w="med" len="med"/>
+                      <a:tailEnd type="none" w="med" len="med"/>
+                    </a:lnT>
+                    <a:lnB w="19050" cap="flat" cmpd="sng" algn="ctr">
+                      <a:solidFill>
+                        <a:srgbClr val="000000">
+                          <a:alpha val="100000"/>
+                        </a:srgbClr>
+                      </a:solidFill>
+                      <a:prstDash val="solid"/>
+                      <a:round/>
+                      <a:headEnd type="none" w="med" len="med"/>
+                      <a:tailEnd type="none" w="med" len="med"/>
+                    </a:lnB>
+                    <a:solidFill>
+                      <a:srgbClr val="FFFFFF"/>
+                    </a:solidFill>
+                  </a:tcPr>
+                </a:tc>
+              </a:tr>
+              <a:tr h="771525">
+                <a:tc>
+                  <a:txBody>
+                    <a:bodyPr/>
+                    <a:lstStyle/>
+                    <a:p>
+                      <a:pPr marL="0" indent="0" algn="ctr" fontAlgn="auto" defTabSz="508000" eaLnBrk="0">
+                        <a:lnSpc>
+                          <a:spcPct val="100000"/>
+                        </a:lnSpc>
+                        <a:spcBef>
+                          <a:spcPts val="0"/>
+                        </a:spcBef>
+                        <a:spcAft>
+                          <a:spcPts val="0"/>
+                        </a:spcAft>
+                        <a:buFontTx/>
+                        <a:buNone/>
+                      </a:pPr>
+                      <a:r>
+                        <a:rPr lang="en-US" altLang="ko-KR" sz="1600" kern="1200" cap="none" dirty="0" smtClean="0" b="1">
+                          <a:solidFill>
+                            <a:srgbClr val="000000"/>
+                          </a:solidFill>
+                          <a:latin typeface="맑은 고딕" charset="0"/>
+                          <a:ea typeface="맑은 고딕" charset="0"/>
+                        </a:rPr>
+                        <a:t>개발 환경</a:t>
+                      </a:r>
+                      <a:endParaRPr lang="ko-KR" altLang="en-US" sz="1600" kern="1200" dirty="0" smtClean="0" cap="none" b="1">
+                        <a:solidFill>
+                          <a:srgbClr val="000000"/>
+                        </a:solidFill>
+                        <a:latin typeface="맑은 고딕" charset="0"/>
+                        <a:ea typeface="맑은 고딕" charset="0"/>
+                      </a:endParaRPr>
+                    </a:p>
+                  </a:txBody>
+                  <a:tcPr marL="90170" marR="90170" marT="46990" marB="46990" anchor="ctr">
+                    <a:lnL w="19050" cap="flat" cmpd="sng" algn="ctr">
+                      <a:solidFill>
+                        <a:srgbClr val="000000">
+                          <a:alpha val="100000"/>
+                        </a:srgbClr>
+                      </a:solidFill>
+                      <a:prstDash val="solid"/>
+                      <a:round/>
+                      <a:headEnd type="none" w="med" len="med"/>
+                      <a:tailEnd type="none" w="med" len="med"/>
+                    </a:lnL>
+                    <a:lnR w="19050" cap="flat" cmpd="sng" algn="ctr">
+                      <a:solidFill>
+                        <a:srgbClr val="000000">
+                          <a:alpha val="100000"/>
+                        </a:srgbClr>
+                      </a:solidFill>
+                      <a:prstDash val="solid"/>
+                      <a:round/>
+                      <a:headEnd type="none" w="med" len="med"/>
+                      <a:tailEnd type="none" w="med" len="med"/>
+                    </a:lnR>
+                    <a:lnT w="19050" cap="flat" cmpd="sng" algn="ctr">
+                      <a:solidFill>
+                        <a:srgbClr val="000000">
+                          <a:alpha val="100000"/>
+                        </a:srgbClr>
+                      </a:solidFill>
+                      <a:prstDash val="solid"/>
+                      <a:round/>
+                      <a:headEnd type="none" w="med" len="med"/>
+                      <a:tailEnd type="none" w="med" len="med"/>
+                    </a:lnT>
+                    <a:lnB w="19050" cap="flat" cmpd="sng" algn="ctr">
+                      <a:solidFill>
+                        <a:srgbClr val="000000">
+                          <a:alpha val="100000"/>
+                        </a:srgbClr>
+                      </a:solidFill>
+                      <a:prstDash val="solid"/>
+                      <a:round/>
+                      <a:headEnd type="none" w="med" len="med"/>
+                      <a:tailEnd type="none" w="med" len="med"/>
+                    </a:lnB>
+                    <a:solidFill>
+                      <a:srgbClr val="FFFFFF"/>
+                    </a:solidFill>
+                  </a:tcPr>
+                </a:tc>
+                <a:tc>
+                  <a:txBody>
+                    <a:bodyPr/>
+                    <a:lstStyle/>
+                    <a:p>
+                      <a:pPr marL="0" indent="0" algn="ctr" fontAlgn="auto" defTabSz="508000" eaLnBrk="0">
+                        <a:lnSpc>
+                          <a:spcPct val="100000"/>
+                        </a:lnSpc>
+                        <a:spcBef>
+                          <a:spcPts val="0"/>
+                        </a:spcBef>
+                        <a:spcAft>
+                          <a:spcPts val="0"/>
+                        </a:spcAft>
+                        <a:buFontTx/>
+                        <a:buNone/>
+                      </a:pPr>
+                      <a:r>
+                        <a:rPr lang="en-US" altLang="ko-KR" sz="1600" kern="1200" cap="none" dirty="0" smtClean="0" b="0">
+                          <a:solidFill>
+                            <a:srgbClr val="000000"/>
+                          </a:solidFill>
+                          <a:latin typeface="맑은 고딕" charset="0"/>
+                          <a:ea typeface="맑은 고딕" charset="0"/>
+                        </a:rPr>
+                        <a:t>Fedora 19(Linux kernel 3.10)</a:t>
+                      </a:r>
+                      <a:endParaRPr lang="ko-KR" altLang="en-US" sz="1600" kern="1200" dirty="0" smtClean="0" cap="none" b="0">
+                        <a:solidFill>
+                          <a:srgbClr val="000000"/>
+                        </a:solidFill>
+                        <a:latin typeface="맑은 고딕" charset="0"/>
+                        <a:ea typeface="맑은 고딕" charset="0"/>
+                      </a:endParaRPr>
+                    </a:p>
+                  </a:txBody>
+                  <a:tcPr marL="90170" marR="90170" marT="46990" marB="46990" anchor="ctr">
+                    <a:lnL w="19050" cap="flat" cmpd="sng" algn="ctr">
+                      <a:solidFill>
+                        <a:srgbClr val="000000">
+                          <a:alpha val="100000"/>
+                        </a:srgbClr>
+                      </a:solidFill>
+                      <a:prstDash val="solid"/>
+                      <a:round/>
+                      <a:headEnd type="none" w="med" len="med"/>
+                      <a:tailEnd type="none" w="med" len="med"/>
+                    </a:lnL>
+                    <a:lnR w="19050" cap="flat" cmpd="sng" algn="ctr">
+                      <a:solidFill>
+                        <a:srgbClr val="000000">
+                          <a:alpha val="100000"/>
+                        </a:srgbClr>
+                      </a:solidFill>
+                      <a:prstDash val="solid"/>
+                      <a:round/>
+                      <a:headEnd type="none" w="med" len="med"/>
+                      <a:tailEnd type="none" w="med" len="med"/>
+                    </a:lnR>
+                    <a:lnT w="19050" cap="flat" cmpd="sng" algn="ctr">
+                      <a:solidFill>
+                        <a:srgbClr val="000000">
+                          <a:alpha val="100000"/>
+                        </a:srgbClr>
+                      </a:solidFill>
+                      <a:prstDash val="solid"/>
+                      <a:round/>
+                      <a:headEnd type="none" w="med" len="med"/>
+                      <a:tailEnd type="none" w="med" len="med"/>
+                    </a:lnT>
+                    <a:lnB w="19050" cap="flat" cmpd="sng" algn="ctr">
+                      <a:solidFill>
+                        <a:srgbClr val="000000">
+                          <a:alpha val="100000"/>
+                        </a:srgbClr>
+                      </a:solidFill>
+                      <a:prstDash val="solid"/>
+                      <a:round/>
+                      <a:headEnd type="none" w="med" len="med"/>
+                      <a:tailEnd type="none" w="med" len="med"/>
+                    </a:lnB>
+                    <a:solidFill>
+                      <a:srgbClr val="FFFFFF"/>
+                    </a:solidFill>
+                  </a:tcPr>
+                </a:tc>
+              </a:tr>
+            </a:tbl>
+          </a:graphicData>
+        </a:graphic>
+      </p:graphicFrame>
+    </p:spTree>
+  </p:cSld>
+  <p:clrMapOvr>
+    <a:masterClrMapping/>
+  </p:clrMapOvr>
+  <mc:AlternateContent xmlns:mc="http://schemas.openxmlformats.org/markup-compatibility/2006">
+    <mc:Choice xmlns:p14="http://schemas.microsoft.com/office/powerpoint/2010/main" Requires="p14">
+      <p:transition spd="slow" p14:dur="500"/>
+    </mc:Choice>
+    <mc:Fallback>
+      <p:transition spd="slow"/>
+    </mc:Fallback>
+  </mc:AlternateContent>
+  <p:timing>
+    <p:tnLst>
+      <p:par>
+        <p:cTn id="1" dur="indefinite" restart="never" nodeType="tmRoot"/>
+      </p:par>
+    </p:tnLst>
+  </p:timing>
+</p:sld>
+</file>
+
+<file path=ppt/slides/slide22.xml><?xml version="1.0" encoding="utf-8"?>
+<p:sld xmlns:a="http://schemas.openxmlformats.org/drawingml/2006/main" xmlns:r="http://schemas.openxmlformats.org/officeDocument/2006/relationships" xmlns:p="http://schemas.openxmlformats.org/presentationml/2006/main">
+  <p:cSld>
+    <p:spTree>
+      <p:nvGrpSpPr>
+        <p:cNvPr id="1" name=""/>
+        <p:cNvGrpSpPr/>
+        <p:nvPr/>
+      </p:nvGrpSpPr>
+      <p:grpSpPr>
+        <a:xfrm>
+          <a:off x="0" y="0"/>
+          <a:ext cx="0" cy="0"/>
+          <a:chOff x="0" y="0"/>
+          <a:chExt cx="0" cy="0"/>
+        </a:xfrm>
+      </p:grpSpPr>
+      <p:sp>
+        <p:nvSpPr>
+          <p:cNvPr id="10" name="TextBox 9"/>
+          <p:cNvSpPr txBox="1">
+            <a:spLocks/>
+          </p:cNvSpPr>
+          <p:nvPr/>
+        </p:nvSpPr>
+        <p:spPr>
+          <a:xfrm rot="0">
+            <a:off x="2301875" y="938530"/>
+            <a:ext cx="2593340" cy="368935"/>
+          </a:xfrm>
+          <a:prstGeom prst="rect"/>
+          <a:noFill/>
+        </p:spPr>
+        <p:txBody>
+          <a:bodyPr wrap="square" lIns="91440" tIns="45720" rIns="91440" bIns="45720" vert="horz" anchor="t">
+            <a:spAutoFit/>
+          </a:bodyPr>
+          <a:lstStyle/>
+          <a:p>
+            <a:pPr marL="0" indent="0" algn="l" fontAlgn="auto" defTabSz="914400" eaLnBrk="0">
+              <a:lnSpc>
+                <a:spcPct val="100000"/>
+              </a:lnSpc>
+              <a:spcBef>
+                <a:spcPts val="0"/>
+              </a:spcBef>
+              <a:spcAft>
+                <a:spcPts val="0"/>
+              </a:spcAft>
+              <a:buFontTx/>
+              <a:buNone/>
+            </a:pPr>
+            <a:r>
+              <a:rPr lang="en-US" altLang="ko-KR" sz="1800" cap="none" spc="-30" dirty="0" smtClean="0" b="1">
+                <a:solidFill>
+                  <a:srgbClr val="00B0F0"/>
+                </a:solidFill>
+                <a:latin typeface="맑은 고딕" charset="0"/>
+                <a:ea typeface="맑은 고딕" charset="0"/>
+              </a:rPr>
+              <a:t>프로세스</a:t>
+            </a:r>
+            <a:endParaRPr lang="ko-KR" altLang="en-US" sz="1800" cap="none" dirty="0" smtClean="0" b="1">
+              <a:solidFill>
+                <a:srgbClr val="00B0F0"/>
+              </a:solidFill>
+              <a:latin typeface="맑은 고딕" charset="0"/>
+              <a:ea typeface="맑은 고딕" charset="0"/>
+            </a:endParaRPr>
+          </a:p>
+        </p:txBody>
+      </p:sp>
+      <p:sp>
+        <p:nvSpPr>
+          <p:cNvPr id="18" name="직사각형 17"/>
+          <p:cNvSpPr>
+            <a:spLocks/>
+          </p:cNvSpPr>
+          <p:nvPr/>
+        </p:nvSpPr>
+        <p:spPr>
+          <a:xfrm rot="0">
+            <a:off x="2318385" y="1287780"/>
+            <a:ext cx="4321810" cy="3949065"/>
+          </a:xfrm>
+          <a:prstGeom prst="rect"/>
+        </p:spPr>
+        <p:txBody>
+          <a:bodyPr wrap="square" lIns="91440" tIns="45720" rIns="91440" bIns="45720" vert="horz" anchor="t">
+            <a:spAutoFit/>
+          </a:bodyPr>
+          <a:lstStyle/>
+          <a:p>
+            <a:pPr marL="0" indent="0" algn="l" fontAlgn="auto" defTabSz="914400" eaLnBrk="0">
+              <a:lnSpc>
+                <a:spcPct val="150000"/>
+              </a:lnSpc>
+              <a:spcBef>
+                <a:spcPts val="0"/>
+              </a:spcBef>
+              <a:spcAft>
+                <a:spcPts val="0"/>
+              </a:spcAft>
+              <a:buFontTx/>
+              <a:buNone/>
+            </a:pPr>
+            <a:r>
+              <a:rPr lang="en-US" altLang="ko-KR" sz="1000" cap="none" dirty="0" smtClean="0" b="0">
+                <a:solidFill>
+                  <a:srgbClr val="FFFFFF"/>
+                </a:solidFill>
+                <a:latin typeface="맑은 고딕" charset="0"/>
+                <a:ea typeface="맑은 고딕" charset="0"/>
+              </a:rPr>
+              <a:t>1) ssu_daemon</a:t>
+            </a:r>
+            <a:endParaRPr lang="ko-KR" altLang="en-US" sz="1000" cap="none" dirty="0" smtClean="0" b="0">
+              <a:solidFill>
+                <a:srgbClr val="FFFFFF"/>
+              </a:solidFill>
+              <a:latin typeface="맑은 고딕" charset="0"/>
+              <a:ea typeface="맑은 고딕" charset="0"/>
+            </a:endParaRPr>
+          </a:p>
+          <a:p>
+            <a:pPr marL="0" indent="0" algn="just" fontAlgn="auto" defTabSz="508000">
+              <a:lnSpc>
+                <a:spcPct val="114999"/>
+              </a:lnSpc>
+              <a:spcBef>
+                <a:spcPts val="0"/>
+              </a:spcBef>
+              <a:spcAft>
+                <a:spcPts val="1000"/>
+              </a:spcAft>
+              <a:buFontTx/>
+              <a:buNone/>
+            </a:pPr>
+            <a:r>
+              <a:rPr lang="en-US" altLang="ko-KR" sz="1000" cap="none" dirty="0" smtClean="0" b="0">
+                <a:solidFill>
+                  <a:schemeClr val="bg1"/>
+                </a:solidFill>
+                <a:latin typeface="맑은 고딕" charset="0"/>
+                <a:ea typeface="맑은 고딕" charset="0"/>
+              </a:rPr>
+              <a:t>목표 설정 : 데몬 프로세스이고 지정된 폴더 ‘/ttmp’를 감시하며 생성, 삭제, 수정에대한 이벤트를 감시하고 기록한다. (일반 유저는 홈디렉토리/syslog에 root면 /syslog에 기록) 또한 ssu_client와 IPC를 할 수 있어야 한다.</a:t>
+            </a:r>
+            <a:endParaRPr lang="ko-KR" altLang="en-US" sz="1000" cap="none" dirty="0" smtClean="0" b="0">
+              <a:solidFill>
+                <a:schemeClr val="bg1"/>
+              </a:solidFill>
+              <a:latin typeface="맑은 고딕" charset="0"/>
+              <a:ea typeface="맑은 고딕" charset="0"/>
+            </a:endParaRPr>
+          </a:p>
+          <a:p>
+            <a:pPr marL="0" indent="0" algn="just" fontAlgn="auto" defTabSz="508000">
+              <a:lnSpc>
+                <a:spcPct val="114999"/>
+              </a:lnSpc>
+              <a:spcBef>
+                <a:spcPts val="0"/>
+              </a:spcBef>
+              <a:spcAft>
+                <a:spcPts val="1000"/>
+              </a:spcAft>
+              <a:buFontTx/>
+              <a:buNone/>
+            </a:pPr>
+            <a:r>
+              <a:rPr lang="en-US" altLang="ko-KR" sz="1000" cap="none" dirty="0" smtClean="0" b="0">
+                <a:solidFill>
+                  <a:schemeClr val="bg1"/>
+                </a:solidFill>
+                <a:latin typeface="맑은 고딕" charset="0"/>
+                <a:ea typeface="맑은 고딕" charset="0"/>
+              </a:rPr>
+              <a:t>분석 : 여러 조건을 만족시켜 데몬 프로세스를 생성하고, ssu_client와는 스레드를 사용하여 메시지큐로 IPC를 한다. ‘/ttmp’를 감시하기 위해 Inotify를 사용한다.</a:t>
+            </a:r>
+            <a:r>
+              <a:rPr lang="en-US" altLang="ko-KR" sz="1000" cap="none" dirty="0" smtClean="0" b="0">
+                <a:solidFill>
+                  <a:schemeClr val="bg1"/>
+                </a:solidFill>
+                <a:latin typeface="맑은 고딕" charset="0"/>
+                <a:ea typeface="맑은 고딕" charset="0"/>
+              </a:rPr>
+              <a:t> </a:t>
+            </a:r>
+            <a:endParaRPr lang="ko-KR" altLang="en-US" sz="1000" cap="none" dirty="0" smtClean="0" b="0">
+              <a:solidFill>
+                <a:schemeClr val="bg1"/>
+              </a:solidFill>
+              <a:latin typeface="맑은 고딕" charset="0"/>
+              <a:ea typeface="맑은 고딕" charset="0"/>
+            </a:endParaRPr>
+          </a:p>
+          <a:p>
+            <a:pPr marL="0" indent="0" algn="just" fontAlgn="auto" defTabSz="508000">
+              <a:lnSpc>
+                <a:spcPct val="114999"/>
+              </a:lnSpc>
+              <a:spcBef>
+                <a:spcPts val="0"/>
+              </a:spcBef>
+              <a:spcAft>
+                <a:spcPts val="1000"/>
+              </a:spcAft>
+              <a:buFontTx/>
+              <a:buNone/>
+            </a:pPr>
+            <a:endParaRPr lang="ko-KR" altLang="en-US" sz="1000" cap="none" dirty="0" smtClean="0" b="0">
+              <a:solidFill>
+                <a:schemeClr val="bg1"/>
+              </a:solidFill>
+              <a:latin typeface="맑은 고딕" charset="0"/>
+              <a:ea typeface="맑은 고딕" charset="0"/>
+            </a:endParaRPr>
+          </a:p>
+          <a:p>
+            <a:pPr marL="0" indent="0" algn="just" fontAlgn="auto" defTabSz="508000">
+              <a:lnSpc>
+                <a:spcPct val="114999"/>
+              </a:lnSpc>
+              <a:spcBef>
+                <a:spcPts val="0"/>
+              </a:spcBef>
+              <a:spcAft>
+                <a:spcPts val="1000"/>
+              </a:spcAft>
+              <a:buFontTx/>
+              <a:buNone/>
+            </a:pPr>
+            <a:r>
+              <a:rPr lang="en-US" altLang="ko-KR" sz="1000" cap="none" dirty="0" smtClean="0" b="0">
+                <a:solidFill>
+                  <a:schemeClr val="bg1"/>
+                </a:solidFill>
+                <a:latin typeface="맑은 고딕" charset="0"/>
+                <a:ea typeface="맑은 고딕" charset="0"/>
+              </a:rPr>
+              <a:t>2) ssu_client</a:t>
+            </a:r>
+            <a:endParaRPr lang="ko-KR" altLang="en-US" sz="1000" cap="none" dirty="0" smtClean="0" b="0">
+              <a:solidFill>
+                <a:schemeClr val="bg1"/>
+              </a:solidFill>
+              <a:latin typeface="맑은 고딕" charset="0"/>
+              <a:ea typeface="맑은 고딕" charset="0"/>
+            </a:endParaRPr>
+          </a:p>
+          <a:p>
+            <a:pPr marL="0" indent="0" algn="just" fontAlgn="auto" defTabSz="508000">
+              <a:lnSpc>
+                <a:spcPct val="114999"/>
+              </a:lnSpc>
+              <a:spcBef>
+                <a:spcPts val="0"/>
+              </a:spcBef>
+              <a:spcAft>
+                <a:spcPts val="1000"/>
+              </a:spcAft>
+              <a:buFontTx/>
+              <a:buNone/>
+            </a:pPr>
+            <a:r>
+              <a:rPr lang="en-US" altLang="ko-KR" sz="1000" cap="none" dirty="0" smtClean="0" b="0">
+                <a:solidFill>
+                  <a:schemeClr val="bg1"/>
+                </a:solidFill>
+                <a:latin typeface="맑은 고딕" charset="0"/>
+                <a:ea typeface="맑은 고딕" charset="0"/>
+              </a:rPr>
+              <a:t>목표 설정 : 데몬프로세스가 기록한 syslog를 출력할수 있다. 특정 확장자를 등록하여 자신의 파일이 아니어도 이벤트를 감시할 수 있게만든다.</a:t>
+            </a:r>
+            <a:endParaRPr lang="ko-KR" altLang="en-US" sz="1000" cap="none" dirty="0" smtClean="0" b="0">
+              <a:solidFill>
+                <a:schemeClr val="bg1"/>
+              </a:solidFill>
+              <a:latin typeface="맑은 고딕" charset="0"/>
+              <a:ea typeface="맑은 고딕" charset="0"/>
+            </a:endParaRPr>
+          </a:p>
+          <a:p>
+            <a:pPr marL="0" indent="0" algn="just" fontAlgn="auto" defTabSz="508000">
+              <a:lnSpc>
+                <a:spcPct val="114999"/>
+              </a:lnSpc>
+              <a:spcBef>
+                <a:spcPts val="0"/>
+              </a:spcBef>
+              <a:spcAft>
+                <a:spcPts val="1000"/>
+              </a:spcAft>
+              <a:buFontTx/>
+              <a:buNone/>
+            </a:pPr>
+            <a:r>
+              <a:rPr lang="en-US" altLang="ko-KR" sz="1000" cap="none" dirty="0" smtClean="0" b="0">
+                <a:solidFill>
+                  <a:schemeClr val="bg1"/>
+                </a:solidFill>
+                <a:latin typeface="맑은 고딕" charset="0"/>
+                <a:ea typeface="맑은 고딕" charset="0"/>
+              </a:rPr>
+              <a:t>분석 : 현재 유저ID를 알아야 하고, ssu_daemon과 IPC를 하여 접근권한이 없는 syslog도 가져올 수 있다. 특정확장자를 ssu_daemon에 기록해야 하므로 메시지 큐를 이용한다.</a:t>
+            </a:r>
+            <a:endParaRPr lang="ko-KR" altLang="en-US" sz="1000" cap="none" dirty="0" smtClean="0" b="0">
+              <a:solidFill>
+                <a:schemeClr val="bg1"/>
+              </a:solidFill>
+              <a:latin typeface="맑은 고딕" charset="0"/>
+              <a:ea typeface="맑은 고딕" charset="0"/>
+            </a:endParaRPr>
+          </a:p>
+          <a:p>
+            <a:pPr marL="0" indent="0" algn="l" fontAlgn="auto" defTabSz="914400" eaLnBrk="0">
+              <a:lnSpc>
+                <a:spcPct val="150000"/>
+              </a:lnSpc>
+              <a:spcBef>
+                <a:spcPts val="0"/>
+              </a:spcBef>
+              <a:spcAft>
+                <a:spcPts val="0"/>
+              </a:spcAft>
+              <a:buFontTx/>
+              <a:buNone/>
+            </a:pPr>
+            <a:endParaRPr lang="ko-KR" altLang="en-US" sz="1000" cap="none" dirty="0" smtClean="0" b="0">
+              <a:solidFill>
+                <a:srgbClr val="FFFFFF"/>
+              </a:solidFill>
+              <a:latin typeface="맑은 고딕" charset="0"/>
+              <a:ea typeface="맑은 고딕" charset="0"/>
+            </a:endParaRPr>
+          </a:p>
+          <a:p>
+            <a:pPr marL="0" indent="0" algn="l" fontAlgn="auto" defTabSz="914400" eaLnBrk="0">
+              <a:lnSpc>
+                <a:spcPct val="100000"/>
+              </a:lnSpc>
+              <a:spcBef>
+                <a:spcPts val="0"/>
+              </a:spcBef>
+              <a:spcAft>
+                <a:spcPts val="0"/>
+              </a:spcAft>
+              <a:buClr>
+                <a:srgbClr val="FFFFFF"/>
+              </a:buClr>
+              <a:buFont typeface="Arial"/>
+              <a:buChar char="•"/>
+            </a:pPr>
+            <a:endParaRPr lang="ko-KR" altLang="en-US" sz="1000" cap="none" dirty="0" smtClean="0" b="0">
+              <a:solidFill>
+                <a:srgbClr val="FFFFFF"/>
+              </a:solidFill>
+              <a:latin typeface="나눔고딕" charset="0"/>
+              <a:ea typeface="나눔고딕" charset="0"/>
+            </a:endParaRPr>
+          </a:p>
+        </p:txBody>
+      </p:sp>
+      <p:sp>
+        <p:nvSpPr>
+          <p:cNvPr id="35" name="직사각형 34"/>
+          <p:cNvSpPr>
+            <a:spLocks/>
+          </p:cNvSpPr>
+          <p:nvPr/>
+        </p:nvSpPr>
+        <p:spPr>
+          <a:xfrm rot="0">
+            <a:off x="2406650" y="2780665"/>
+            <a:ext cx="5761990" cy="323215"/>
+          </a:xfrm>
+          <a:prstGeom prst="rect"/>
+        </p:spPr>
+        <p:txBody>
+          <a:bodyPr wrap="square" lIns="91440" tIns="45720" rIns="91440" bIns="45720" vert="horz" anchor="t">
+            <a:spAutoFit/>
+          </a:bodyPr>
+          <a:lstStyle/>
+          <a:p>
+            <a:pPr marL="0" indent="0" algn="l" fontAlgn="auto" defTabSz="914400" eaLnBrk="0">
+              <a:lnSpc>
+                <a:spcPct val="150000"/>
+              </a:lnSpc>
+              <a:spcBef>
+                <a:spcPts val="0"/>
+              </a:spcBef>
+              <a:spcAft>
+                <a:spcPts val="0"/>
+              </a:spcAft>
+              <a:buFontTx/>
+              <a:buNone/>
+            </a:pPr>
+            <a:endParaRPr lang="ko-KR" altLang="en-US" sz="1000" cap="none" dirty="0" smtClean="0" b="0">
+              <a:solidFill>
+                <a:srgbClr val="FFFFFF"/>
+              </a:solidFill>
+              <a:latin typeface="나눔고딕" charset="0"/>
+              <a:ea typeface="나눔고딕" charset="0"/>
+            </a:endParaRPr>
+          </a:p>
+        </p:txBody>
+      </p:sp>
+      <p:sp>
+        <p:nvSpPr>
+          <p:cNvPr id="65" name="직사각형 64"/>
+          <p:cNvSpPr>
+            <a:spLocks/>
+          </p:cNvSpPr>
+          <p:nvPr/>
+        </p:nvSpPr>
+        <p:spPr>
+          <a:xfrm rot="0">
+            <a:off x="309880" y="241300"/>
+            <a:ext cx="443230" cy="307340"/>
+          </a:xfrm>
+          <a:prstGeom prst="rect"/>
+        </p:spPr>
+        <p:txBody>
+          <a:bodyPr wrap="none" lIns="91440" tIns="45720" rIns="91440" bIns="45720" vert="horz" anchor="t">
+            <a:spAutoFit/>
+          </a:bodyPr>
+          <a:lstStyle/>
+          <a:p>
+            <a:pPr marL="0" indent="0" algn="l" fontAlgn="auto" defTabSz="914400" eaLnBrk="0">
+              <a:lnSpc>
+                <a:spcPct val="100000"/>
+              </a:lnSpc>
+              <a:spcBef>
+                <a:spcPts val="0"/>
+              </a:spcBef>
+              <a:spcAft>
+                <a:spcPts val="0"/>
+              </a:spcAft>
+              <a:buFontTx/>
+              <a:buNone/>
+            </a:pPr>
+            <a:r>
+              <a:rPr lang="en-US" altLang="ko-KR" sz="1400" cap="none" spc="-50" dirty="0" smtClean="0" b="1">
+                <a:solidFill>
+                  <a:srgbClr val="FFFFFF"/>
+                </a:solidFill>
+                <a:latin typeface="맑은 고딕" charset="0"/>
+                <a:ea typeface="맑은 고딕" charset="0"/>
+              </a:rPr>
+              <a:t>3-2</a:t>
+            </a:r>
+            <a:endParaRPr lang="ko-KR" altLang="en-US" sz="1400" cap="none" dirty="0" smtClean="0" b="1">
+              <a:solidFill>
+                <a:srgbClr val="FFFFFF"/>
+              </a:solidFill>
+              <a:latin typeface="맑은 고딕" charset="0"/>
+              <a:ea typeface="맑은 고딕" charset="0"/>
+            </a:endParaRPr>
+          </a:p>
+        </p:txBody>
+      </p:sp>
+      <p:cxnSp>
+        <p:nvCxnSpPr>
+          <p:cNvPr id="14" name="직선 연결선 13"/>
+          <p:cNvCxnSpPr/>
+          <p:nvPr/>
+        </p:nvCxnSpPr>
+        <p:spPr>
+          <a:xfrm rot="0">
+            <a:off x="424180" y="541020"/>
+            <a:ext cx="1910080" cy="635"/>
+          </a:xfrm>
+          <a:prstGeom prst="line"/>
+          <a:ln w="3175" cap="flat" cmpd="sng">
+            <a:solidFill>
+              <a:schemeClr val="bg1">
+                <a:lumMod val="95000"/>
+                <a:alpha val="100000"/>
+              </a:schemeClr>
+            </a:solidFill>
+            <a:prstDash val="solid"/>
+          </a:ln>
+        </p:spPr>
+        <p:style>
+          <a:lnRef idx="1">
+            <a:schemeClr val="accent1"/>
+          </a:lnRef>
+          <a:fillRef idx="0">
+            <a:schemeClr val="accent1"/>
+          </a:fillRef>
+          <a:effectRef idx="0">
+            <a:schemeClr val="accent1"/>
+          </a:effectRef>
+          <a:fontRef idx="minor">
+            <a:schemeClr val="tx1"/>
+          </a:fontRef>
+        </p:style>
+      </p:cxnSp>
+      <p:cxnSp>
+        <p:nvCxnSpPr>
+          <p:cNvPr id="15" name="직선 연결선 14"/>
+          <p:cNvCxnSpPr/>
+          <p:nvPr/>
+        </p:nvCxnSpPr>
+        <p:spPr>
+          <a:xfrm rot="0" flipV="1">
+            <a:off x="2411730" y="539750"/>
+            <a:ext cx="6311900" cy="1905"/>
+          </a:xfrm>
+          <a:prstGeom prst="line"/>
+          <a:ln w="3175" cap="flat" cmpd="sng">
+            <a:solidFill>
+              <a:schemeClr val="bg1">
+                <a:lumMod val="95000"/>
+                <a:alpha val="100000"/>
+              </a:schemeClr>
+            </a:solidFill>
+            <a:prstDash val="solid"/>
+          </a:ln>
+        </p:spPr>
+        <p:style>
+          <a:lnRef idx="1">
+            <a:schemeClr val="accent1"/>
+          </a:lnRef>
+          <a:fillRef idx="0">
+            <a:schemeClr val="accent1"/>
+          </a:fillRef>
+          <a:effectRef idx="0">
+            <a:schemeClr val="accent1"/>
+          </a:effectRef>
+          <a:fontRef idx="minor">
+            <a:schemeClr val="tx1"/>
+          </a:fontRef>
+        </p:style>
+      </p:cxnSp>
+      <p:sp>
+        <p:nvSpPr>
+          <p:cNvPr id="17" name="직사각형 16"/>
+          <p:cNvSpPr>
+            <a:spLocks/>
+          </p:cNvSpPr>
+          <p:nvPr/>
+        </p:nvSpPr>
+        <p:spPr>
+          <a:xfrm rot="0">
+            <a:off x="8637270" y="6337935"/>
+            <a:ext cx="255905" cy="231775"/>
+          </a:xfrm>
+          <a:prstGeom prst="rect"/>
+        </p:spPr>
+        <p:txBody>
+          <a:bodyPr wrap="none" lIns="91440" tIns="45720" rIns="91440" bIns="45720" vert="horz" anchor="t">
+            <a:spAutoFit/>
+          </a:bodyPr>
+          <a:lstStyle/>
+          <a:p>
+            <a:pPr marL="0" indent="0" algn="r" fontAlgn="auto" defTabSz="914400" eaLnBrk="0">
+              <a:lnSpc>
+                <a:spcPct val="100000"/>
+              </a:lnSpc>
+              <a:spcBef>
+                <a:spcPts val="0"/>
+              </a:spcBef>
+              <a:spcAft>
+                <a:spcPts val="0"/>
+              </a:spcAft>
+              <a:buFontTx/>
+              <a:buNone/>
+            </a:pPr>
+            <a:fld id="{B9320F77-B9A0-41C5-862A-B4B631284C64}" type="slidenum">
+              <a:rPr lang="en-US" altLang="ko-KR" sz="900" cap="none" dirty="0" smtClean="0" b="0">
+                <a:gradFill rotWithShape="1">
+                  <a:gsLst>
+                    <a:gs pos="0">
+                      <a:srgbClr val="FFFFFF"/>
+                    </a:gs>
+                    <a:gs pos="100000">
+                      <a:srgbClr val="FFFFFF"/>
+                    </a:gs>
+                  </a:gsLst>
+                  <a:lin ang="5400000"/>
+                </a:gradFill>
+                <a:latin typeface="나눔고딕" charset="0"/>
+                <a:ea typeface="나눔고딕" charset="0"/>
+              </a:rPr>
+              <a:t>22</a:t>
+            </a:fld>
+            <a:endParaRPr lang="ko-KR" altLang="en-US" sz="900" cap="none" dirty="0" smtClean="0" b="0">
+              <a:gradFill rotWithShape="1">
+                <a:gsLst>
+                  <a:gs pos="0">
+                    <a:srgbClr val="FFFFFF"/>
+                  </a:gs>
+                  <a:gs pos="100000">
+                    <a:srgbClr val="FFFFFF"/>
+                  </a:gs>
+                </a:gsLst>
+                <a:lin ang="5400000"/>
+              </a:gradFill>
+              <a:latin typeface="나눔고딕" charset="0"/>
+              <a:ea typeface="나눔고딕" charset="0"/>
+            </a:endParaRPr>
+          </a:p>
+        </p:txBody>
+      </p:sp>
+      <p:sp>
+        <p:nvSpPr>
+          <p:cNvPr id="13" name="텍스트 개체 틀 12"/>
+          <p:cNvSpPr txBox="1">
+            <a:spLocks/>
+          </p:cNvSpPr>
+          <p:nvPr>
+            <p:ph type="ctrTitle"/>
+          </p:nvPr>
+        </p:nvSpPr>
+        <p:spPr>
+          <a:xfrm rot="0">
+            <a:off x="321310" y="935355"/>
+            <a:ext cx="2015490" cy="1471295"/>
+          </a:xfrm>
+          <a:prstGeom prst="rect"/>
+        </p:spPr>
+        <p:txBody>
+          <a:bodyPr wrap="square" lIns="91440" tIns="45720" rIns="91440" bIns="45720" vert="horz" anchor="t">
+            <a:normAutofit fontScale="100000" lnSpcReduction="0"/>
+          </a:bodyPr>
+          <a:lstStyle/>
+          <a:p>
+            <a:pPr marL="0" indent="0" algn="l" fontAlgn="auto" defTabSz="914400">
+              <a:lnSpc>
+                <a:spcPct val="100000"/>
+              </a:lnSpc>
+              <a:spcBef>
+                <a:spcPts val="0"/>
+              </a:spcBef>
+              <a:spcAft>
+                <a:spcPts val="0"/>
+              </a:spcAft>
+              <a:buFontTx/>
+              <a:buNone/>
+            </a:pPr>
+            <a:r>
+              <a:rPr lang="en-US" altLang="ko-KR" sz="1800" cap="none" spc="-50" dirty="0" smtClean="0" b="1">
+                <a:solidFill>
+                  <a:srgbClr val="FFFFFF"/>
+                </a:solidFill>
+                <a:latin typeface="맑은 고딕" charset="0"/>
+                <a:ea typeface="맑은 고딕" charset="0"/>
+              </a:rPr>
+              <a:t>ObserveDir </a:t>
+            </a:r>
+            <a:endParaRPr lang="ko-KR" altLang="en-US" sz="1800" cap="none" dirty="0" smtClean="0" b="1">
+              <a:solidFill>
+                <a:srgbClr val="FFFFFF"/>
+              </a:solidFill>
+              <a:latin typeface="맑은 고딕" charset="0"/>
+              <a:ea typeface="맑은 고딕" charset="0"/>
+            </a:endParaRPr>
+          </a:p>
+        </p:txBody>
+      </p:sp>
+    </p:spTree>
+  </p:cSld>
+  <p:clrMapOvr>
+    <a:masterClrMapping/>
+  </p:clrMapOvr>
+  <mc:AlternateContent xmlns:mc="http://schemas.openxmlformats.org/markup-compatibility/2006">
+    <mc:Choice xmlns:p14="http://schemas.microsoft.com/office/powerpoint/2010/main" Requires="p14">
+      <p:transition spd="slow" p14:dur="500"/>
+    </mc:Choice>
+    <mc:Fallback>
+      <p:transition spd="slow"/>
+    </mc:Fallback>
+  </mc:AlternateContent>
+  <p:timing>
+    <p:tnLst>
+      <p:par>
+        <p:cTn id="1" dur="indefinite" restart="never" nodeType="tmRoot"/>
+      </p:par>
+    </p:tnLst>
+  </p:timing>
+</p:sld>
+</file>
+
+<file path=ppt/slides/slide23.xml><?xml version="1.0" encoding="utf-8"?>
+<p:sld xmlns:a="http://schemas.openxmlformats.org/drawingml/2006/main" xmlns:r="http://schemas.openxmlformats.org/officeDocument/2006/relationships" xmlns:p="http://schemas.openxmlformats.org/presentationml/2006/main">
+  <p:cSld>
+    <p:spTree>
+      <p:nvGrpSpPr>
+        <p:cNvPr id="1" name=""/>
+        <p:cNvGrpSpPr/>
+        <p:nvPr/>
+      </p:nvGrpSpPr>
+      <p:grpSpPr>
+        <a:xfrm>
+          <a:off x="0" y="0"/>
+          <a:ext cx="0" cy="0"/>
+          <a:chOff x="0" y="0"/>
+          <a:chExt cx="0" cy="0"/>
+        </a:xfrm>
+      </p:grpSpPr>
+      <p:sp>
+        <p:nvSpPr>
+          <p:cNvPr id="10" name="TextBox 9"/>
+          <p:cNvSpPr txBox="1">
+            <a:spLocks/>
+          </p:cNvSpPr>
+          <p:nvPr/>
+        </p:nvSpPr>
+        <p:spPr>
+          <a:xfrm rot="0">
+            <a:off x="2301875" y="938530"/>
+            <a:ext cx="2593340" cy="368935"/>
+          </a:xfrm>
+          <a:prstGeom prst="rect"/>
+          <a:noFill/>
+        </p:spPr>
+        <p:txBody>
+          <a:bodyPr wrap="square" lIns="91440" tIns="45720" rIns="91440" bIns="45720" vert="horz" anchor="t">
+            <a:spAutoFit/>
+          </a:bodyPr>
+          <a:lstStyle/>
+          <a:p>
+            <a:pPr marL="0" indent="0" algn="l" fontAlgn="auto" defTabSz="914400" eaLnBrk="0">
+              <a:lnSpc>
+                <a:spcPct val="100000"/>
+              </a:lnSpc>
+              <a:spcBef>
+                <a:spcPts val="0"/>
+              </a:spcBef>
+              <a:spcAft>
+                <a:spcPts val="0"/>
+              </a:spcAft>
+              <a:buFontTx/>
+              <a:buNone/>
+            </a:pPr>
+            <a:r>
+              <a:rPr lang="en-US" altLang="ko-KR" sz="1800" cap="none" spc="-30" dirty="0" smtClean="0" b="1">
+                <a:solidFill>
+                  <a:srgbClr val="00B0F0"/>
+                </a:solidFill>
+                <a:latin typeface="맑은 고딕" charset="0"/>
+                <a:ea typeface="맑은 고딕" charset="0"/>
+              </a:rPr>
+              <a:t>데몬 프로세스 순서도</a:t>
+            </a:r>
+            <a:endParaRPr lang="ko-KR" altLang="en-US" sz="1800" cap="none" dirty="0" smtClean="0" b="1">
+              <a:solidFill>
+                <a:srgbClr val="00B0F0"/>
+              </a:solidFill>
+              <a:latin typeface="맑은 고딕" charset="0"/>
+              <a:ea typeface="맑은 고딕" charset="0"/>
+            </a:endParaRPr>
+          </a:p>
+        </p:txBody>
+      </p:sp>
+      <p:sp>
+        <p:nvSpPr>
+          <p:cNvPr id="35" name="직사각형 34"/>
+          <p:cNvSpPr>
+            <a:spLocks/>
+          </p:cNvSpPr>
+          <p:nvPr/>
+        </p:nvSpPr>
+        <p:spPr>
+          <a:xfrm rot="0">
+            <a:off x="2406650" y="2780665"/>
+            <a:ext cx="5761990" cy="323215"/>
+          </a:xfrm>
+          <a:prstGeom prst="rect"/>
+        </p:spPr>
+        <p:txBody>
+          <a:bodyPr wrap="square" lIns="91440" tIns="45720" rIns="91440" bIns="45720" vert="horz" anchor="t">
+            <a:spAutoFit/>
+          </a:bodyPr>
+          <a:lstStyle/>
+          <a:p>
+            <a:pPr marL="0" indent="0" algn="l" fontAlgn="auto" defTabSz="914400" eaLnBrk="0">
+              <a:lnSpc>
+                <a:spcPct val="150000"/>
+              </a:lnSpc>
+              <a:spcBef>
+                <a:spcPts val="0"/>
+              </a:spcBef>
+              <a:spcAft>
+                <a:spcPts val="0"/>
+              </a:spcAft>
+              <a:buFontTx/>
+              <a:buNone/>
+            </a:pPr>
+            <a:endParaRPr lang="ko-KR" altLang="en-US" sz="1000" cap="none" dirty="0" smtClean="0" b="0">
+              <a:solidFill>
+                <a:srgbClr val="FFFFFF"/>
+              </a:solidFill>
+              <a:latin typeface="나눔고딕" charset="0"/>
+              <a:ea typeface="나눔고딕" charset="0"/>
+            </a:endParaRPr>
+          </a:p>
+        </p:txBody>
+      </p:sp>
+      <p:sp>
+        <p:nvSpPr>
+          <p:cNvPr id="65" name="직사각형 64"/>
+          <p:cNvSpPr>
+            <a:spLocks/>
+          </p:cNvSpPr>
+          <p:nvPr/>
+        </p:nvSpPr>
+        <p:spPr>
+          <a:xfrm rot="0">
+            <a:off x="309880" y="241300"/>
+            <a:ext cx="443230" cy="307340"/>
+          </a:xfrm>
+          <a:prstGeom prst="rect"/>
+        </p:spPr>
+        <p:txBody>
+          <a:bodyPr wrap="none" lIns="91440" tIns="45720" rIns="91440" bIns="45720" vert="horz" anchor="t">
+            <a:spAutoFit/>
+          </a:bodyPr>
+          <a:lstStyle/>
+          <a:p>
+            <a:pPr marL="0" indent="0" algn="l" fontAlgn="auto" defTabSz="914400" eaLnBrk="0">
+              <a:lnSpc>
+                <a:spcPct val="100000"/>
+              </a:lnSpc>
+              <a:spcBef>
+                <a:spcPts val="0"/>
+              </a:spcBef>
+              <a:spcAft>
+                <a:spcPts val="0"/>
+              </a:spcAft>
+              <a:buFontTx/>
+              <a:buNone/>
+            </a:pPr>
+            <a:r>
+              <a:rPr lang="en-US" altLang="ko-KR" sz="1400" cap="none" spc="-50" dirty="0" smtClean="0" b="1">
+                <a:solidFill>
+                  <a:srgbClr val="FFFFFF"/>
+                </a:solidFill>
+                <a:latin typeface="맑은 고딕" charset="0"/>
+                <a:ea typeface="맑은 고딕" charset="0"/>
+              </a:rPr>
+              <a:t>3-3</a:t>
+            </a:r>
+            <a:endParaRPr lang="ko-KR" altLang="en-US" sz="1400" cap="none" dirty="0" smtClean="0" b="1">
+              <a:solidFill>
+                <a:srgbClr val="FFFFFF"/>
+              </a:solidFill>
+              <a:latin typeface="맑은 고딕" charset="0"/>
+              <a:ea typeface="맑은 고딕" charset="0"/>
+            </a:endParaRPr>
+          </a:p>
+        </p:txBody>
+      </p:sp>
+      <p:cxnSp>
+        <p:nvCxnSpPr>
+          <p:cNvPr id="14" name="직선 연결선 13"/>
+          <p:cNvCxnSpPr/>
+          <p:nvPr/>
+        </p:nvCxnSpPr>
+        <p:spPr>
+          <a:xfrm rot="0">
+            <a:off x="424180" y="541020"/>
+            <a:ext cx="1910080" cy="635"/>
+          </a:xfrm>
+          <a:prstGeom prst="line"/>
+          <a:ln w="3175" cap="flat" cmpd="sng">
+            <a:solidFill>
+              <a:schemeClr val="bg1">
+                <a:lumMod val="95000"/>
+                <a:alpha val="100000"/>
+              </a:schemeClr>
+            </a:solidFill>
+            <a:prstDash val="solid"/>
+          </a:ln>
+        </p:spPr>
+        <p:style>
+          <a:lnRef idx="1">
+            <a:schemeClr val="accent1"/>
+          </a:lnRef>
+          <a:fillRef idx="0">
+            <a:schemeClr val="accent1"/>
+          </a:fillRef>
+          <a:effectRef idx="0">
+            <a:schemeClr val="accent1"/>
+          </a:effectRef>
+          <a:fontRef idx="minor">
+            <a:schemeClr val="tx1"/>
+          </a:fontRef>
+        </p:style>
+      </p:cxnSp>
+      <p:cxnSp>
+        <p:nvCxnSpPr>
+          <p:cNvPr id="15" name="직선 연결선 14"/>
+          <p:cNvCxnSpPr/>
+          <p:nvPr/>
+        </p:nvCxnSpPr>
+        <p:spPr>
+          <a:xfrm rot="0" flipV="1">
+            <a:off x="2411730" y="539750"/>
+            <a:ext cx="6311900" cy="1905"/>
+          </a:xfrm>
+          <a:prstGeom prst="line"/>
+          <a:ln w="3175" cap="flat" cmpd="sng">
+            <a:solidFill>
+              <a:schemeClr val="bg1">
+                <a:lumMod val="95000"/>
+                <a:alpha val="100000"/>
+              </a:schemeClr>
+            </a:solidFill>
+            <a:prstDash val="solid"/>
+          </a:ln>
+        </p:spPr>
+        <p:style>
+          <a:lnRef idx="1">
+            <a:schemeClr val="accent1"/>
+          </a:lnRef>
+          <a:fillRef idx="0">
+            <a:schemeClr val="accent1"/>
+          </a:fillRef>
+          <a:effectRef idx="0">
+            <a:schemeClr val="accent1"/>
+          </a:effectRef>
+          <a:fontRef idx="minor">
+            <a:schemeClr val="tx1"/>
+          </a:fontRef>
+        </p:style>
+      </p:cxnSp>
+      <p:sp>
+        <p:nvSpPr>
+          <p:cNvPr id="17" name="직사각형 16"/>
+          <p:cNvSpPr>
+            <a:spLocks/>
+          </p:cNvSpPr>
+          <p:nvPr/>
+        </p:nvSpPr>
+        <p:spPr>
+          <a:xfrm rot="0">
+            <a:off x="8637270" y="6337935"/>
+            <a:ext cx="255905" cy="231775"/>
+          </a:xfrm>
+          <a:prstGeom prst="rect"/>
+        </p:spPr>
+        <p:txBody>
+          <a:bodyPr wrap="none" lIns="91440" tIns="45720" rIns="91440" bIns="45720" vert="horz" anchor="t">
+            <a:spAutoFit/>
+          </a:bodyPr>
+          <a:lstStyle/>
+          <a:p>
+            <a:pPr marL="0" indent="0" algn="r" fontAlgn="auto" defTabSz="914400" eaLnBrk="0">
+              <a:lnSpc>
+                <a:spcPct val="100000"/>
+              </a:lnSpc>
+              <a:spcBef>
+                <a:spcPts val="0"/>
+              </a:spcBef>
+              <a:spcAft>
+                <a:spcPts val="0"/>
+              </a:spcAft>
+              <a:buFontTx/>
+              <a:buNone/>
+            </a:pPr>
+            <a:fld id="{B9320F77-B9A0-41C5-862A-B4B631284C64}" type="slidenum">
+              <a:rPr lang="en-US" altLang="ko-KR" sz="900" cap="none" dirty="0" smtClean="0" b="0">
+                <a:gradFill rotWithShape="1">
+                  <a:gsLst>
+                    <a:gs pos="0">
+                      <a:srgbClr val="FFFFFF"/>
+                    </a:gs>
+                    <a:gs pos="100000">
+                      <a:srgbClr val="FFFFFF"/>
+                    </a:gs>
+                  </a:gsLst>
+                  <a:lin ang="5400000"/>
+                </a:gradFill>
+                <a:latin typeface="나눔고딕" charset="0"/>
+                <a:ea typeface="나눔고딕" charset="0"/>
+              </a:rPr>
+              <a:t>23</a:t>
+            </a:fld>
+            <a:endParaRPr lang="ko-KR" altLang="en-US" sz="900" cap="none" dirty="0" smtClean="0" b="0">
+              <a:gradFill rotWithShape="1">
+                <a:gsLst>
+                  <a:gs pos="0">
+                    <a:srgbClr val="FFFFFF"/>
+                  </a:gs>
+                  <a:gs pos="100000">
+                    <a:srgbClr val="FFFFFF"/>
+                  </a:gs>
+                </a:gsLst>
+                <a:lin ang="5400000"/>
+              </a:gradFill>
+              <a:latin typeface="나눔고딕" charset="0"/>
+              <a:ea typeface="나눔고딕" charset="0"/>
+            </a:endParaRPr>
+          </a:p>
+        </p:txBody>
+      </p:sp>
+      <p:sp>
+        <p:nvSpPr>
+          <p:cNvPr id="13" name="텍스트 개체 틀 12"/>
+          <p:cNvSpPr txBox="1">
+            <a:spLocks/>
+          </p:cNvSpPr>
+          <p:nvPr>
+            <p:ph type="ctrTitle"/>
+          </p:nvPr>
+        </p:nvSpPr>
+        <p:spPr>
+          <a:xfrm rot="0">
+            <a:off x="321310" y="935355"/>
+            <a:ext cx="2015490" cy="1471295"/>
+          </a:xfrm>
+          <a:prstGeom prst="rect"/>
+        </p:spPr>
+        <p:txBody>
+          <a:bodyPr wrap="square" lIns="91440" tIns="45720" rIns="91440" bIns="45720" vert="horz" anchor="t">
+            <a:normAutofit fontScale="100000" lnSpcReduction="0"/>
+          </a:bodyPr>
+          <a:lstStyle/>
+          <a:p>
+            <a:pPr marL="0" indent="0" algn="l" fontAlgn="auto" defTabSz="914400">
+              <a:lnSpc>
+                <a:spcPct val="100000"/>
+              </a:lnSpc>
+              <a:spcBef>
+                <a:spcPts val="0"/>
+              </a:spcBef>
+              <a:spcAft>
+                <a:spcPts val="0"/>
+              </a:spcAft>
+              <a:buFontTx/>
+              <a:buNone/>
+            </a:pPr>
+            <a:r>
+              <a:rPr lang="en-US" altLang="ko-KR" sz="1800" cap="none" spc="-50" dirty="0" smtClean="0" b="1">
+                <a:solidFill>
+                  <a:srgbClr val="FFFFFF"/>
+                </a:solidFill>
+                <a:latin typeface="맑은 고딕" charset="0"/>
+                <a:ea typeface="맑은 고딕" charset="0"/>
+              </a:rPr>
+              <a:t>ObserveDir </a:t>
+            </a:r>
+            <a:endParaRPr lang="ko-KR" altLang="en-US" sz="1800" cap="none" dirty="0" smtClean="0" b="1">
+              <a:solidFill>
+                <a:srgbClr val="FFFFFF"/>
+              </a:solidFill>
+              <a:latin typeface="맑은 고딕" charset="0"/>
+              <a:ea typeface="맑은 고딕" charset="0"/>
+            </a:endParaRPr>
+          </a:p>
+        </p:txBody>
+      </p:sp>
+      <p:pic>
+        <p:nvPicPr>
+          <p:cNvPr id="66" name="그림 65" descr="C:/Users/kosmo_21/AppData/Roaming/PolarisOffice/ETemp/6528_3547392/fImage1990792741.png"/>
+          <p:cNvPicPr>
+            <a:picLocks noChangeAspect="1"/>
+          </p:cNvPicPr>
+          <p:nvPr/>
+        </p:nvPicPr>
+        <p:blipFill rotWithShape="1">
+          <a:blip r:embed="rId2">
+            <a:extLst>
+              <a:ext uri="{28A0092B-C50C-407E-A947-70E740481C1C}">
+                <a14:useLocalDpi xmlns:a14="http://schemas.microsoft.com/office/drawing/2010/main" val="0"/>
+              </a:ext>
+            </a:extLst>
+          </a:blip>
+          <a:srcRect/>
+          <a:stretch>
+            <a:fillRect/>
+          </a:stretch>
+        </p:blipFill>
+        <p:spPr>
+          <a:xfrm rot="0">
+            <a:off x="2400935" y="1430020"/>
+            <a:ext cx="3942080" cy="4906010"/>
+          </a:xfrm>
+          <a:prstGeom prst="rect"/>
+          <a:noFill/>
+          <a:ln w="0">
+            <a:noFill/>
+            <a:prstDash/>
+          </a:ln>
+        </p:spPr>
+      </p:pic>
+    </p:spTree>
+  </p:cSld>
+  <p:clrMapOvr>
+    <a:masterClrMapping/>
+  </p:clrMapOvr>
+  <mc:AlternateContent xmlns:mc="http://schemas.openxmlformats.org/markup-compatibility/2006">
+    <mc:Choice xmlns:p14="http://schemas.microsoft.com/office/powerpoint/2010/main" Requires="p14">
+      <p:transition spd="slow" p14:dur="500"/>
+    </mc:Choice>
+    <mc:Fallback>
+      <p:transition spd="slow"/>
+    </mc:Fallback>
+  </mc:AlternateContent>
+  <p:timing>
+    <p:tnLst>
+      <p:par>
+        <p:cTn id="1" dur="indefinite" restart="never" nodeType="tmRoot"/>
+      </p:par>
+    </p:tnLst>
+  </p:timing>
+</p:sld>
+</file>
+
+<file path=ppt/slides/slide24.xml><?xml version="1.0" encoding="utf-8"?>
+<p:sld xmlns:a="http://schemas.openxmlformats.org/drawingml/2006/main" xmlns:r="http://schemas.openxmlformats.org/officeDocument/2006/relationships" xmlns:p="http://schemas.openxmlformats.org/presentationml/2006/main">
+  <p:cSld>
+    <p:spTree>
+      <p:nvGrpSpPr>
+        <p:cNvPr id="1" name=""/>
+        <p:cNvGrpSpPr/>
+        <p:nvPr/>
+      </p:nvGrpSpPr>
+      <p:grpSpPr>
+        <a:xfrm>
+          <a:off x="0" y="0"/>
+          <a:ext cx="0" cy="0"/>
+          <a:chOff x="0" y="0"/>
+          <a:chExt cx="0" cy="0"/>
+        </a:xfrm>
+      </p:grpSpPr>
+      <p:sp>
+        <p:nvSpPr>
+          <p:cNvPr id="65" name="도형 64"/>
+          <p:cNvSpPr>
+            <a:spLocks/>
+          </p:cNvSpPr>
+          <p:nvPr/>
+        </p:nvSpPr>
+        <p:spPr>
+          <a:xfrm rot="0">
+            <a:off x="309880" y="241300"/>
+            <a:ext cx="443230" cy="307340"/>
+          </a:xfrm>
+          <a:prstGeom prst="rect"/>
+        </p:spPr>
+        <p:txBody>
+          <a:bodyPr wrap="none" lIns="91440" tIns="45720" rIns="91440" bIns="45720" vert="horz" anchor="t">
+            <a:spAutoFit/>
+          </a:bodyPr>
+          <a:lstStyle/>
+          <a:p>
+            <a:pPr marL="0" indent="0" algn="l" fontAlgn="auto" defTabSz="914400" eaLnBrk="0">
+              <a:lnSpc>
+                <a:spcPct val="100000"/>
+              </a:lnSpc>
+              <a:spcBef>
+                <a:spcPts val="0"/>
+              </a:spcBef>
+              <a:spcAft>
+                <a:spcPts val="0"/>
+              </a:spcAft>
+              <a:buFontTx/>
+              <a:buNone/>
+            </a:pPr>
+            <a:r>
+              <a:rPr lang="en-US" altLang="ko-KR" sz="1400" cap="none" spc="-50" dirty="0" smtClean="0" b="1">
+                <a:solidFill>
+                  <a:srgbClr val="FFFFFF"/>
+                </a:solidFill>
+                <a:latin typeface="맑은 고딕" charset="0"/>
+                <a:ea typeface="맑은 고딕" charset="0"/>
+              </a:rPr>
+              <a:t>3-4</a:t>
+            </a:r>
+            <a:endParaRPr lang="ko-KR" altLang="en-US" sz="1400" cap="none" dirty="0" smtClean="0" b="1">
+              <a:solidFill>
+                <a:srgbClr val="FFFFFF"/>
+              </a:solidFill>
+              <a:latin typeface="맑은 고딕" charset="0"/>
+              <a:ea typeface="맑은 고딕" charset="0"/>
+            </a:endParaRPr>
+          </a:p>
+        </p:txBody>
+      </p:sp>
+      <p:cxnSp>
+        <p:nvCxnSpPr>
+          <p:cNvPr id="14" name="도형 13"/>
+          <p:cNvCxnSpPr/>
+          <p:nvPr/>
+        </p:nvCxnSpPr>
+        <p:spPr>
+          <a:xfrm rot="0">
+            <a:off x="424180" y="541020"/>
+            <a:ext cx="1911350" cy="1905"/>
+          </a:xfrm>
+          <a:prstGeom prst="line"/>
+          <a:ln w="3175" cap="flat" cmpd="sng">
+            <a:solidFill>
+              <a:schemeClr val="bg1">
+                <a:lumMod val="95000"/>
+                <a:alpha val="100000"/>
+              </a:schemeClr>
+            </a:solidFill>
+            <a:prstDash val="solid"/>
+          </a:ln>
+        </p:spPr>
+        <p:style>
+          <a:lnRef idx="1">
+            <a:schemeClr val="accent1"/>
+          </a:lnRef>
+          <a:fillRef idx="0">
+            <a:schemeClr val="accent1"/>
+          </a:fillRef>
+          <a:effectRef idx="0">
+            <a:schemeClr val="accent1"/>
+          </a:effectRef>
+          <a:fontRef idx="minor">
+            <a:schemeClr val="tx1"/>
+          </a:fontRef>
+        </p:style>
+      </p:cxnSp>
+      <p:cxnSp>
+        <p:nvCxnSpPr>
+          <p:cNvPr id="15" name="도형 14"/>
+          <p:cNvCxnSpPr/>
+          <p:nvPr/>
+        </p:nvCxnSpPr>
+        <p:spPr>
+          <a:xfrm rot="0" flipV="1">
+            <a:off x="2411730" y="539750"/>
+            <a:ext cx="6313170" cy="3175"/>
+          </a:xfrm>
+          <a:prstGeom prst="line"/>
+          <a:ln w="3175" cap="flat" cmpd="sng">
+            <a:solidFill>
+              <a:schemeClr val="bg1">
+                <a:lumMod val="95000"/>
+                <a:alpha val="100000"/>
+              </a:schemeClr>
+            </a:solidFill>
+            <a:prstDash val="solid"/>
+          </a:ln>
+        </p:spPr>
+        <p:style>
+          <a:lnRef idx="1">
+            <a:schemeClr val="accent1"/>
+          </a:lnRef>
+          <a:fillRef idx="0">
+            <a:schemeClr val="accent1"/>
+          </a:fillRef>
+          <a:effectRef idx="0">
+            <a:schemeClr val="accent1"/>
+          </a:effectRef>
+          <a:fontRef idx="minor">
+            <a:schemeClr val="tx1"/>
+          </a:fontRef>
+        </p:style>
+      </p:cxnSp>
+      <p:sp>
+        <p:nvSpPr>
+          <p:cNvPr id="13" name="텍스트 개체 틀 12"/>
+          <p:cNvSpPr txBox="1">
+            <a:spLocks/>
+          </p:cNvSpPr>
+          <p:nvPr>
+            <p:ph type="ctrTitle"/>
+          </p:nvPr>
+        </p:nvSpPr>
+        <p:spPr>
+          <a:xfrm rot="0">
+            <a:off x="321310" y="935355"/>
+            <a:ext cx="2016125" cy="1471930"/>
+          </a:xfrm>
+          <a:prstGeom prst="rect"/>
+        </p:spPr>
+        <p:txBody>
+          <a:bodyPr wrap="square" lIns="91440" tIns="45720" rIns="91440" bIns="45720" vert="horz" anchor="t">
+            <a:normAutofit fontScale="100000" lnSpcReduction="0"/>
+          </a:bodyPr>
+          <a:lstStyle/>
+          <a:p>
+            <a:pPr marL="0" indent="0" algn="l" fontAlgn="auto" defTabSz="914400" eaLnBrk="0">
+              <a:lnSpc>
+                <a:spcPct val="100000"/>
+              </a:lnSpc>
+              <a:spcBef>
+                <a:spcPts val="0"/>
+              </a:spcBef>
+              <a:spcAft>
+                <a:spcPts val="0"/>
+              </a:spcAft>
+              <a:buFontTx/>
+              <a:buNone/>
+            </a:pPr>
+            <a:r>
+              <a:rPr lang="en-US" altLang="ko-KR" sz="1800" cap="none" spc="-50" dirty="0" smtClean="0" b="1">
+                <a:solidFill>
+                  <a:srgbClr val="FFFFFF"/>
+                </a:solidFill>
+                <a:latin typeface="맑은 고딕" charset="0"/>
+                <a:ea typeface="맑은 고딕" charset="0"/>
+              </a:rPr>
+              <a:t>ObserveDir</a:t>
+            </a:r>
+            <a:endParaRPr lang="ko-KR" altLang="en-US" sz="1800" cap="none" dirty="0" smtClean="0" b="1">
+              <a:solidFill>
+                <a:srgbClr val="FFFFFF"/>
+              </a:solidFill>
+              <a:latin typeface="맑은 고딕" charset="0"/>
+              <a:ea typeface="맑은 고딕" charset="0"/>
+            </a:endParaRPr>
+          </a:p>
+        </p:txBody>
+      </p:sp>
+      <p:sp>
+        <p:nvSpPr>
+          <p:cNvPr id="67" name="텍스트 상자 66"/>
+          <p:cNvSpPr txBox="1">
+            <a:spLocks/>
+          </p:cNvSpPr>
+          <p:nvPr/>
+        </p:nvSpPr>
+        <p:spPr>
+          <a:xfrm rot="0">
+            <a:off x="2333625" y="1476375"/>
+            <a:ext cx="1301750" cy="370205"/>
+          </a:xfrm>
+          <a:prstGeom prst="rect"/>
+          <a:noFill/>
+          <a:ln w="0">
+            <a:noFill/>
+            <a:prstDash/>
+          </a:ln>
+        </p:spPr>
+        <p:txBody>
+          <a:bodyPr wrap="square" lIns="89535" tIns="46355" rIns="89535" bIns="46355" vert="horz" anchor="t">
+            <a:spAutoFit/>
+          </a:bodyPr>
+          <a:lstStyle/>
+          <a:p>
+            <a:pPr marL="0" indent="0" algn="l" fontAlgn="auto" defTabSz="508000" eaLnBrk="0">
+              <a:lnSpc>
+                <a:spcPct val="100000"/>
+              </a:lnSpc>
+              <a:spcBef>
+                <a:spcPts val="0"/>
+              </a:spcBef>
+              <a:spcAft>
+                <a:spcPts val="0"/>
+              </a:spcAft>
+              <a:buFontTx/>
+              <a:buNone/>
+            </a:pPr>
+            <a:r>
+              <a:rPr lang="en-US" altLang="ko-KR" sz="1800" cap="none" dirty="0" smtClean="0" b="0">
+                <a:solidFill>
+                  <a:srgbClr val="FFFFFF"/>
+                </a:solidFill>
+                <a:latin typeface="맑은 고딕" charset="0"/>
+                <a:ea typeface="맑은 고딕" charset="0"/>
+              </a:rPr>
+              <a:t>데몬 실행</a:t>
+            </a:r>
+            <a:endParaRPr lang="ko-KR" altLang="en-US" sz="1800" cap="none" dirty="0" smtClean="0" b="0">
+              <a:solidFill>
+                <a:srgbClr val="FFFFFF"/>
+              </a:solidFill>
+              <a:latin typeface="맑은 고딕" charset="0"/>
+              <a:ea typeface="맑은 고딕" charset="0"/>
+            </a:endParaRPr>
+          </a:p>
+        </p:txBody>
+      </p:sp>
+      <p:sp>
+        <p:nvSpPr>
+          <p:cNvPr id="70" name="직사각형 69"/>
+          <p:cNvSpPr>
+            <a:spLocks/>
+          </p:cNvSpPr>
+          <p:nvPr/>
+        </p:nvSpPr>
+        <p:spPr>
+          <a:xfrm rot="0">
+            <a:off x="8637270" y="6337935"/>
+            <a:ext cx="257175" cy="233044"/>
+          </a:xfrm>
+          <a:prstGeom prst="rect"/>
+        </p:spPr>
+        <p:txBody>
+          <a:bodyPr wrap="none" lIns="91440" tIns="45720" rIns="91440" bIns="45720" vert="horz" anchor="t">
+            <a:spAutoFit/>
+          </a:bodyPr>
+          <a:lstStyle/>
+          <a:p>
+            <a:pPr marL="0" indent="0" algn="r" fontAlgn="auto" defTabSz="914400" eaLnBrk="0">
+              <a:lnSpc>
+                <a:spcPct val="100000"/>
+              </a:lnSpc>
+              <a:spcBef>
+                <a:spcPts val="0"/>
+              </a:spcBef>
+              <a:spcAft>
+                <a:spcPts val="0"/>
+              </a:spcAft>
+              <a:buFontTx/>
+              <a:buNone/>
+            </a:pPr>
+            <a:fld id="{B9320F77-B9A0-41C5-862A-B4B631284C64}" type="slidenum">
+              <a:rPr lang="en-US" altLang="ko-KR" sz="900" cap="none" dirty="0" smtClean="0" b="0">
+                <a:gradFill rotWithShape="1">
+                  <a:gsLst>
+                    <a:gs pos="0">
+                      <a:srgbClr val="FFFFFF"/>
+                    </a:gs>
+                    <a:gs pos="100000">
+                      <a:srgbClr val="FFFFFF"/>
+                    </a:gs>
+                  </a:gsLst>
+                  <a:lin ang="5400000"/>
+                </a:gradFill>
+                <a:latin typeface="나눔고딕" charset="0"/>
+                <a:ea typeface="나눔고딕" charset="0"/>
+              </a:rPr>
+              <a:t>24</a:t>
+            </a:fld>
+            <a:endParaRPr lang="ko-KR" altLang="en-US" sz="900" cap="none" dirty="0" smtClean="0" b="0">
+              <a:gradFill rotWithShape="1">
+                <a:gsLst>
+                  <a:gs pos="0">
+                    <a:srgbClr val="FFFFFF"/>
+                  </a:gs>
+                  <a:gs pos="100000">
+                    <a:srgbClr val="FFFFFF"/>
+                  </a:gs>
+                </a:gsLst>
+                <a:lin ang="5400000"/>
+              </a:gradFill>
+              <a:latin typeface="나눔고딕" charset="0"/>
+              <a:ea typeface="나눔고딕" charset="0"/>
+            </a:endParaRPr>
+          </a:p>
+        </p:txBody>
+      </p:sp>
+      <p:sp>
+        <p:nvSpPr>
+          <p:cNvPr id="71" name="TextBox 70"/>
+          <p:cNvSpPr txBox="1">
+            <a:spLocks/>
+          </p:cNvSpPr>
+          <p:nvPr/>
+        </p:nvSpPr>
+        <p:spPr>
+          <a:xfrm rot="0">
+            <a:off x="2301875" y="938530"/>
+            <a:ext cx="2593340" cy="368935"/>
+          </a:xfrm>
+          <a:prstGeom prst="rect"/>
+          <a:noFill/>
+        </p:spPr>
+        <p:txBody>
+          <a:bodyPr wrap="square" lIns="91440" tIns="45720" rIns="91440" bIns="45720" vert="horz" anchor="t">
+            <a:spAutoFit/>
+          </a:bodyPr>
+          <a:lstStyle/>
+          <a:p>
+            <a:pPr marL="0" indent="0" algn="l" fontAlgn="auto" defTabSz="914400" eaLnBrk="0">
+              <a:lnSpc>
+                <a:spcPct val="100000"/>
+              </a:lnSpc>
+              <a:spcBef>
+                <a:spcPts val="0"/>
+              </a:spcBef>
+              <a:spcAft>
+                <a:spcPts val="0"/>
+              </a:spcAft>
+              <a:buFontTx/>
+              <a:buNone/>
+            </a:pPr>
+            <a:r>
+              <a:rPr lang="en-US" altLang="ko-KR" sz="1800" cap="none" spc="-30" dirty="0" smtClean="0" b="1">
+                <a:solidFill>
+                  <a:srgbClr val="00B0F0"/>
+                </a:solidFill>
+                <a:latin typeface="맑은 고딕" charset="0"/>
+                <a:ea typeface="맑은 고딕" charset="0"/>
+              </a:rPr>
+              <a:t>기능구현</a:t>
+            </a:r>
+            <a:endParaRPr lang="ko-KR" altLang="en-US" sz="1800" cap="none" dirty="0" smtClean="0" b="1">
+              <a:solidFill>
+                <a:srgbClr val="00B0F0"/>
+              </a:solidFill>
+              <a:latin typeface="맑은 고딕" charset="0"/>
+              <a:ea typeface="맑은 고딕" charset="0"/>
+            </a:endParaRPr>
+          </a:p>
+        </p:txBody>
+      </p:sp>
+      <p:pic>
+        <p:nvPicPr>
+          <p:cNvPr id="72" name="그림 71" descr="C:/Users/kosmo_21/AppData/Roaming/PolarisOffice/ETemp/6528_3547392/fImage244779668467.png"/>
+          <p:cNvPicPr>
+            <a:picLocks noChangeAspect="1"/>
+          </p:cNvPicPr>
+          <p:nvPr/>
+        </p:nvPicPr>
+        <p:blipFill rotWithShape="1">
+          <a:blip r:embed="rId2">
+            <a:extLst>
+              <a:ext uri="{28A0092B-C50C-407E-A947-70E740481C1C}">
+                <a14:useLocalDpi xmlns:a14="http://schemas.microsoft.com/office/drawing/2010/main" val="0"/>
+              </a:ext>
+            </a:extLst>
+          </a:blip>
+          <a:srcRect/>
+          <a:stretch>
+            <a:fillRect/>
+          </a:stretch>
+        </p:blipFill>
+        <p:spPr>
+          <a:xfrm rot="0">
+            <a:off x="1993900" y="2042160"/>
+            <a:ext cx="6642735" cy="1381125"/>
+          </a:xfrm>
+          <a:prstGeom prst="rect"/>
+          <a:noFill/>
+          <a:ln w="0">
+            <a:noFill/>
+            <a:prstDash/>
+          </a:ln>
+        </p:spPr>
+      </p:pic>
+      <p:pic>
+        <p:nvPicPr>
+          <p:cNvPr id="73" name="그림 72" descr="C:/Users/kosmo_21/AppData/Roaming/PolarisOffice/ETemp/6528_3547392/fImage226139696334.png"/>
+          <p:cNvPicPr>
+            <a:picLocks noChangeAspect="1"/>
+          </p:cNvPicPr>
+          <p:nvPr/>
+        </p:nvPicPr>
+        <p:blipFill rotWithShape="1">
+          <a:blip r:embed="rId3">
+            <a:extLst>
+              <a:ext uri="{28A0092B-C50C-407E-A947-70E740481C1C}">
+                <a14:useLocalDpi xmlns:a14="http://schemas.microsoft.com/office/drawing/2010/main" val="0"/>
+              </a:ext>
+            </a:extLst>
+          </a:blip>
+          <a:srcRect/>
+          <a:stretch>
+            <a:fillRect/>
+          </a:stretch>
+        </p:blipFill>
+        <p:spPr>
+          <a:xfrm rot="0">
+            <a:off x="1993900" y="3819525"/>
+            <a:ext cx="6642735" cy="1234440"/>
+          </a:xfrm>
+          <a:prstGeom prst="rect"/>
+          <a:noFill/>
+          <a:ln w="0">
+            <a:noFill/>
+            <a:prstDash/>
+          </a:ln>
+        </p:spPr>
+      </p:pic>
+    </p:spTree>
+  </p:cSld>
+  <p:clrMapOvr>
+    <a:masterClrMapping/>
+  </p:clrMapOvr>
+  <mc:AlternateContent xmlns:mc="http://schemas.openxmlformats.org/markup-compatibility/2006">
+    <mc:Choice xmlns:p14="http://schemas.microsoft.com/office/powerpoint/2010/main" Requires="p14">
+      <p:transition spd="slow" p14:dur="500"/>
+    </mc:Choice>
+    <mc:Fallback>
+      <p:transition spd="slow"/>
+    </mc:Fallback>
+  </mc:AlternateContent>
+  <p:timing>
+    <p:tnLst>
+      <p:par>
+        <p:cTn id="1" dur="indefinite" restart="never" nodeType="tmRoot"/>
+      </p:par>
+    </p:tnLst>
+  </p:timing>
+</p:sld>
+</file>
+
+<file path=ppt/slides/slide25.xml><?xml version="1.0" encoding="utf-8"?>
+<p:sld xmlns:a="http://schemas.openxmlformats.org/drawingml/2006/main" xmlns:r="http://schemas.openxmlformats.org/officeDocument/2006/relationships" xmlns:p="http://schemas.openxmlformats.org/presentationml/2006/main">
+  <p:cSld>
+    <p:spTree>
+      <p:nvGrpSpPr>
+        <p:cNvPr id="1" name=""/>
+        <p:cNvGrpSpPr/>
+        <p:nvPr/>
+      </p:nvGrpSpPr>
+      <p:grpSpPr>
+        <a:xfrm>
+          <a:off x="0" y="0"/>
+          <a:ext cx="0" cy="0"/>
+          <a:chOff x="0" y="0"/>
+          <a:chExt cx="0" cy="0"/>
+        </a:xfrm>
+      </p:grpSpPr>
+      <p:sp>
+        <p:nvSpPr>
+          <p:cNvPr id="65" name="도형 64"/>
+          <p:cNvSpPr>
+            <a:spLocks/>
+          </p:cNvSpPr>
+          <p:nvPr/>
+        </p:nvSpPr>
+        <p:spPr>
+          <a:xfrm rot="0">
+            <a:off x="309880" y="241300"/>
+            <a:ext cx="443230" cy="307340"/>
+          </a:xfrm>
+          <a:prstGeom prst="rect"/>
+        </p:spPr>
+        <p:txBody>
+          <a:bodyPr wrap="none" lIns="91440" tIns="45720" rIns="91440" bIns="45720" vert="horz" anchor="t">
+            <a:spAutoFit/>
+          </a:bodyPr>
+          <a:lstStyle/>
+          <a:p>
+            <a:pPr marL="0" indent="0" algn="l" fontAlgn="auto" defTabSz="914400" eaLnBrk="0">
+              <a:lnSpc>
+                <a:spcPct val="100000"/>
+              </a:lnSpc>
+              <a:spcBef>
+                <a:spcPts val="0"/>
+              </a:spcBef>
+              <a:spcAft>
+                <a:spcPts val="0"/>
+              </a:spcAft>
+              <a:buFontTx/>
+              <a:buNone/>
+            </a:pPr>
+            <a:r>
+              <a:rPr lang="en-US" altLang="ko-KR" sz="1400" cap="none" spc="-50" dirty="0" smtClean="0" b="1">
+                <a:solidFill>
+                  <a:srgbClr val="FFFFFF"/>
+                </a:solidFill>
+                <a:latin typeface="맑은 고딕" charset="0"/>
+                <a:ea typeface="맑은 고딕" charset="0"/>
+              </a:rPr>
+              <a:t>3-5</a:t>
+            </a:r>
+            <a:endParaRPr lang="ko-KR" altLang="en-US" sz="1400" cap="none" dirty="0" smtClean="0" b="1">
+              <a:solidFill>
+                <a:srgbClr val="FFFFFF"/>
+              </a:solidFill>
+              <a:latin typeface="맑은 고딕" charset="0"/>
+              <a:ea typeface="맑은 고딕" charset="0"/>
+            </a:endParaRPr>
+          </a:p>
+        </p:txBody>
+      </p:sp>
+      <p:cxnSp>
+        <p:nvCxnSpPr>
+          <p:cNvPr id="14" name="도형 13"/>
+          <p:cNvCxnSpPr/>
+          <p:nvPr/>
+        </p:nvCxnSpPr>
+        <p:spPr>
+          <a:xfrm rot="0">
+            <a:off x="424180" y="541020"/>
+            <a:ext cx="1911350" cy="1905"/>
+          </a:xfrm>
+          <a:prstGeom prst="line"/>
+          <a:ln w="3175" cap="flat" cmpd="sng">
+            <a:solidFill>
+              <a:schemeClr val="bg1">
+                <a:lumMod val="95000"/>
+                <a:alpha val="100000"/>
+              </a:schemeClr>
+            </a:solidFill>
+            <a:prstDash val="solid"/>
+          </a:ln>
+        </p:spPr>
+        <p:style>
+          <a:lnRef idx="1">
+            <a:schemeClr val="accent1"/>
+          </a:lnRef>
+          <a:fillRef idx="0">
+            <a:schemeClr val="accent1"/>
+          </a:fillRef>
+          <a:effectRef idx="0">
+            <a:schemeClr val="accent1"/>
+          </a:effectRef>
+          <a:fontRef idx="minor">
+            <a:schemeClr val="tx1"/>
+          </a:fontRef>
+        </p:style>
+      </p:cxnSp>
+      <p:cxnSp>
+        <p:nvCxnSpPr>
+          <p:cNvPr id="15" name="도형 14"/>
+          <p:cNvCxnSpPr/>
+          <p:nvPr/>
+        </p:nvCxnSpPr>
+        <p:spPr>
+          <a:xfrm rot="0" flipV="1">
+            <a:off x="2411730" y="539750"/>
+            <a:ext cx="6313170" cy="3175"/>
+          </a:xfrm>
+          <a:prstGeom prst="line"/>
+          <a:ln w="3175" cap="flat" cmpd="sng">
+            <a:solidFill>
+              <a:schemeClr val="bg1">
+                <a:lumMod val="95000"/>
+                <a:alpha val="100000"/>
+              </a:schemeClr>
+            </a:solidFill>
+            <a:prstDash val="solid"/>
+          </a:ln>
+        </p:spPr>
+        <p:style>
+          <a:lnRef idx="1">
+            <a:schemeClr val="accent1"/>
+          </a:lnRef>
+          <a:fillRef idx="0">
+            <a:schemeClr val="accent1"/>
+          </a:fillRef>
+          <a:effectRef idx="0">
+            <a:schemeClr val="accent1"/>
+          </a:effectRef>
+          <a:fontRef idx="minor">
+            <a:schemeClr val="tx1"/>
+          </a:fontRef>
+        </p:style>
+      </p:cxnSp>
+      <p:sp>
+        <p:nvSpPr>
+          <p:cNvPr id="13" name="텍스트 개체 틀 12"/>
+          <p:cNvSpPr txBox="1">
+            <a:spLocks/>
+          </p:cNvSpPr>
+          <p:nvPr>
+            <p:ph type="ctrTitle"/>
+          </p:nvPr>
+        </p:nvSpPr>
+        <p:spPr>
+          <a:xfrm rot="0">
+            <a:off x="321310" y="935355"/>
+            <a:ext cx="2016125" cy="1471930"/>
+          </a:xfrm>
+          <a:prstGeom prst="rect"/>
+        </p:spPr>
+        <p:txBody>
+          <a:bodyPr wrap="square" lIns="91440" tIns="45720" rIns="91440" bIns="45720" vert="horz" anchor="t">
+            <a:normAutofit fontScale="100000" lnSpcReduction="0"/>
+          </a:bodyPr>
+          <a:lstStyle/>
+          <a:p>
+            <a:pPr marL="0" indent="0" algn="l" fontAlgn="auto" defTabSz="914400" eaLnBrk="0">
+              <a:lnSpc>
+                <a:spcPct val="100000"/>
+              </a:lnSpc>
+              <a:spcBef>
+                <a:spcPts val="0"/>
+              </a:spcBef>
+              <a:spcAft>
+                <a:spcPts val="0"/>
+              </a:spcAft>
+              <a:buFontTx/>
+              <a:buNone/>
+            </a:pPr>
+            <a:r>
+              <a:rPr lang="en-US" altLang="ko-KR" sz="1800" cap="none" spc="-50" dirty="0" smtClean="0" b="1">
+                <a:solidFill>
+                  <a:srgbClr val="FFFFFF"/>
+                </a:solidFill>
+                <a:latin typeface="맑은 고딕" charset="0"/>
+                <a:ea typeface="맑은 고딕" charset="0"/>
+              </a:rPr>
+              <a:t>ObserveDir</a:t>
+            </a:r>
+            <a:endParaRPr lang="ko-KR" altLang="en-US" sz="1800" cap="none" dirty="0" smtClean="0" b="1">
+              <a:solidFill>
+                <a:srgbClr val="FFFFFF"/>
+              </a:solidFill>
+              <a:latin typeface="맑은 고딕" charset="0"/>
+              <a:ea typeface="맑은 고딕" charset="0"/>
+            </a:endParaRPr>
+          </a:p>
+        </p:txBody>
+      </p:sp>
+      <p:sp>
+        <p:nvSpPr>
+          <p:cNvPr id="67" name="텍스트 상자 66"/>
+          <p:cNvSpPr txBox="1">
+            <a:spLocks/>
+          </p:cNvSpPr>
+          <p:nvPr/>
+        </p:nvSpPr>
+        <p:spPr>
+          <a:xfrm rot="0">
+            <a:off x="2333625" y="1476375"/>
+            <a:ext cx="3474085" cy="370205"/>
+          </a:xfrm>
+          <a:prstGeom prst="rect"/>
+          <a:noFill/>
+          <a:ln w="0">
+            <a:noFill/>
+            <a:prstDash/>
+          </a:ln>
+        </p:spPr>
+        <p:txBody>
+          <a:bodyPr wrap="square" lIns="89535" tIns="46355" rIns="89535" bIns="46355" vert="horz" anchor="t">
+            <a:spAutoFit/>
+          </a:bodyPr>
+          <a:lstStyle/>
+          <a:p>
+            <a:pPr marL="0" indent="0" algn="l" fontAlgn="auto" defTabSz="508000" eaLnBrk="0">
+              <a:lnSpc>
+                <a:spcPct val="100000"/>
+              </a:lnSpc>
+              <a:spcBef>
+                <a:spcPts val="0"/>
+              </a:spcBef>
+              <a:spcAft>
+                <a:spcPts val="0"/>
+              </a:spcAft>
+              <a:buFontTx/>
+              <a:buNone/>
+            </a:pPr>
+            <a:r>
+              <a:rPr lang="en-US" altLang="ko-KR" sz="1800" cap="none" dirty="0" smtClean="0" b="0">
+                <a:solidFill>
+                  <a:srgbClr val="FFFFFF"/>
+                </a:solidFill>
+                <a:latin typeface="맑은 고딕" charset="0"/>
+                <a:ea typeface="맑은 고딕" charset="0"/>
+              </a:rPr>
+              <a:t>파일 추가, 삭제, 수정 </a:t>
+            </a:r>
+            <a:endParaRPr lang="ko-KR" altLang="en-US" sz="1800" cap="none" dirty="0" smtClean="0" b="0">
+              <a:solidFill>
+                <a:srgbClr val="FFFFFF"/>
+              </a:solidFill>
+              <a:latin typeface="맑은 고딕" charset="0"/>
+              <a:ea typeface="맑은 고딕" charset="0"/>
+            </a:endParaRPr>
+          </a:p>
+        </p:txBody>
+      </p:sp>
+      <p:sp>
+        <p:nvSpPr>
+          <p:cNvPr id="70" name="직사각형 69"/>
+          <p:cNvSpPr>
+            <a:spLocks/>
+          </p:cNvSpPr>
+          <p:nvPr/>
+        </p:nvSpPr>
+        <p:spPr>
+          <a:xfrm rot="0">
+            <a:off x="8637270" y="6337935"/>
+            <a:ext cx="257175" cy="233044"/>
+          </a:xfrm>
+          <a:prstGeom prst="rect"/>
+        </p:spPr>
+        <p:txBody>
+          <a:bodyPr wrap="none" lIns="91440" tIns="45720" rIns="91440" bIns="45720" vert="horz" anchor="t">
+            <a:spAutoFit/>
+          </a:bodyPr>
+          <a:lstStyle/>
+          <a:p>
+            <a:pPr marL="0" indent="0" algn="r" fontAlgn="auto" defTabSz="914400" eaLnBrk="0">
+              <a:lnSpc>
+                <a:spcPct val="100000"/>
+              </a:lnSpc>
+              <a:spcBef>
+                <a:spcPts val="0"/>
+              </a:spcBef>
+              <a:spcAft>
+                <a:spcPts val="0"/>
+              </a:spcAft>
+              <a:buFontTx/>
+              <a:buNone/>
+            </a:pPr>
+            <a:fld id="{B9320F77-B9A0-41C5-862A-B4B631284C64}" type="slidenum">
+              <a:rPr lang="en-US" altLang="ko-KR" sz="900" cap="none" dirty="0" smtClean="0" b="0">
+                <a:gradFill rotWithShape="1">
+                  <a:gsLst>
+                    <a:gs pos="0">
+                      <a:srgbClr val="FFFFFF"/>
+                    </a:gs>
+                    <a:gs pos="100000">
+                      <a:srgbClr val="FFFFFF"/>
+                    </a:gs>
+                  </a:gsLst>
+                  <a:lin ang="5400000"/>
+                </a:gradFill>
+                <a:latin typeface="나눔고딕" charset="0"/>
+                <a:ea typeface="나눔고딕" charset="0"/>
+              </a:rPr>
+              <a:t>25</a:t>
+            </a:fld>
+            <a:endParaRPr lang="ko-KR" altLang="en-US" sz="900" cap="none" dirty="0" smtClean="0" b="0">
+              <a:gradFill rotWithShape="1">
+                <a:gsLst>
+                  <a:gs pos="0">
+                    <a:srgbClr val="FFFFFF"/>
+                  </a:gs>
+                  <a:gs pos="100000">
+                    <a:srgbClr val="FFFFFF"/>
+                  </a:gs>
+                </a:gsLst>
+                <a:lin ang="5400000"/>
+              </a:gradFill>
+              <a:latin typeface="나눔고딕" charset="0"/>
+              <a:ea typeface="나눔고딕" charset="0"/>
+            </a:endParaRPr>
+          </a:p>
+        </p:txBody>
+      </p:sp>
+      <p:sp>
+        <p:nvSpPr>
+          <p:cNvPr id="71" name="TextBox 70"/>
+          <p:cNvSpPr txBox="1">
+            <a:spLocks/>
+          </p:cNvSpPr>
+          <p:nvPr/>
+        </p:nvSpPr>
+        <p:spPr>
+          <a:xfrm rot="0">
+            <a:off x="2301875" y="938530"/>
+            <a:ext cx="2593340" cy="368935"/>
+          </a:xfrm>
+          <a:prstGeom prst="rect"/>
+          <a:noFill/>
+        </p:spPr>
+        <p:txBody>
+          <a:bodyPr wrap="square" lIns="91440" tIns="45720" rIns="91440" bIns="45720" vert="horz" anchor="t">
+            <a:spAutoFit/>
+          </a:bodyPr>
+          <a:lstStyle/>
+          <a:p>
+            <a:pPr marL="0" indent="0" algn="l" fontAlgn="auto" defTabSz="914400" eaLnBrk="0">
+              <a:lnSpc>
+                <a:spcPct val="100000"/>
+              </a:lnSpc>
+              <a:spcBef>
+                <a:spcPts val="0"/>
+              </a:spcBef>
+              <a:spcAft>
+                <a:spcPts val="0"/>
+              </a:spcAft>
+              <a:buFontTx/>
+              <a:buNone/>
+            </a:pPr>
+            <a:r>
+              <a:rPr lang="en-US" altLang="ko-KR" sz="1800" cap="none" spc="-30" dirty="0" smtClean="0" b="1">
+                <a:solidFill>
+                  <a:srgbClr val="00B0F0"/>
+                </a:solidFill>
+                <a:latin typeface="맑은 고딕" charset="0"/>
+                <a:ea typeface="맑은 고딕" charset="0"/>
+              </a:rPr>
+              <a:t>기능구현</a:t>
+            </a:r>
+            <a:endParaRPr lang="ko-KR" altLang="en-US" sz="1800" cap="none" dirty="0" smtClean="0" b="1">
+              <a:solidFill>
+                <a:srgbClr val="00B0F0"/>
+              </a:solidFill>
+              <a:latin typeface="맑은 고딕" charset="0"/>
+              <a:ea typeface="맑은 고딕" charset="0"/>
+            </a:endParaRPr>
+          </a:p>
+        </p:txBody>
+      </p:sp>
+      <p:pic>
+        <p:nvPicPr>
+          <p:cNvPr id="72" name="그림 71" descr="C:/Users/kosmo_21/AppData/Roaming/PolarisOffice/ETemp/6528_3547392/fImage105219846500.png"/>
+          <p:cNvPicPr>
+            <a:picLocks noChangeAspect="1"/>
+          </p:cNvPicPr>
+          <p:nvPr/>
+        </p:nvPicPr>
+        <p:blipFill rotWithShape="1">
+          <a:blip r:embed="rId2">
+            <a:extLst>
+              <a:ext uri="{28A0092B-C50C-407E-A947-70E740481C1C}">
+                <a14:useLocalDpi xmlns:a14="http://schemas.microsoft.com/office/drawing/2010/main" val="0"/>
+              </a:ext>
+            </a:extLst>
+          </a:blip>
+          <a:srcRect/>
+          <a:stretch>
+            <a:fillRect/>
+          </a:stretch>
+        </p:blipFill>
+        <p:spPr>
+          <a:xfrm rot="0">
+            <a:off x="1993900" y="1932305"/>
+            <a:ext cx="6642735" cy="613410"/>
+          </a:xfrm>
+          <a:prstGeom prst="rect"/>
+          <a:noFill/>
+          <a:ln w="0">
+            <a:noFill/>
+            <a:prstDash/>
+          </a:ln>
+        </p:spPr>
+      </p:pic>
+      <p:pic>
+        <p:nvPicPr>
+          <p:cNvPr id="73" name="그림 72" descr="C:/Users/kosmo_21/AppData/Roaming/PolarisOffice/ETemp/6528_3547392/fImage340099879169.png"/>
+          <p:cNvPicPr>
+            <a:picLocks noChangeAspect="1"/>
+          </p:cNvPicPr>
+          <p:nvPr/>
+        </p:nvPicPr>
+        <p:blipFill rotWithShape="1">
+          <a:blip r:embed="rId3">
+            <a:extLst>
+              <a:ext uri="{28A0092B-C50C-407E-A947-70E740481C1C}">
+                <a14:useLocalDpi xmlns:a14="http://schemas.microsoft.com/office/drawing/2010/main" val="0"/>
+              </a:ext>
+            </a:extLst>
+          </a:blip>
+          <a:srcRect/>
+          <a:stretch>
+            <a:fillRect/>
+          </a:stretch>
+        </p:blipFill>
+        <p:spPr>
+          <a:xfrm rot="0">
+            <a:off x="1993900" y="2698115"/>
+            <a:ext cx="6642735" cy="1570355"/>
+          </a:xfrm>
+          <a:prstGeom prst="rect"/>
+          <a:noFill/>
+          <a:ln w="0">
+            <a:noFill/>
+            <a:prstDash/>
+          </a:ln>
+        </p:spPr>
+      </p:pic>
+      <p:pic>
+        <p:nvPicPr>
+          <p:cNvPr id="74" name="그림 73" descr="C:/Users/kosmo_21/AppData/Roaming/PolarisOffice/ETemp/6528_3547392/fImage357409905724.png"/>
+          <p:cNvPicPr>
+            <a:picLocks noChangeAspect="1"/>
+          </p:cNvPicPr>
+          <p:nvPr/>
+        </p:nvPicPr>
+        <p:blipFill rotWithShape="1">
+          <a:blip r:embed="rId4">
+            <a:extLst>
+              <a:ext uri="{28A0092B-C50C-407E-A947-70E740481C1C}">
+                <a14:useLocalDpi xmlns:a14="http://schemas.microsoft.com/office/drawing/2010/main" val="0"/>
+              </a:ext>
+            </a:extLst>
+          </a:blip>
+          <a:srcRect/>
+          <a:stretch>
+            <a:fillRect/>
+          </a:stretch>
+        </p:blipFill>
+        <p:spPr>
+          <a:xfrm rot="0">
+            <a:off x="1993900" y="4392295"/>
+            <a:ext cx="6642735" cy="1708785"/>
+          </a:xfrm>
+          <a:prstGeom prst="rect"/>
+          <a:noFill/>
+          <a:ln w="0">
+            <a:noFill/>
+            <a:prstDash/>
+          </a:ln>
+        </p:spPr>
+      </p:pic>
+    </p:spTree>
+  </p:cSld>
+  <p:clrMapOvr>
+    <a:masterClrMapping/>
+  </p:clrMapOvr>
+  <mc:AlternateContent xmlns:mc="http://schemas.openxmlformats.org/markup-compatibility/2006">
+    <mc:Choice xmlns:p14="http://schemas.microsoft.com/office/powerpoint/2010/main" Requires="p14">
+      <p:transition spd="slow" p14:dur="500"/>
+    </mc:Choice>
+    <mc:Fallback>
+      <p:transition spd="slow"/>
+    </mc:Fallback>
+  </mc:AlternateContent>
+  <p:timing>
+    <p:tnLst>
+      <p:par>
+        <p:cTn id="1" dur="indefinite" restart="never" nodeType="tmRoot"/>
+      </p:par>
+    </p:tnLst>
+  </p:timing>
+</p:sld>
+</file>
+
+<file path=ppt/slides/slide26.xml><?xml version="1.0" encoding="utf-8"?>
+<p:sld xmlns:a="http://schemas.openxmlformats.org/drawingml/2006/main" xmlns:r="http://schemas.openxmlformats.org/officeDocument/2006/relationships" xmlns:p="http://schemas.openxmlformats.org/presentationml/2006/main">
+  <p:cSld>
+    <p:spTree>
+      <p:nvGrpSpPr>
+        <p:cNvPr id="1" name=""/>
+        <p:cNvGrpSpPr/>
+        <p:nvPr/>
+      </p:nvGrpSpPr>
+      <p:grpSpPr>
+        <a:xfrm>
+          <a:off x="0" y="0"/>
+          <a:ext cx="0" cy="0"/>
+          <a:chOff x="0" y="0"/>
+          <a:chExt cx="0" cy="0"/>
+        </a:xfrm>
+      </p:grpSpPr>
+      <p:sp>
+        <p:nvSpPr>
+          <p:cNvPr id="65" name="도형 64"/>
+          <p:cNvSpPr>
+            <a:spLocks/>
+          </p:cNvSpPr>
+          <p:nvPr/>
+        </p:nvSpPr>
+        <p:spPr>
+          <a:xfrm rot="0">
+            <a:off x="309880" y="241300"/>
+            <a:ext cx="443230" cy="307340"/>
+          </a:xfrm>
+          <a:prstGeom prst="rect"/>
+        </p:spPr>
+        <p:txBody>
+          <a:bodyPr wrap="none" lIns="91440" tIns="45720" rIns="91440" bIns="45720" vert="horz" anchor="t">
+            <a:spAutoFit/>
+          </a:bodyPr>
+          <a:lstStyle/>
+          <a:p>
+            <a:pPr marL="0" indent="0" algn="l" fontAlgn="auto" defTabSz="914400" eaLnBrk="0">
+              <a:lnSpc>
+                <a:spcPct val="100000"/>
+              </a:lnSpc>
+              <a:spcBef>
+                <a:spcPts val="0"/>
+              </a:spcBef>
+              <a:spcAft>
+                <a:spcPts val="0"/>
+              </a:spcAft>
+              <a:buFontTx/>
+              <a:buNone/>
+            </a:pPr>
+            <a:r>
+              <a:rPr lang="en-US" altLang="ko-KR" sz="1400" cap="none" spc="-50" dirty="0" smtClean="0" b="1">
+                <a:solidFill>
+                  <a:srgbClr val="FFFFFF"/>
+                </a:solidFill>
+                <a:latin typeface="맑은 고딕" charset="0"/>
+                <a:ea typeface="맑은 고딕" charset="0"/>
+              </a:rPr>
+              <a:t>3-6</a:t>
+            </a:r>
+            <a:endParaRPr lang="ko-KR" altLang="en-US" sz="1400" cap="none" dirty="0" smtClean="0" b="1">
+              <a:solidFill>
+                <a:srgbClr val="FFFFFF"/>
+              </a:solidFill>
+              <a:latin typeface="맑은 고딕" charset="0"/>
+              <a:ea typeface="맑은 고딕" charset="0"/>
+            </a:endParaRPr>
+          </a:p>
+        </p:txBody>
+      </p:sp>
+      <p:cxnSp>
+        <p:nvCxnSpPr>
+          <p:cNvPr id="14" name="도형 13"/>
+          <p:cNvCxnSpPr/>
+          <p:nvPr/>
+        </p:nvCxnSpPr>
+        <p:spPr>
+          <a:xfrm rot="0">
+            <a:off x="424180" y="541020"/>
+            <a:ext cx="1911350" cy="1905"/>
+          </a:xfrm>
+          <a:prstGeom prst="line"/>
+          <a:ln w="3175" cap="flat" cmpd="sng">
+            <a:solidFill>
+              <a:schemeClr val="bg1">
+                <a:lumMod val="95000"/>
+                <a:alpha val="100000"/>
+              </a:schemeClr>
+            </a:solidFill>
+            <a:prstDash val="solid"/>
+          </a:ln>
+        </p:spPr>
+        <p:style>
+          <a:lnRef idx="1">
+            <a:schemeClr val="accent1"/>
+          </a:lnRef>
+          <a:fillRef idx="0">
+            <a:schemeClr val="accent1"/>
+          </a:fillRef>
+          <a:effectRef idx="0">
+            <a:schemeClr val="accent1"/>
+          </a:effectRef>
+          <a:fontRef idx="minor">
+            <a:schemeClr val="tx1"/>
+          </a:fontRef>
+        </p:style>
+      </p:cxnSp>
+      <p:cxnSp>
+        <p:nvCxnSpPr>
+          <p:cNvPr id="15" name="도형 14"/>
+          <p:cNvCxnSpPr/>
+          <p:nvPr/>
+        </p:nvCxnSpPr>
+        <p:spPr>
+          <a:xfrm rot="0" flipV="1">
+            <a:off x="2411730" y="539750"/>
+            <a:ext cx="6313170" cy="3175"/>
+          </a:xfrm>
+          <a:prstGeom prst="line"/>
+          <a:ln w="3175" cap="flat" cmpd="sng">
+            <a:solidFill>
+              <a:schemeClr val="bg1">
+                <a:lumMod val="95000"/>
+                <a:alpha val="100000"/>
+              </a:schemeClr>
+            </a:solidFill>
+            <a:prstDash val="solid"/>
+          </a:ln>
+        </p:spPr>
+        <p:style>
+          <a:lnRef idx="1">
+            <a:schemeClr val="accent1"/>
+          </a:lnRef>
+          <a:fillRef idx="0">
+            <a:schemeClr val="accent1"/>
+          </a:fillRef>
+          <a:effectRef idx="0">
+            <a:schemeClr val="accent1"/>
+          </a:effectRef>
+          <a:fontRef idx="minor">
+            <a:schemeClr val="tx1"/>
+          </a:fontRef>
+        </p:style>
+      </p:cxnSp>
+      <p:sp>
+        <p:nvSpPr>
+          <p:cNvPr id="13" name="텍스트 개체 틀 12"/>
+          <p:cNvSpPr txBox="1">
+            <a:spLocks/>
+          </p:cNvSpPr>
+          <p:nvPr>
+            <p:ph type="ctrTitle"/>
+          </p:nvPr>
+        </p:nvSpPr>
+        <p:spPr>
+          <a:xfrm rot="0">
+            <a:off x="321310" y="935355"/>
+            <a:ext cx="2016125" cy="1471930"/>
+          </a:xfrm>
+          <a:prstGeom prst="rect"/>
+        </p:spPr>
+        <p:txBody>
+          <a:bodyPr wrap="square" lIns="91440" tIns="45720" rIns="91440" bIns="45720" vert="horz" anchor="t">
+            <a:normAutofit fontScale="100000" lnSpcReduction="0"/>
+          </a:bodyPr>
+          <a:lstStyle/>
+          <a:p>
+            <a:pPr marL="0" indent="0" algn="l" fontAlgn="auto" defTabSz="914400" eaLnBrk="0">
+              <a:lnSpc>
+                <a:spcPct val="100000"/>
+              </a:lnSpc>
+              <a:spcBef>
+                <a:spcPts val="0"/>
+              </a:spcBef>
+              <a:spcAft>
+                <a:spcPts val="0"/>
+              </a:spcAft>
+              <a:buFontTx/>
+              <a:buNone/>
+            </a:pPr>
+            <a:r>
+              <a:rPr lang="en-US" altLang="ko-KR" sz="1800" cap="none" spc="-50" dirty="0" smtClean="0" b="1">
+                <a:solidFill>
+                  <a:srgbClr val="FFFFFF"/>
+                </a:solidFill>
+                <a:latin typeface="맑은 고딕" charset="0"/>
+                <a:ea typeface="맑은 고딕" charset="0"/>
+              </a:rPr>
+              <a:t>ObserveDir</a:t>
+            </a:r>
+            <a:endParaRPr lang="ko-KR" altLang="en-US" sz="1800" cap="none" dirty="0" smtClean="0" b="1">
+              <a:solidFill>
+                <a:srgbClr val="FFFFFF"/>
+              </a:solidFill>
+              <a:latin typeface="맑은 고딕" charset="0"/>
+              <a:ea typeface="맑은 고딕" charset="0"/>
+            </a:endParaRPr>
+          </a:p>
+        </p:txBody>
+      </p:sp>
+      <p:sp>
+        <p:nvSpPr>
+          <p:cNvPr id="67" name="텍스트 상자 66"/>
+          <p:cNvSpPr txBox="1">
+            <a:spLocks/>
+          </p:cNvSpPr>
+          <p:nvPr/>
+        </p:nvSpPr>
+        <p:spPr>
+          <a:xfrm rot="0">
+            <a:off x="2333625" y="1476375"/>
+            <a:ext cx="5351780" cy="370205"/>
+          </a:xfrm>
+          <a:prstGeom prst="rect"/>
+          <a:noFill/>
+          <a:ln w="0">
+            <a:noFill/>
+            <a:prstDash/>
+          </a:ln>
+        </p:spPr>
+        <p:txBody>
+          <a:bodyPr wrap="square" lIns="89535" tIns="46355" rIns="89535" bIns="46355" vert="horz" anchor="t">
+            <a:spAutoFit/>
+          </a:bodyPr>
+          <a:lstStyle/>
+          <a:p>
+            <a:pPr marL="0" indent="0" algn="l" fontAlgn="auto" defTabSz="508000" eaLnBrk="0">
+              <a:lnSpc>
+                <a:spcPct val="100000"/>
+              </a:lnSpc>
+              <a:spcBef>
+                <a:spcPts val="0"/>
+              </a:spcBef>
+              <a:spcAft>
+                <a:spcPts val="0"/>
+              </a:spcAft>
+              <a:buFontTx/>
+              <a:buNone/>
+            </a:pPr>
+            <a:r>
+              <a:rPr lang="en-US" altLang="ko-KR" sz="1800" cap="none" dirty="0" smtClean="0" b="0">
+                <a:solidFill>
+                  <a:srgbClr val="FFFFFF"/>
+                </a:solidFill>
+                <a:latin typeface="맑은 고딕" charset="0"/>
+                <a:ea typeface="맑은 고딕" charset="0"/>
+              </a:rPr>
+              <a:t>ssu_client(syslog 가져오기, 특정확장자 등록)</a:t>
+            </a:r>
+            <a:endParaRPr lang="ko-KR" altLang="en-US" sz="1800" cap="none" dirty="0" smtClean="0" b="0">
+              <a:solidFill>
+                <a:srgbClr val="FFFFFF"/>
+              </a:solidFill>
+              <a:latin typeface="맑은 고딕" charset="0"/>
+              <a:ea typeface="맑은 고딕" charset="0"/>
+            </a:endParaRPr>
+          </a:p>
+        </p:txBody>
+      </p:sp>
+      <p:sp>
+        <p:nvSpPr>
+          <p:cNvPr id="70" name="직사각형 69"/>
+          <p:cNvSpPr>
+            <a:spLocks/>
+          </p:cNvSpPr>
+          <p:nvPr/>
+        </p:nvSpPr>
+        <p:spPr>
+          <a:xfrm rot="0">
+            <a:off x="8637270" y="6337935"/>
+            <a:ext cx="257175" cy="233044"/>
+          </a:xfrm>
+          <a:prstGeom prst="rect"/>
+        </p:spPr>
+        <p:txBody>
+          <a:bodyPr wrap="none" lIns="91440" tIns="45720" rIns="91440" bIns="45720" vert="horz" anchor="t">
+            <a:spAutoFit/>
+          </a:bodyPr>
+          <a:lstStyle/>
+          <a:p>
+            <a:pPr marL="0" indent="0" algn="r" fontAlgn="auto" defTabSz="914400" eaLnBrk="0">
+              <a:lnSpc>
+                <a:spcPct val="100000"/>
+              </a:lnSpc>
+              <a:spcBef>
+                <a:spcPts val="0"/>
+              </a:spcBef>
+              <a:spcAft>
+                <a:spcPts val="0"/>
+              </a:spcAft>
+              <a:buFontTx/>
+              <a:buNone/>
+            </a:pPr>
+            <a:fld id="{B9320F77-B9A0-41C5-862A-B4B631284C64}" type="slidenum">
+              <a:rPr lang="en-US" altLang="ko-KR" sz="900" cap="none" dirty="0" smtClean="0" b="0">
+                <a:gradFill rotWithShape="1">
+                  <a:gsLst>
+                    <a:gs pos="0">
+                      <a:srgbClr val="FFFFFF"/>
+                    </a:gs>
+                    <a:gs pos="100000">
+                      <a:srgbClr val="FFFFFF"/>
+                    </a:gs>
+                  </a:gsLst>
+                  <a:lin ang="5400000"/>
+                </a:gradFill>
+                <a:latin typeface="나눔고딕" charset="0"/>
+                <a:ea typeface="나눔고딕" charset="0"/>
+              </a:rPr>
+              <a:t>26</a:t>
+            </a:fld>
+            <a:endParaRPr lang="ko-KR" altLang="en-US" sz="900" cap="none" dirty="0" smtClean="0" b="0">
+              <a:gradFill rotWithShape="1">
+                <a:gsLst>
+                  <a:gs pos="0">
+                    <a:srgbClr val="FFFFFF"/>
+                  </a:gs>
+                  <a:gs pos="100000">
+                    <a:srgbClr val="FFFFFF"/>
+                  </a:gs>
+                </a:gsLst>
+                <a:lin ang="5400000"/>
+              </a:gradFill>
+              <a:latin typeface="나눔고딕" charset="0"/>
+              <a:ea typeface="나눔고딕" charset="0"/>
+            </a:endParaRPr>
+          </a:p>
+        </p:txBody>
+      </p:sp>
+      <p:sp>
+        <p:nvSpPr>
+          <p:cNvPr id="71" name="TextBox 70"/>
+          <p:cNvSpPr txBox="1">
+            <a:spLocks/>
+          </p:cNvSpPr>
+          <p:nvPr/>
+        </p:nvSpPr>
+        <p:spPr>
+          <a:xfrm rot="0">
+            <a:off x="2301875" y="938530"/>
+            <a:ext cx="2593340" cy="368935"/>
+          </a:xfrm>
+          <a:prstGeom prst="rect"/>
+          <a:noFill/>
+        </p:spPr>
+        <p:txBody>
+          <a:bodyPr wrap="square" lIns="91440" tIns="45720" rIns="91440" bIns="45720" vert="horz" anchor="t">
+            <a:spAutoFit/>
+          </a:bodyPr>
+          <a:lstStyle/>
+          <a:p>
+            <a:pPr marL="0" indent="0" algn="l" fontAlgn="auto" defTabSz="914400" eaLnBrk="0">
+              <a:lnSpc>
+                <a:spcPct val="100000"/>
+              </a:lnSpc>
+              <a:spcBef>
+                <a:spcPts val="0"/>
+              </a:spcBef>
+              <a:spcAft>
+                <a:spcPts val="0"/>
+              </a:spcAft>
+              <a:buFontTx/>
+              <a:buNone/>
+            </a:pPr>
+            <a:r>
+              <a:rPr lang="en-US" altLang="ko-KR" sz="1800" cap="none" spc="-30" dirty="0" smtClean="0" b="1">
+                <a:solidFill>
+                  <a:srgbClr val="00B0F0"/>
+                </a:solidFill>
+                <a:latin typeface="맑은 고딕" charset="0"/>
+                <a:ea typeface="맑은 고딕" charset="0"/>
+              </a:rPr>
+              <a:t>기능구현</a:t>
+            </a:r>
+            <a:endParaRPr lang="ko-KR" altLang="en-US" sz="1800" cap="none" dirty="0" smtClean="0" b="1">
+              <a:solidFill>
+                <a:srgbClr val="00B0F0"/>
+              </a:solidFill>
+              <a:latin typeface="맑은 고딕" charset="0"/>
+              <a:ea typeface="맑은 고딕" charset="0"/>
+            </a:endParaRPr>
+          </a:p>
+        </p:txBody>
+      </p:sp>
+      <p:pic>
+        <p:nvPicPr>
+          <p:cNvPr id="72" name="그림 71" descr="C:/Users/kosmo_21/AppData/Roaming/PolarisOffice/ETemp/6528_3547392/fImage2925810061478.png"/>
+          <p:cNvPicPr>
+            <a:picLocks noChangeAspect="1"/>
+          </p:cNvPicPr>
+          <p:nvPr/>
+        </p:nvPicPr>
+        <p:blipFill rotWithShape="1">
+          <a:blip r:embed="rId2">
+            <a:extLst>
+              <a:ext uri="{28A0092B-C50C-407E-A947-70E740481C1C}">
+                <a14:useLocalDpi xmlns:a14="http://schemas.microsoft.com/office/drawing/2010/main" val="0"/>
+              </a:ext>
+            </a:extLst>
+          </a:blip>
+          <a:srcRect/>
+          <a:stretch>
+            <a:fillRect/>
+          </a:stretch>
+        </p:blipFill>
+        <p:spPr>
+          <a:xfrm rot="0">
+            <a:off x="1993900" y="1898650"/>
+            <a:ext cx="6642735" cy="1156335"/>
+          </a:xfrm>
+          <a:prstGeom prst="rect"/>
+          <a:noFill/>
+          <a:ln w="0">
+            <a:noFill/>
+            <a:prstDash/>
+          </a:ln>
+        </p:spPr>
+      </p:pic>
+      <p:pic>
+        <p:nvPicPr>
+          <p:cNvPr id="73" name="그림 72" descr="C:/Users/kosmo_21/AppData/Roaming/PolarisOffice/ETemp/6528_3547392/fImage6454010099358.png"/>
+          <p:cNvPicPr>
+            <a:picLocks noChangeAspect="1"/>
+          </p:cNvPicPr>
+          <p:nvPr/>
+        </p:nvPicPr>
+        <p:blipFill rotWithShape="1">
+          <a:blip r:embed="rId3">
+            <a:extLst>
+              <a:ext uri="{28A0092B-C50C-407E-A947-70E740481C1C}">
+                <a14:useLocalDpi xmlns:a14="http://schemas.microsoft.com/office/drawing/2010/main" val="0"/>
+              </a:ext>
+            </a:extLst>
+          </a:blip>
+          <a:srcRect/>
+          <a:stretch>
+            <a:fillRect/>
+          </a:stretch>
+        </p:blipFill>
+        <p:spPr>
+          <a:xfrm rot="0">
+            <a:off x="1993900" y="3165475"/>
+            <a:ext cx="6642735" cy="3054350"/>
+          </a:xfrm>
+          <a:prstGeom prst="rect"/>
+          <a:noFill/>
+          <a:ln w="0">
+            <a:noFill/>
+            <a:prstDash/>
+          </a:ln>
+        </p:spPr>
+      </p:pic>
+    </p:spTree>
+  </p:cSld>
+  <p:clrMapOvr>
+    <a:masterClrMapping/>
+  </p:clrMapOvr>
+  <mc:AlternateContent xmlns:mc="http://schemas.openxmlformats.org/markup-compatibility/2006">
+    <mc:Choice xmlns:p14="http://schemas.microsoft.com/office/powerpoint/2010/main" Requires="p14">
+      <p:transition spd="slow" p14:dur="500"/>
+    </mc:Choice>
+    <mc:Fallback>
+      <p:transition spd="slow"/>
+    </mc:Fallback>
+  </mc:AlternateContent>
+  <p:timing>
+    <p:tnLst>
+      <p:par>
+        <p:cTn id="1" dur="indefinite" restart="never" nodeType="tmRoot"/>
+      </p:par>
+    </p:tnLst>
+  </p:timing>
+</p:sld>
+</file>
+
+<file path=ppt/slides/slide27.xml><?xml version="1.0" encoding="utf-8"?>
 <p:sld xmlns:a="http://schemas.openxmlformats.org/drawingml/2006/main" xmlns:r="http://schemas.openxmlformats.org/officeDocument/2006/relationships" xmlns:p="http://schemas.openxmlformats.org/presentationml/2006/main" xmlns:p14="http://schemas.microsoft.com/office/powerpoint/2010/main">
   <p:cSld>
     <p:spTree>
@@ -37675,14 +42610,14 @@
         </p:nvSpPr>
         <p:spPr>
           <a:xfrm rot="0">
-            <a:off x="892810" y="4092575"/>
-            <a:ext cx="2956560" cy="461010"/>
+            <a:off x="892810" y="3421380"/>
+            <a:ext cx="2957195" cy="461645"/>
           </a:xfrm>
           <a:prstGeom prst="rect"/>
           <a:noFill/>
         </p:spPr>
         <p:txBody>
-          <a:bodyPr wrap="square" lIns="91440" tIns="45720" rIns="91440" bIns="45720" vert="horz" anchor="t">
+          <a:bodyPr wrap="square" lIns="91440" tIns="45720" rIns="91440" bIns="45720" numCol="1" vert="horz" anchor="t">
             <a:spAutoFit/>
           </a:bodyPr>
           <a:lstStyle/>
@@ -37786,6 +42721,61 @@
               </a:gradFill>
               <a:latin typeface="나눔고딕" charset="0"/>
               <a:ea typeface="나눔고딕" charset="0"/>
+            </a:endParaRPr>
+          </a:p>
+        </p:txBody>
+      </p:sp>
+      <p:sp>
+        <p:nvSpPr>
+          <p:cNvPr id="78" name="TextBox 77"/>
+          <p:cNvSpPr txBox="1">
+            <a:spLocks/>
+          </p:cNvSpPr>
+          <p:nvPr/>
+        </p:nvSpPr>
+        <p:spPr>
+          <a:xfrm rot="0">
+            <a:off x="895350" y="4561840"/>
+            <a:ext cx="2957195" cy="461010"/>
+          </a:xfrm>
+          <a:prstGeom prst="rect"/>
+          <a:noFill/>
+        </p:spPr>
+        <p:txBody>
+          <a:bodyPr wrap="square" lIns="91440" tIns="45720" rIns="91440" bIns="45720" vert="horz" anchor="t">
+            <a:spAutoFit/>
+          </a:bodyPr>
+          <a:lstStyle/>
+          <a:p>
+            <a:pPr marL="0" indent="0" algn="l" fontAlgn="auto" defTabSz="914400" eaLnBrk="0">
+              <a:lnSpc>
+                <a:spcPct val="100000"/>
+              </a:lnSpc>
+              <a:spcBef>
+                <a:spcPts val="0"/>
+              </a:spcBef>
+              <a:spcAft>
+                <a:spcPts val="0"/>
+              </a:spcAft>
+              <a:buFontTx/>
+              <a:buNone/>
+            </a:pPr>
+            <a:r>
+              <a:rPr lang="en-US" altLang="ko-KR" sz="2400" cap="none" dirty="0" smtClean="0" b="1">
+                <a:solidFill>
+                  <a:srgbClr val="00B0F0"/>
+                </a:solidFill>
+                <a:latin typeface="맑은 고딕" charset="0"/>
+                <a:ea typeface="맑은 고딕" charset="0"/>
+              </a:rPr>
+              <a:t>3.  ObserveDir</a:t>
+            </a:r>
+            <a:endParaRPr lang="ko-KR" altLang="en-US" sz="2400" cap="none" dirty="0" smtClean="0" b="1">
+              <a:solidFill>
+                <a:srgbClr val="00B0F0"/>
+              </a:solidFill>
+              <a:latin typeface="맑은 고딕" charset="0"/>
+              <a:ea typeface="맑은 고딕" charset="0"/>
             </a:endParaRPr>
           </a:p>
         </p:txBody>
